--- a/TP1 - Zhed/doc/Entrega Final.pptx
+++ b/TP1 - Zhed/doc/Entrega Final.pptx
@@ -10,12 +10,11 @@
     <p:sldId id="259" r:id="rId7"/>
     <p:sldId id="261" r:id="rId8"/>
     <p:sldId id="262" r:id="rId9"/>
-    <p:sldId id="260" r:id="rId10"/>
-    <p:sldId id="263" r:id="rId11"/>
-    <p:sldId id="264" r:id="rId12"/>
-    <p:sldId id="265" r:id="rId13"/>
-    <p:sldId id="266" r:id="rId14"/>
-    <p:sldId id="258" r:id="rId15"/>
+    <p:sldId id="264" r:id="rId10"/>
+    <p:sldId id="260" r:id="rId11"/>
+    <p:sldId id="265" r:id="rId12"/>
+    <p:sldId id="266" r:id="rId13"/>
+    <p:sldId id="258" r:id="rId14"/>
   </p:sldIdLst>
   <p:sldSz cx="12192000" cy="6858000"/>
   <p:notesSz cx="6858000" cy="9144000"/>
@@ -125,17 +124,24 @@
 <file path=ppt/revisionInfo.xml><?xml version="1.0" encoding="utf-8"?>
 <p1510:revInfo xmlns:a="http://schemas.openxmlformats.org/drawingml/2006/main" xmlns:r="http://schemas.openxmlformats.org/officeDocument/2006/relationships" xmlns:p1510="http://schemas.microsoft.com/office/powerpoint/2015/10/main">
   <p1510:revLst>
+    <p1510:client id="{0182CDE1-323D-4E30-8B3C-2851F2474E9D}" v="125" dt="2020-03-31T10:55:31.484"/>
     <p1510:client id="{1A8BBA69-204F-9416-131B-056F3B4DF3E1}" v="405" dt="2020-03-15T20:18:23.319"/>
     <p1510:client id="{1B1BE9F3-B87D-4D75-8A81-8EFC56C67AE8}" v="993" dt="2020-03-13T16:53:07.267"/>
     <p1510:client id="{20E3516E-31FF-645E-6BA2-1C77A8F242D7}" v="855" dt="2020-03-15T20:09:26.007"/>
     <p1510:client id="{3573C848-C38E-61DD-0B00-D94F6D46A331}" v="378" dt="2020-03-15T16:55:59.387"/>
+    <p1510:client id="{5C150F50-8E36-378F-221B-9C131CDD2EAA}" v="120" dt="2020-03-31T12:38:16.749"/>
+    <p1510:client id="{67700E42-E812-1C25-8DC7-A7E6FDDA7761}" v="3040" dt="2020-03-30T19:30:08.265"/>
     <p1510:client id="{6BC13B17-2509-8DFC-36C1-1C68FF170F01}" v="3683" dt="2020-03-15T19:46:43.646"/>
     <p1510:client id="{77515211-E6D8-D240-04EC-79282041E84C}" v="22" dt="2020-03-13T18:21:08.016"/>
     <p1510:client id="{81FC0ED5-7454-782D-5BA9-58048F3C0156}" v="1565" dt="2020-03-13T16:32:12.262"/>
+    <p1510:client id="{830DDC2C-F1B8-4736-CD78-37911D2EE9EF}" v="167" dt="2020-03-30T11:52:54.596"/>
     <p1510:client id="{914270A7-2C24-4E6D-887F-B86DC8477918}" v="114" dt="2020-03-13T17:26:00.742"/>
     <p1510:client id="{9714EEFB-3F13-6C3B-E60A-2AC973E17842}" v="486" dt="2020-03-16T17:03:29.851"/>
+    <p1510:client id="{ABD68EE4-364A-EEF0-CBA8-411C6F749778}" v="14" dt="2020-03-31T11:43:06.045"/>
     <p1510:client id="{B1525907-88E3-4467-932A-CCC894A4ACE2}" v="943" dt="2020-03-16T17:15:21.924"/>
+    <p1510:client id="{C0A1E88C-21A4-E944-743F-553EB6878DD8}" v="1532" dt="2020-03-31T11:54:57.668"/>
     <p1510:client id="{C96F4B3C-3EA3-DA59-EB7F-089E8F76D24B}" v="47" dt="2020-03-15T20:19:35.067"/>
+    <p1510:client id="{CFAC94E4-D35F-A24D-6583-28917E714693}" v="227" dt="2020-03-31T12:25:58.951"/>
     <p1510:client id="{F5EC3CD9-DBA3-5987-9719-CAFC6A12DC86}" v="64" dt="2020-03-15T16:40:01.794"/>
     <p1510:client id="{FC9FD046-22E5-14D7-0BF5-D2063C3CF902}" v="4" dt="2020-03-16T00:42:17.233"/>
   </p1510:revLst>
@@ -310,7 +316,7 @@
             <a:fld id="{87DE6118-2437-4B30-8E3C-4D2BE6020583}" type="datetimeFigureOut">
               <a:rPr lang="en-US" dirty="0"/>
               <a:pPr/>
-              <a:t>3/30/2020</a:t>
+              <a:t>3/31/2020</a:t>
             </a:fld>
             <a:endParaRPr lang="en-US"/>
           </a:p>
@@ -379,7 +385,7 @@
             <a:fld id="{69E57DC2-970A-4B3E-BB1C-7A09969E49DF}" type="slidenum">
               <a:rPr lang="en-US" dirty="0"/>
               <a:pPr/>
-              <a:t>‹#›</a:t>
+              <a:t>‹nº›</a:t>
             </a:fld>
             <a:endParaRPr lang="en-US"/>
           </a:p>
@@ -634,7 +640,7 @@
           <a:p>
             <a:fld id="{87DE6118-2437-4B30-8E3C-4D2BE6020583}" type="datetimeFigureOut">
               <a:rPr lang="en-US" dirty="0"/>
-              <a:t>3/30/2020</a:t>
+              <a:t>3/31/2020</a:t>
             </a:fld>
             <a:endParaRPr lang="en-US"/>
           </a:p>
@@ -676,7 +682,7 @@
           <a:p>
             <a:fld id="{69E57DC2-970A-4B3E-BB1C-7A09969E49DF}" type="slidenum">
               <a:rPr lang="en-US" dirty="0"/>
-              <a:t>‹#›</a:t>
+              <a:t>‹nº›</a:t>
             </a:fld>
             <a:endParaRPr lang="en-US"/>
           </a:p>
@@ -807,7 +813,7 @@
           <a:p>
             <a:fld id="{87DE6118-2437-4B30-8E3C-4D2BE6020583}" type="datetimeFigureOut">
               <a:rPr lang="en-US" dirty="0"/>
-              <a:t>3/30/2020</a:t>
+              <a:t>3/31/2020</a:t>
             </a:fld>
             <a:endParaRPr lang="en-US"/>
           </a:p>
@@ -849,7 +855,7 @@
           <a:p>
             <a:fld id="{69E57DC2-970A-4B3E-BB1C-7A09969E49DF}" type="slidenum">
               <a:rPr lang="en-US" dirty="0"/>
-              <a:t>‹#›</a:t>
+              <a:t>‹nº›</a:t>
             </a:fld>
             <a:endParaRPr lang="en-US"/>
           </a:p>
@@ -970,7 +976,7 @@
           <a:p>
             <a:fld id="{87DE6118-2437-4B30-8E3C-4D2BE6020583}" type="datetimeFigureOut">
               <a:rPr lang="en-US" dirty="0"/>
-              <a:t>3/30/2020</a:t>
+              <a:t>3/31/2020</a:t>
             </a:fld>
             <a:endParaRPr lang="en-US"/>
           </a:p>
@@ -1012,7 +1018,7 @@
           <a:p>
             <a:fld id="{69E57DC2-970A-4B3E-BB1C-7A09969E49DF}" type="slidenum">
               <a:rPr lang="en-US" dirty="0"/>
-              <a:t>‹#›</a:t>
+              <a:t>‹nº›</a:t>
             </a:fld>
             <a:endParaRPr lang="en-US"/>
           </a:p>
@@ -1242,7 +1248,7 @@
             <a:fld id="{87DE6118-2437-4B30-8E3C-4D2BE6020583}" type="datetimeFigureOut">
               <a:rPr lang="en-US" dirty="0"/>
               <a:pPr/>
-              <a:t>3/30/2020</a:t>
+              <a:t>3/31/2020</a:t>
             </a:fld>
             <a:endParaRPr lang="en-US"/>
           </a:p>
@@ -1311,7 +1317,7 @@
             <a:fld id="{69E57DC2-970A-4B3E-BB1C-7A09969E49DF}" type="slidenum">
               <a:rPr lang="en-US" dirty="0"/>
               <a:pPr/>
-              <a:t>‹#›</a:t>
+              <a:t>‹nº›</a:t>
             </a:fld>
             <a:endParaRPr lang="en-US"/>
           </a:p>
@@ -1629,7 +1635,7 @@
           <a:p>
             <a:fld id="{87DE6118-2437-4B30-8E3C-4D2BE6020583}" type="datetimeFigureOut">
               <a:rPr lang="en-US" dirty="0"/>
-              <a:t>3/30/2020</a:t>
+              <a:t>3/31/2020</a:t>
             </a:fld>
             <a:endParaRPr lang="en-US"/>
           </a:p>
@@ -1671,7 +1677,7 @@
           <a:p>
             <a:fld id="{69E57DC2-970A-4B3E-BB1C-7A09969E49DF}" type="slidenum">
               <a:rPr lang="en-US" dirty="0"/>
-              <a:t>‹#›</a:t>
+              <a:t>‹nº›</a:t>
             </a:fld>
             <a:endParaRPr lang="en-US"/>
           </a:p>
@@ -2098,7 +2104,7 @@
           <a:p>
             <a:fld id="{87DE6118-2437-4B30-8E3C-4D2BE6020583}" type="datetimeFigureOut">
               <a:rPr lang="en-US" dirty="0"/>
-              <a:t>3/30/2020</a:t>
+              <a:t>3/31/2020</a:t>
             </a:fld>
             <a:endParaRPr lang="en-US"/>
           </a:p>
@@ -2140,7 +2146,7 @@
           <a:p>
             <a:fld id="{69E57DC2-970A-4B3E-BB1C-7A09969E49DF}" type="slidenum">
               <a:rPr lang="en-US" dirty="0"/>
-              <a:t>‹#›</a:t>
+              <a:t>‹nº›</a:t>
             </a:fld>
             <a:endParaRPr lang="en-US"/>
           </a:p>
@@ -2210,7 +2216,7 @@
           <a:p>
             <a:fld id="{87DE6118-2437-4B30-8E3C-4D2BE6020583}" type="datetimeFigureOut">
               <a:rPr lang="en-US" dirty="0"/>
-              <a:t>3/30/2020</a:t>
+              <a:t>3/31/2020</a:t>
             </a:fld>
             <a:endParaRPr lang="en-US"/>
           </a:p>
@@ -2252,7 +2258,7 @@
           <a:p>
             <a:fld id="{69E57DC2-970A-4B3E-BB1C-7A09969E49DF}" type="slidenum">
               <a:rPr lang="en-US" dirty="0"/>
-              <a:t>‹#›</a:t>
+              <a:t>‹nº›</a:t>
             </a:fld>
             <a:endParaRPr lang="en-US"/>
           </a:p>
@@ -2300,7 +2306,7 @@
           <a:p>
             <a:fld id="{87DE6118-2437-4B30-8E3C-4D2BE6020583}" type="datetimeFigureOut">
               <a:rPr lang="en-US" dirty="0"/>
-              <a:t>3/30/2020</a:t>
+              <a:t>3/31/2020</a:t>
             </a:fld>
             <a:endParaRPr lang="en-US"/>
           </a:p>
@@ -2342,7 +2348,7 @@
           <a:p>
             <a:fld id="{69E57DC2-970A-4B3E-BB1C-7A09969E49DF}" type="slidenum">
               <a:rPr lang="en-US" dirty="0"/>
-              <a:t>‹#›</a:t>
+              <a:t>‹nº›</a:t>
             </a:fld>
             <a:endParaRPr lang="en-US"/>
           </a:p>
@@ -2640,7 +2646,7 @@
             <a:fld id="{87DE6118-2437-4B30-8E3C-4D2BE6020583}" type="datetimeFigureOut">
               <a:rPr lang="en-US" dirty="0"/>
               <a:pPr/>
-              <a:t>3/30/2020</a:t>
+              <a:t>3/31/2020</a:t>
             </a:fld>
             <a:endParaRPr lang="en-US"/>
           </a:p>
@@ -2709,7 +2715,7 @@
             <a:fld id="{69E57DC2-970A-4B3E-BB1C-7A09969E49DF}" type="slidenum">
               <a:rPr lang="en-US" dirty="0"/>
               <a:pPr/>
-              <a:t>‹#›</a:t>
+              <a:t>‹nº›</a:t>
             </a:fld>
             <a:endParaRPr lang="en-US"/>
           </a:p>
@@ -3023,7 +3029,7 @@
             <a:fld id="{87DE6118-2437-4B30-8E3C-4D2BE6020583}" type="datetimeFigureOut">
               <a:rPr lang="en-US" dirty="0"/>
               <a:pPr/>
-              <a:t>3/30/2020</a:t>
+              <a:t>3/31/2020</a:t>
             </a:fld>
             <a:endParaRPr lang="en-US"/>
           </a:p>
@@ -3092,7 +3098,7 @@
             <a:fld id="{69E57DC2-970A-4B3E-BB1C-7A09969E49DF}" type="slidenum">
               <a:rPr lang="en-US" dirty="0"/>
               <a:pPr/>
-              <a:t>‹#›</a:t>
+              <a:t>‹nº›</a:t>
             </a:fld>
             <a:endParaRPr lang="en-US"/>
           </a:p>
@@ -3296,7 +3302,7 @@
             <a:fld id="{87DE6118-2437-4B30-8E3C-4D2BE6020583}" type="datetimeFigureOut">
               <a:rPr lang="en-US" dirty="0"/>
               <a:pPr/>
-              <a:t>3/30/2020</a:t>
+              <a:t>3/31/2020</a:t>
             </a:fld>
             <a:endParaRPr lang="en-US"/>
           </a:p>
@@ -3371,7 +3377,7 @@
             <a:fld id="{69E57DC2-970A-4B3E-BB1C-7A09969E49DF}" type="slidenum">
               <a:rPr lang="en-US" dirty="0"/>
               <a:pPr/>
-              <a:t>‹#›</a:t>
+              <a:t>‹nº›</a:t>
             </a:fld>
             <a:endParaRPr lang="en-US"/>
           </a:p>
@@ -3831,11 +3837,11 @@
           <a:lstStyle/>
           <a:p>
             <a:r>
-              <a:rPr lang="pt-PT" sz="6600" dirty="0" err="1"/>
+              <a:rPr lang="pt-PT" sz="6600" err="1"/>
               <a:t>IaRT</a:t>
             </a:r>
             <a:r>
-              <a:rPr lang="pt-PT" sz="6600" dirty="0"/>
+              <a:rPr lang="pt-PT" sz="6600"/>
               <a:t> – CHECKPOINT 1</a:t>
             </a:r>
           </a:p>
@@ -3926,89 +3932,6 @@
           <p:cNvPr id="2" name="Title 1">
             <a:extLst>
               <a:ext uri="{FF2B5EF4-FFF2-40B4-BE49-F238E27FC236}">
-                <a16:creationId xmlns:a16="http://schemas.microsoft.com/office/drawing/2014/main" id="{0EFAB077-DE56-4EAC-81C6-A3E5F45BFA33}"/>
-              </a:ext>
-            </a:extLst>
-          </p:cNvPr>
-          <p:cNvSpPr>
-            <a:spLocks noGrp="1"/>
-          </p:cNvSpPr>
-          <p:nvPr>
-            <p:ph type="title"/>
-          </p:nvPr>
-        </p:nvSpPr>
-        <p:spPr/>
-        <p:txBody>
-          <a:bodyPr/>
-          <a:lstStyle/>
-          <a:p>
-            <a:r>
-              <a:rPr lang="pt-PT" dirty="0"/>
-              <a:t>Conclusões</a:t>
-            </a:r>
-          </a:p>
-        </p:txBody>
-      </p:sp>
-      <p:sp>
-        <p:nvSpPr>
-          <p:cNvPr id="3" name="Content Placeholder 2">
-            <a:extLst>
-              <a:ext uri="{FF2B5EF4-FFF2-40B4-BE49-F238E27FC236}">
-                <a16:creationId xmlns:a16="http://schemas.microsoft.com/office/drawing/2014/main" id="{F55181EB-58D8-4D30-AF41-0C3DFE8D6F60}"/>
-              </a:ext>
-            </a:extLst>
-          </p:cNvPr>
-          <p:cNvSpPr>
-            <a:spLocks noGrp="1"/>
-          </p:cNvSpPr>
-          <p:nvPr>
-            <p:ph idx="1"/>
-          </p:nvPr>
-        </p:nvSpPr>
-        <p:spPr/>
-        <p:txBody>
-          <a:bodyPr/>
-          <a:lstStyle/>
-          <a:p>
-            <a:endParaRPr lang="pt-PT"/>
-          </a:p>
-        </p:txBody>
-      </p:sp>
-    </p:spTree>
-    <p:extLst>
-      <p:ext uri="{BB962C8B-B14F-4D97-AF65-F5344CB8AC3E}">
-        <p14:creationId xmlns:p14="http://schemas.microsoft.com/office/powerpoint/2010/main" val="2390245722"/>
-      </p:ext>
-    </p:extLst>
-  </p:cSld>
-  <p:clrMapOvr>
-    <a:masterClrMapping/>
-  </p:clrMapOvr>
-</p:sld>
-</file>
-
-<file path=ppt/slides/slide11.xml><?xml version="1.0" encoding="utf-8"?>
-<p:sld xmlns:a="http://schemas.openxmlformats.org/drawingml/2006/main" xmlns:r="http://schemas.openxmlformats.org/officeDocument/2006/relationships" xmlns:p="http://schemas.openxmlformats.org/presentationml/2006/main">
-  <p:cSld>
-    <p:spTree>
-      <p:nvGrpSpPr>
-        <p:cNvPr id="1" name=""/>
-        <p:cNvGrpSpPr/>
-        <p:nvPr/>
-      </p:nvGrpSpPr>
-      <p:grpSpPr>
-        <a:xfrm>
-          <a:off x="0" y="0"/>
-          <a:ext cx="0" cy="0"/>
-          <a:chOff x="0" y="0"/>
-          <a:chExt cx="0" cy="0"/>
-        </a:xfrm>
-      </p:grpSpPr>
-      <p:sp>
-        <p:nvSpPr>
-          <p:cNvPr id="2" name="Title 1">
-            <a:extLst>
-              <a:ext uri="{FF2B5EF4-FFF2-40B4-BE49-F238E27FC236}">
                 <a16:creationId xmlns:a16="http://schemas.microsoft.com/office/drawing/2014/main" id="{AABC7810-595F-43B2-8790-69F8475731AC}"/>
               </a:ext>
             </a:extLst>
@@ -4065,7 +3988,7 @@
           <a:p>
             <a:pPr marL="383540" indent="-383540"/>
             <a:r>
-              <a:rPr lang="pt-PT" dirty="0">
+              <a:rPr lang="pt-PT">
                 <a:solidFill>
                   <a:schemeClr val="tx1"/>
                 </a:solidFill>
@@ -4082,7 +4005,7 @@
               </a:rPr>
               <a:t>https://www.wilgysef.com/articles/zhed-solver/</a:t>
             </a:r>
-            <a:endParaRPr lang="pt-PT" dirty="0">
+            <a:endParaRPr lang="pt-PT">
               <a:solidFill>
                 <a:schemeClr val="tx1"/>
               </a:solidFill>
@@ -4091,7 +4014,7 @@
           <a:p>
             <a:pPr marL="383540" indent="-383540"/>
             <a:r>
-              <a:rPr lang="pt-PT" dirty="0">
+              <a:rPr lang="pt-PT">
                 <a:solidFill>
                   <a:schemeClr val="tx1"/>
                 </a:solidFill>
@@ -4111,7 +4034,7 @@
           <a:p>
             <a:pPr marL="383540" indent="-383540"/>
             <a:r>
-              <a:rPr lang="pt-PT" u="sng" dirty="0">
+              <a:rPr lang="pt-PT" u="sng">
                 <a:solidFill>
                   <a:schemeClr val="tx1"/>
                 </a:solidFill>
@@ -4124,7 +4047,7 @@
           <a:p>
             <a:pPr marL="383540" indent="-383540"/>
             <a:r>
-              <a:rPr lang="pt-PT" u="sng" dirty="0">
+              <a:rPr lang="pt-PT" u="sng">
                 <a:solidFill>
                   <a:schemeClr val="tx1"/>
                 </a:solidFill>
@@ -4137,7 +4060,7 @@
           <a:p>
             <a:pPr marL="383540" indent="-383540"/>
             <a:r>
-              <a:rPr lang="pt-PT" dirty="0">
+              <a:rPr lang="pt-PT">
                 <a:solidFill>
                   <a:schemeClr val="tx1"/>
                 </a:solidFill>
@@ -4156,33 +4079,33 @@
           </a:p>
           <a:p>
             <a:pPr marL="383540" indent="-383540"/>
-            <a:endParaRPr lang="pt-PT" dirty="0"/>
+            <a:endParaRPr lang="pt-PT"/>
           </a:p>
           <a:p>
             <a:pPr marL="383540" indent="-383540"/>
-            <a:endParaRPr lang="pt-PT" dirty="0"/>
+            <a:endParaRPr lang="pt-PT"/>
           </a:p>
           <a:p>
             <a:pPr marL="383540" indent="-383540"/>
-            <a:endParaRPr lang="pt-PT" dirty="0"/>
+            <a:endParaRPr lang="pt-PT"/>
           </a:p>
           <a:p>
             <a:pPr marL="0" indent="0">
               <a:buNone/>
             </a:pPr>
-            <a:endParaRPr lang="pt-PT" dirty="0"/>
+            <a:endParaRPr lang="pt-PT"/>
           </a:p>
           <a:p>
             <a:pPr marL="383540" indent="-383540"/>
-            <a:endParaRPr lang="pt-PT" dirty="0"/>
+            <a:endParaRPr lang="pt-PT"/>
           </a:p>
           <a:p>
             <a:pPr marL="383540" indent="-383540"/>
-            <a:endParaRPr lang="pt-PT" dirty="0"/>
+            <a:endParaRPr lang="pt-PT"/>
           </a:p>
           <a:p>
             <a:pPr marL="383540" indent="-383540"/>
-            <a:endParaRPr lang="pt-PT" dirty="0"/>
+            <a:endParaRPr lang="pt-PT"/>
           </a:p>
         </p:txBody>
       </p:sp>
@@ -4876,12 +4799,8 @@
               <a:t>cells</a:t>
             </a:r>
             <a:r>
-              <a:rPr lang="pt-PT" dirty="0"/>
-              <a:t>'</a:t>
-            </a:r>
-            <a:r>
               <a:rPr lang="pt-PT"/>
-              <a:t> </a:t>
+              <a:t>' </a:t>
             </a:r>
             <a:r>
               <a:rPr lang="pt-PT" err="1"/>
@@ -5079,31 +4998,31 @@
               <a:t> can </a:t>
             </a:r>
             <a:r>
-              <a:rPr lang="pt-PT" dirty="0" err="1"/>
+              <a:rPr lang="pt-PT" err="1"/>
               <a:t>have</a:t>
             </a:r>
             <a:r>
-              <a:rPr lang="pt-PT" dirty="0"/>
+              <a:rPr lang="pt-PT"/>
               <a:t> a </a:t>
             </a:r>
             <a:r>
-              <a:rPr lang="pt-PT" dirty="0" err="1"/>
+              <a:rPr lang="pt-PT" err="1"/>
               <a:t>value</a:t>
             </a:r>
             <a:r>
-              <a:rPr lang="pt-PT" dirty="0"/>
+              <a:rPr lang="pt-PT"/>
               <a:t>, </a:t>
             </a:r>
             <a:r>
-              <a:rPr lang="pt-PT" i="1" dirty="0" err="1"/>
+              <a:rPr lang="pt-PT" i="1" err="1"/>
               <a:t>Val</a:t>
             </a:r>
             <a:r>
-              <a:rPr lang="pt-PT" dirty="0"/>
+              <a:rPr lang="pt-PT"/>
               <a:t>, </a:t>
             </a:r>
             <a:r>
-              <a:rPr lang="pt-PT" dirty="0" err="1"/>
+              <a:rPr lang="pt-PT" err="1"/>
               <a:t>of</a:t>
             </a:r>
             <a:r>
@@ -5382,15 +5301,15 @@
               <a:t> </a:t>
             </a:r>
             <a:r>
-              <a:rPr lang="pt-PT" dirty="0" err="1"/>
+              <a:rPr lang="pt-PT" err="1"/>
               <a:t>at</a:t>
             </a:r>
             <a:r>
-              <a:rPr lang="pt-PT" dirty="0"/>
-              <a:t> </a:t>
-            </a:r>
-            <a:r>
-              <a:rPr lang="pt-PT" dirty="0" err="1"/>
+              <a:rPr lang="pt-PT"/>
+              <a:t> </a:t>
+            </a:r>
+            <a:r>
+              <a:rPr lang="pt-PT" err="1"/>
               <a:t>least</a:t>
             </a:r>
             <a:r>
@@ -6290,7 +6209,7 @@
           <p:nvPr>
             <p:extLst>
               <p:ext uri="{D42A27DB-BD31-4B8C-83A1-F6EECF244321}">
-                <p14:modId xmlns:p14="http://schemas.microsoft.com/office/powerpoint/2010/main" val="4228615100"/>
+                <p14:modId xmlns:p14="http://schemas.microsoft.com/office/powerpoint/2010/main" val="3067646673"/>
               </p:ext>
             </p:extLst>
           </p:nvPr>
@@ -6342,7 +6261,7 @@
                     <a:lstStyle/>
                     <a:p>
                       <a:r>
-                        <a:rPr lang="pt-PT" sz="1800"/>
+                        <a:rPr lang="pt-PT" sz="1800" err="1"/>
                         <a:t>Operator</a:t>
                       </a:r>
                     </a:p>
@@ -6355,7 +6274,7 @@
                     <a:lstStyle/>
                     <a:p>
                       <a:r>
-                        <a:rPr lang="pt-PT" sz="1800"/>
+                        <a:rPr lang="pt-PT" sz="1800" err="1"/>
                         <a:t>Pre-conditions</a:t>
                       </a:r>
                     </a:p>
@@ -6368,7 +6287,7 @@
                     <a:lstStyle/>
                     <a:p>
                       <a:r>
-                        <a:rPr lang="pt-PT" sz="1800"/>
+                        <a:rPr lang="pt-PT" sz="1800" err="1"/>
                         <a:t>Effects</a:t>
                       </a:r>
                     </a:p>
@@ -6384,7 +6303,7 @@
                         <a:buNone/>
                       </a:pPr>
                       <a:r>
-                        <a:rPr lang="pt-PT" sz="1800"/>
+                        <a:rPr lang="pt-PT" sz="1800" err="1"/>
                         <a:t>Cost</a:t>
                       </a:r>
                     </a:p>
@@ -6405,7 +6324,11 @@
                     <a:p>
                       <a:r>
                         <a:rPr lang="pt-PT" sz="1600"/>
-                        <a:t>Move [X,Y] Up</a:t>
+                        <a:t>Move [X,Y] </a:t>
+                      </a:r>
+                      <a:r>
+                        <a:rPr lang="pt-PT" sz="1600" err="1"/>
+                        <a:t>Up</a:t>
                       </a:r>
                     </a:p>
                   </a:txBody>
@@ -6417,57 +6340,12 @@
                     <a:lstStyle/>
                     <a:p>
                       <a:r>
+                        <a:rPr lang="pt-PT" sz="1600" err="1"/>
+                        <a:t>Board</a:t>
+                      </a:r>
+                      <a:r>
                         <a:rPr lang="pt-PT" sz="1600"/>
-                        <a:t>Board(X,Y) &gt; 0</a:t>
-                      </a:r>
-                    </a:p>
-                  </a:txBody>
-                  <a:tcPr/>
-                </a:tc>
-                <a:tc>
-                  <a:txBody>
-                    <a:bodyPr/>
-                    <a:lstStyle/>
-                    <a:p>
-                      <a:r>
-                        <a:rPr lang="pt-PT" sz="1600"/>
-                        <a:t>i = 1;</a:t>
-                      </a:r>
-                    </a:p>
-                    <a:p>
-                      <a:pPr lvl="0">
-                        <a:buNone/>
-                      </a:pPr>
-                      <a:r>
-                        <a:rPr lang="pt-PT" sz="1600"/>
-                        <a:t>While (i &lt;= Board(X, Y))</a:t>
-                      </a:r>
-                    </a:p>
-                    <a:p>
-                      <a:pPr lvl="0">
-                        <a:buNone/>
-                      </a:pPr>
-                      <a:r>
-                        <a:rPr lang="pt-PT" sz="1600"/>
-                        <a:t>    If (Board(X, Y – i) != 0) continue;</a:t>
-                      </a:r>
-                    </a:p>
-                    <a:p>
-                      <a:pPr lvl="0">
-                        <a:buNone/>
-                      </a:pPr>
-                      <a:r>
-                        <a:rPr lang="pt-PT" sz="1600"/>
-                        <a:t>    Board(X, Y – i) = -1;  i++;</a:t>
-                      </a:r>
-                    </a:p>
-                    <a:p>
-                      <a:pPr lvl="0">
-                        <a:buNone/>
-                      </a:pPr>
-                      <a:r>
-                        <a:rPr lang="pt-PT" sz="1600"/>
-                        <a:t>        </a:t>
+                        <a:t>(X,Y) &gt; 0</a:t>
                       </a:r>
                     </a:p>
                   </a:txBody>
@@ -6483,7 +6361,100 @@
                       </a:pPr>
                       <a:r>
                         <a:rPr lang="pt-PT" sz="1600"/>
-                        <a:t>1</a:t>
+                        <a:t>i = 1;</a:t>
+                      </a:r>
+                      <a:endParaRPr lang="pt-PT"/>
+                    </a:p>
+                    <a:p>
+                      <a:pPr lvl="0">
+                        <a:buNone/>
+                      </a:pPr>
+                      <a:r>
+                        <a:rPr lang="pt-PT" sz="1600" err="1"/>
+                        <a:t>While</a:t>
+                      </a:r>
+                      <a:r>
+                        <a:rPr lang="pt-PT" sz="1600"/>
+                        <a:t> (i &lt;= </a:t>
+                      </a:r>
+                      <a:r>
+                        <a:rPr lang="pt-PT" sz="1600" err="1"/>
+                        <a:t>Board</a:t>
+                      </a:r>
+                      <a:r>
+                        <a:rPr lang="pt-PT" sz="1600"/>
+                        <a:t>(X, Y))</a:t>
+                      </a:r>
+                      <a:endParaRPr lang="pt-PT"/>
+                    </a:p>
+                    <a:p>
+                      <a:pPr lvl="0">
+                        <a:buNone/>
+                      </a:pPr>
+                      <a:r>
+                        <a:rPr lang="pt-PT" sz="1600"/>
+                        <a:t>    </a:t>
+                      </a:r>
+                      <a:r>
+                        <a:rPr lang="pt-PT" sz="1600" err="1"/>
+                        <a:t>If</a:t>
+                      </a:r>
+                      <a:r>
+                        <a:rPr lang="pt-PT" sz="1600"/>
+                        <a:t> (</a:t>
+                      </a:r>
+                      <a:r>
+                        <a:rPr lang="pt-PT" sz="1600" err="1"/>
+                        <a:t>Board</a:t>
+                      </a:r>
+                      <a:r>
+                        <a:rPr lang="pt-PT" sz="1600"/>
+                        <a:t>(X, Y – i) != 0) continue;</a:t>
+                      </a:r>
+                      <a:endParaRPr lang="pt-PT"/>
+                    </a:p>
+                    <a:p>
+                      <a:pPr lvl="0">
+                        <a:buNone/>
+                      </a:pPr>
+                      <a:r>
+                        <a:rPr lang="pt-PT" sz="1600"/>
+                        <a:t>    </a:t>
+                      </a:r>
+                      <a:r>
+                        <a:rPr lang="pt-PT" sz="1600" err="1"/>
+                        <a:t>Board</a:t>
+                      </a:r>
+                      <a:r>
+                        <a:rPr lang="pt-PT" sz="1600"/>
+                        <a:t>(X, Y – i) = -1;  i++;</a:t>
+                      </a:r>
+                      <a:endParaRPr lang="pt-PT"/>
+                    </a:p>
+                    <a:p>
+                      <a:pPr lvl="0">
+                        <a:buNone/>
+                      </a:pPr>
+                      <a:r>
+                        <a:rPr lang="pt-PT" sz="1600"/>
+                        <a:t>        </a:t>
+                      </a:r>
+                      <a:endParaRPr lang="pt-PT"/>
+                    </a:p>
+                  </a:txBody>
+                  <a:tcPr/>
+                </a:tc>
+                <a:tc>
+                  <a:txBody>
+                    <a:bodyPr/>
+                    <a:lstStyle/>
+                    <a:p>
+                      <a:pPr lvl="0">
+                        <a:buNone/>
+                      </a:pPr>
+                      <a:r>
+                        <a:rPr lang="pt-PT" sz="1600"/>
+                        <a:t>-30</a:t>
                       </a:r>
                       <a:endParaRPr lang="pt-PT" sz="1600">
                         <a:sym typeface="Wingdings" panose="05000000000000000000" pitchFamily="2" charset="2"/>
@@ -6514,7 +6485,7 @@
                         <a:t>Move [X,Y] </a:t>
                       </a:r>
                       <a:r>
-                        <a:rPr lang="pt-PT" sz="1600"/>
+                        <a:rPr lang="pt-PT" sz="1600" err="1"/>
                         <a:t>Down</a:t>
                       </a:r>
                     </a:p>
@@ -6530,10 +6501,16 @@
                         <a:buNone/>
                       </a:pPr>
                       <a:r>
+                        <a:rPr lang="pt-PT" sz="1600" b="0" i="0" u="none" strike="noStrike" noProof="0" err="1">
+                          <a:latin typeface="Franklin Gothic Book"/>
+                        </a:rPr>
+                        <a:t>Board</a:t>
+                      </a:r>
+                      <a:r>
                         <a:rPr lang="pt-PT" sz="1600" b="0" i="0" u="none" strike="noStrike" noProof="0">
                           <a:latin typeface="Franklin Gothic Book"/>
                         </a:rPr>
-                        <a:t>Board(X,Y)</a:t>
+                        <a:t>(X,Y)</a:t>
                       </a:r>
                       <a:r>
                         <a:rPr lang="pt-PT" sz="1600"/>
@@ -6563,10 +6540,28 @@
                         <a:buNone/>
                       </a:pPr>
                       <a:r>
+                        <a:rPr lang="pt-PT" sz="1600" b="0" i="0" u="none" strike="noStrike" noProof="0" err="1">
+                          <a:latin typeface="Franklin Gothic Book"/>
+                        </a:rPr>
+                        <a:t>While</a:t>
+                      </a:r>
+                      <a:r>
                         <a:rPr lang="pt-PT" sz="1600" b="0" i="0" u="none" strike="noStrike" noProof="0">
                           <a:latin typeface="Franklin Gothic Book"/>
                         </a:rPr>
-                        <a:t>While (i &lt;= Board(X, Y))</a:t>
+                        <a:t> (i &lt;= </a:t>
+                      </a:r>
+                      <a:r>
+                        <a:rPr lang="pt-PT" sz="1600" b="0" i="0" u="none" strike="noStrike" noProof="0" err="1">
+                          <a:latin typeface="Franklin Gothic Book"/>
+                        </a:rPr>
+                        <a:t>Board</a:t>
+                      </a:r>
+                      <a:r>
+                        <a:rPr lang="pt-PT" sz="1600" b="0" i="0" u="none" strike="noStrike" noProof="0">
+                          <a:latin typeface="Franklin Gothic Book"/>
+                        </a:rPr>
+                        <a:t>(X, Y))</a:t>
                       </a:r>
                     </a:p>
                     <a:p>
@@ -6577,7 +6572,31 @@
                         <a:rPr lang="pt-PT" sz="1600" b="0" i="0" u="none" strike="noStrike" noProof="0">
                           <a:latin typeface="Franklin Gothic Book"/>
                         </a:rPr>
-                        <a:t>    If (Board(X, Y + i) != 0) continue;</a:t>
+                        <a:t>    </a:t>
+                      </a:r>
+                      <a:r>
+                        <a:rPr lang="pt-PT" sz="1600" b="0" i="0" u="none" strike="noStrike" noProof="0" err="1">
+                          <a:latin typeface="Franklin Gothic Book"/>
+                        </a:rPr>
+                        <a:t>If</a:t>
+                      </a:r>
+                      <a:r>
+                        <a:rPr lang="pt-PT" sz="1600" b="0" i="0" u="none" strike="noStrike" noProof="0">
+                          <a:latin typeface="Franklin Gothic Book"/>
+                        </a:rPr>
+                        <a:t> (</a:t>
+                      </a:r>
+                      <a:r>
+                        <a:rPr lang="pt-PT" sz="1600" b="0" i="0" u="none" strike="noStrike" noProof="0" err="1">
+                          <a:latin typeface="Franklin Gothic Book"/>
+                        </a:rPr>
+                        <a:t>Board</a:t>
+                      </a:r>
+                      <a:r>
+                        <a:rPr lang="pt-PT" sz="1600" b="0" i="0" u="none" strike="noStrike" noProof="0">
+                          <a:latin typeface="Franklin Gothic Book"/>
+                        </a:rPr>
+                        <a:t>(X, Y + i) != 0) continue;</a:t>
                       </a:r>
                     </a:p>
                     <a:p>
@@ -6588,7 +6607,19 @@
                         <a:rPr lang="pt-PT" sz="1600" b="0" i="0" u="none" strike="noStrike" noProof="0">
                           <a:latin typeface="Franklin Gothic Book"/>
                         </a:rPr>
-                        <a:t>    Board(X, Y + i) = -1;  i++;</a:t>
+                        <a:t>    </a:t>
+                      </a:r>
+                      <a:r>
+                        <a:rPr lang="pt-PT" sz="1600" b="0" i="0" u="none" strike="noStrike" noProof="0" err="1">
+                          <a:latin typeface="Franklin Gothic Book"/>
+                        </a:rPr>
+                        <a:t>Board</a:t>
+                      </a:r>
+                      <a:r>
+                        <a:rPr lang="pt-PT" sz="1600" b="0" i="0" u="none" strike="noStrike" noProof="0">
+                          <a:latin typeface="Franklin Gothic Book"/>
+                        </a:rPr>
+                        <a:t>(X, Y + i) = -1;  i++;</a:t>
                       </a:r>
                       <a:endParaRPr lang="pt-PT"/>
                     </a:p>
@@ -6605,7 +6636,7 @@
                       </a:pPr>
                       <a:r>
                         <a:rPr lang="pt-PT" sz="1600"/>
-                        <a:t>1</a:t>
+                        <a:t>-30</a:t>
                       </a:r>
                     </a:p>
                   </a:txBody>
@@ -6634,7 +6665,11 @@
                       </a:r>
                       <a:r>
                         <a:rPr lang="pt-PT" sz="1600"/>
-                        <a:t> Left</a:t>
+                        <a:t> </a:t>
+                      </a:r>
+                      <a:r>
+                        <a:rPr lang="pt-PT" sz="1600" err="1"/>
+                        <a:t>Left</a:t>
                       </a:r>
                     </a:p>
                   </a:txBody>
@@ -6649,10 +6684,16 @@
                         <a:buNone/>
                       </a:pPr>
                       <a:r>
+                        <a:rPr lang="pt-PT" sz="1600" b="0" i="0" u="none" strike="noStrike" noProof="0" err="1">
+                          <a:latin typeface="Franklin Gothic Book"/>
+                        </a:rPr>
+                        <a:t>Board</a:t>
+                      </a:r>
+                      <a:r>
                         <a:rPr lang="pt-PT" sz="1600" b="0" i="0" u="none" strike="noStrike" noProof="0">
                           <a:latin typeface="Franklin Gothic Book"/>
                         </a:rPr>
-                        <a:t>Board(X,Y) </a:t>
+                        <a:t>(X,Y) </a:t>
                       </a:r>
                       <a:r>
                         <a:rPr lang="pt-PT" sz="1600"/>
@@ -6685,10 +6726,28 @@
                         <a:buNone/>
                       </a:pPr>
                       <a:r>
+                        <a:rPr lang="pt-PT" sz="1600" b="0" i="0" u="none" strike="noStrike" noProof="0" err="1">
+                          <a:latin typeface="Franklin Gothic Book"/>
+                        </a:rPr>
+                        <a:t>While</a:t>
+                      </a:r>
+                      <a:r>
                         <a:rPr lang="pt-PT" sz="1600" b="0" i="0" u="none" strike="noStrike" noProof="0">
                           <a:latin typeface="Franklin Gothic Book"/>
                         </a:rPr>
-                        <a:t>While (i &lt;= Board(X, Y))</a:t>
+                        <a:t> (i &lt;= </a:t>
+                      </a:r>
+                      <a:r>
+                        <a:rPr lang="pt-PT" sz="1600" b="0" i="0" u="none" strike="noStrike" noProof="0" err="1">
+                          <a:latin typeface="Franklin Gothic Book"/>
+                        </a:rPr>
+                        <a:t>Board</a:t>
+                      </a:r>
+                      <a:r>
+                        <a:rPr lang="pt-PT" sz="1600" b="0" i="0" u="none" strike="noStrike" noProof="0">
+                          <a:latin typeface="Franklin Gothic Book"/>
+                        </a:rPr>
+                        <a:t>(X, Y))</a:t>
                       </a:r>
                       <a:endParaRPr lang="en-US" sz="1600" b="0" i="0" u="none" strike="noStrike" noProof="0">
                         <a:latin typeface="Franklin Gothic Book"/>
@@ -6702,7 +6761,31 @@
                         <a:rPr lang="pt-PT" sz="1600" b="0" i="0" u="none" strike="noStrike" noProof="0">
                           <a:latin typeface="Franklin Gothic Book"/>
                         </a:rPr>
-                        <a:t>    If (Board(X - i, Y) != 0) continue;</a:t>
+                        <a:t>    </a:t>
+                      </a:r>
+                      <a:r>
+                        <a:rPr lang="pt-PT" sz="1600" b="0" i="0" u="none" strike="noStrike" noProof="0" err="1">
+                          <a:latin typeface="Franklin Gothic Book"/>
+                        </a:rPr>
+                        <a:t>If</a:t>
+                      </a:r>
+                      <a:r>
+                        <a:rPr lang="pt-PT" sz="1600" b="0" i="0" u="none" strike="noStrike" noProof="0">
+                          <a:latin typeface="Franklin Gothic Book"/>
+                        </a:rPr>
+                        <a:t> (</a:t>
+                      </a:r>
+                      <a:r>
+                        <a:rPr lang="pt-PT" sz="1600" b="0" i="0" u="none" strike="noStrike" noProof="0" err="1">
+                          <a:latin typeface="Franklin Gothic Book"/>
+                        </a:rPr>
+                        <a:t>Board</a:t>
+                      </a:r>
+                      <a:r>
+                        <a:rPr lang="pt-PT" sz="1600" b="0" i="0" u="none" strike="noStrike" noProof="0">
+                          <a:latin typeface="Franklin Gothic Book"/>
+                        </a:rPr>
+                        <a:t>(X - i, Y) != 0) continue;</a:t>
                       </a:r>
                       <a:endParaRPr lang="en-US" sz="1600" b="0" i="0" u="none" strike="noStrike" noProof="0">
                         <a:latin typeface="Franklin Gothic Book"/>
@@ -6716,7 +6799,19 @@
                         <a:rPr lang="pt-PT" sz="1600" b="0" i="0" u="none" strike="noStrike" noProof="0">
                           <a:latin typeface="Franklin Gothic Book"/>
                         </a:rPr>
-                        <a:t>    Board(X - i, Y) = -1;  i++;</a:t>
+                        <a:t>    </a:t>
+                      </a:r>
+                      <a:r>
+                        <a:rPr lang="pt-PT" sz="1600" b="0" i="0" u="none" strike="noStrike" noProof="0" err="1">
+                          <a:latin typeface="Franklin Gothic Book"/>
+                        </a:rPr>
+                        <a:t>Board</a:t>
+                      </a:r>
+                      <a:r>
+                        <a:rPr lang="pt-PT" sz="1600" b="0" i="0" u="none" strike="noStrike" noProof="0">
+                          <a:latin typeface="Franklin Gothic Book"/>
+                        </a:rPr>
+                        <a:t>(X - i, Y) = -1;  i++;</a:t>
                       </a:r>
                       <a:endParaRPr lang="pt-PT"/>
                     </a:p>
@@ -6733,7 +6828,7 @@
                       </a:pPr>
                       <a:r>
                         <a:rPr lang="pt-PT" sz="1600"/>
-                        <a:t>1</a:t>
+                        <a:t>-30</a:t>
                       </a:r>
                     </a:p>
                   </a:txBody>
@@ -6762,7 +6857,11 @@
                       </a:r>
                       <a:r>
                         <a:rPr lang="pt-PT" sz="1600"/>
-                        <a:t> Right</a:t>
+                        <a:t> </a:t>
+                      </a:r>
+                      <a:r>
+                        <a:rPr lang="pt-PT" sz="1600" err="1"/>
+                        <a:t>Right</a:t>
                       </a:r>
                     </a:p>
                   </a:txBody>
@@ -6777,10 +6876,16 @@
                         <a:buNone/>
                       </a:pPr>
                       <a:r>
+                        <a:rPr lang="pt-PT" sz="1600" b="0" i="0" u="none" strike="noStrike" noProof="0" err="1">
+                          <a:latin typeface="Franklin Gothic Book"/>
+                        </a:rPr>
+                        <a:t>Board</a:t>
+                      </a:r>
+                      <a:r>
                         <a:rPr lang="pt-PT" sz="1600" b="0" i="0" u="none" strike="noStrike" noProof="0">
                           <a:latin typeface="Franklin Gothic Book"/>
                         </a:rPr>
-                        <a:t>Board(X,Y) </a:t>
+                        <a:t>(X,Y) </a:t>
                       </a:r>
                       <a:r>
                         <a:rPr lang="pt-PT" sz="1600"/>
@@ -6813,10 +6918,28 @@
                         <a:buNone/>
                       </a:pPr>
                       <a:r>
+                        <a:rPr lang="pt-PT" sz="1600" b="0" i="0" u="none" strike="noStrike" noProof="0" err="1">
+                          <a:latin typeface="Franklin Gothic Book"/>
+                        </a:rPr>
+                        <a:t>While</a:t>
+                      </a:r>
+                      <a:r>
                         <a:rPr lang="pt-PT" sz="1600" b="0" i="0" u="none" strike="noStrike" noProof="0">
                           <a:latin typeface="Franklin Gothic Book"/>
                         </a:rPr>
-                        <a:t>While (i &lt;= Board(X, Y))</a:t>
+                        <a:t> (i &lt;= </a:t>
+                      </a:r>
+                      <a:r>
+                        <a:rPr lang="pt-PT" sz="1600" b="0" i="0" u="none" strike="noStrike" noProof="0" err="1">
+                          <a:latin typeface="Franklin Gothic Book"/>
+                        </a:rPr>
+                        <a:t>Board</a:t>
+                      </a:r>
+                      <a:r>
+                        <a:rPr lang="pt-PT" sz="1600" b="0" i="0" u="none" strike="noStrike" noProof="0">
+                          <a:latin typeface="Franklin Gothic Book"/>
+                        </a:rPr>
+                        <a:t>(X, Y))</a:t>
                       </a:r>
                       <a:endParaRPr lang="en-US" sz="1600" b="0" i="0" u="none" strike="noStrike" noProof="0">
                         <a:latin typeface="Franklin Gothic Book"/>
@@ -6830,7 +6953,31 @@
                         <a:rPr lang="pt-PT" sz="1600" b="0" i="0" u="none" strike="noStrike" noProof="0">
                           <a:latin typeface="Franklin Gothic Book"/>
                         </a:rPr>
-                        <a:t>    If (Board(X + i, Y) != 0) continue;</a:t>
+                        <a:t>    </a:t>
+                      </a:r>
+                      <a:r>
+                        <a:rPr lang="pt-PT" sz="1600" b="0" i="0" u="none" strike="noStrike" noProof="0" err="1">
+                          <a:latin typeface="Franklin Gothic Book"/>
+                        </a:rPr>
+                        <a:t>If</a:t>
+                      </a:r>
+                      <a:r>
+                        <a:rPr lang="pt-PT" sz="1600" b="0" i="0" u="none" strike="noStrike" noProof="0">
+                          <a:latin typeface="Franklin Gothic Book"/>
+                        </a:rPr>
+                        <a:t> (</a:t>
+                      </a:r>
+                      <a:r>
+                        <a:rPr lang="pt-PT" sz="1600" b="0" i="0" u="none" strike="noStrike" noProof="0" err="1">
+                          <a:latin typeface="Franklin Gothic Book"/>
+                        </a:rPr>
+                        <a:t>Board</a:t>
+                      </a:r>
+                      <a:r>
+                        <a:rPr lang="pt-PT" sz="1600" b="0" i="0" u="none" strike="noStrike" noProof="0">
+                          <a:latin typeface="Franklin Gothic Book"/>
+                        </a:rPr>
+                        <a:t>(X + i, Y) != 0) continue;</a:t>
                       </a:r>
                       <a:endParaRPr lang="en-US" sz="1600" b="0" i="0" u="none" strike="noStrike" noProof="0">
                         <a:latin typeface="Franklin Gothic Book"/>
@@ -6844,7 +6991,19 @@
                         <a:rPr lang="pt-PT" sz="1600" b="0" i="0" u="none" strike="noStrike" noProof="0">
                           <a:latin typeface="Franklin Gothic Book"/>
                         </a:rPr>
-                        <a:t>    Board(X + i, Y) = -1;  i++;</a:t>
+                        <a:t>    </a:t>
+                      </a:r>
+                      <a:r>
+                        <a:rPr lang="pt-PT" sz="1600" b="0" i="0" u="none" strike="noStrike" noProof="0" err="1">
+                          <a:latin typeface="Franklin Gothic Book"/>
+                        </a:rPr>
+                        <a:t>Board</a:t>
+                      </a:r>
+                      <a:r>
+                        <a:rPr lang="pt-PT" sz="1600" b="0" i="0" u="none" strike="noStrike" noProof="0">
+                          <a:latin typeface="Franklin Gothic Book"/>
+                        </a:rPr>
+                        <a:t>(X + i, Y) = -1;  i++;</a:t>
                       </a:r>
                       <a:endParaRPr lang="pt-PT"/>
                     </a:p>
@@ -6861,7 +7020,7 @@
                       </a:pPr>
                       <a:r>
                         <a:rPr lang="pt-PT" sz="1600"/>
-                        <a:t>1</a:t>
+                        <a:t>-30</a:t>
                       </a:r>
                     </a:p>
                   </a:txBody>
@@ -6930,7 +7089,7 @@
           <a:p>
             <a:r>
               <a:rPr lang="pt-PT"/>
-              <a:t>Heuristics</a:t>
+              <a:t>Approach</a:t>
             </a:r>
           </a:p>
         </p:txBody>
@@ -6953,7 +7112,7 @@
         </p:nvSpPr>
         <p:spPr>
           <a:xfrm>
-            <a:off x="1326776" y="2294965"/>
+            <a:off x="1260101" y="1428190"/>
             <a:ext cx="9601200" cy="2240616"/>
           </a:xfrm>
         </p:spPr>
@@ -6963,496 +7122,402 @@
           </a:bodyPr>
           <a:lstStyle/>
           <a:p>
-            <a:pPr marL="383540" indent="-383540"/>
-            <a:r>
-              <a:rPr lang="pt-PT" dirty="0" err="1">
-                <a:ea typeface="+mn-lt"/>
-                <a:cs typeface="+mn-lt"/>
-              </a:rPr>
-              <a:t>We</a:t>
-            </a:r>
-            <a:r>
-              <a:rPr lang="pt-PT" dirty="0">
-                <a:ea typeface="+mn-lt"/>
-                <a:cs typeface="+mn-lt"/>
-              </a:rPr>
-              <a:t> </a:t>
-            </a:r>
-            <a:r>
-              <a:rPr lang="pt-PT" dirty="0" err="1">
-                <a:ea typeface="+mn-lt"/>
-                <a:cs typeface="+mn-lt"/>
-              </a:rPr>
-              <a:t>plan</a:t>
-            </a:r>
-            <a:r>
-              <a:rPr lang="pt-PT" dirty="0">
-                <a:ea typeface="+mn-lt"/>
-                <a:cs typeface="+mn-lt"/>
-              </a:rPr>
-              <a:t> </a:t>
-            </a:r>
-            <a:r>
-              <a:rPr lang="pt-PT" dirty="0" err="1">
-                <a:ea typeface="+mn-lt"/>
-                <a:cs typeface="+mn-lt"/>
-              </a:rPr>
-              <a:t>on</a:t>
-            </a:r>
-            <a:r>
-              <a:rPr lang="pt-PT" dirty="0">
-                <a:ea typeface="+mn-lt"/>
-                <a:cs typeface="+mn-lt"/>
-              </a:rPr>
-              <a:t> </a:t>
-            </a:r>
-            <a:r>
-              <a:rPr lang="pt-PT" dirty="0" err="1">
-                <a:ea typeface="+mn-lt"/>
-                <a:cs typeface="+mn-lt"/>
-              </a:rPr>
-              <a:t>implementing</a:t>
-            </a:r>
-            <a:r>
-              <a:rPr lang="pt-PT" dirty="0">
-                <a:ea typeface="+mn-lt"/>
-                <a:cs typeface="+mn-lt"/>
-              </a:rPr>
-              <a:t> </a:t>
-            </a:r>
-            <a:r>
-              <a:rPr lang="pt-PT" dirty="0" err="1">
-                <a:ea typeface="+mn-lt"/>
-                <a:cs typeface="+mn-lt"/>
-              </a:rPr>
-              <a:t>several</a:t>
-            </a:r>
-            <a:r>
-              <a:rPr lang="pt-PT" dirty="0">
-                <a:ea typeface="+mn-lt"/>
-                <a:cs typeface="+mn-lt"/>
-              </a:rPr>
-              <a:t> </a:t>
-            </a:r>
-            <a:r>
-              <a:rPr lang="pt-PT" dirty="0" err="1">
-                <a:ea typeface="+mn-lt"/>
-                <a:cs typeface="+mn-lt"/>
-              </a:rPr>
-              <a:t>search</a:t>
-            </a:r>
-            <a:r>
-              <a:rPr lang="pt-PT" dirty="0">
-                <a:ea typeface="+mn-lt"/>
-                <a:cs typeface="+mn-lt"/>
-              </a:rPr>
-              <a:t> </a:t>
-            </a:r>
-            <a:r>
-              <a:rPr lang="pt-PT" dirty="0" err="1">
-                <a:ea typeface="+mn-lt"/>
-                <a:cs typeface="+mn-lt"/>
-              </a:rPr>
-              <a:t>algorithms</a:t>
-            </a:r>
-            <a:r>
-              <a:rPr lang="pt-PT" dirty="0">
-                <a:ea typeface="+mn-lt"/>
-                <a:cs typeface="+mn-lt"/>
-              </a:rPr>
-              <a:t>, </a:t>
-            </a:r>
-            <a:r>
-              <a:rPr lang="pt-PT" dirty="0" err="1">
-                <a:ea typeface="+mn-lt"/>
-                <a:cs typeface="+mn-lt"/>
-              </a:rPr>
-              <a:t>such</a:t>
-            </a:r>
-            <a:r>
-              <a:rPr lang="pt-PT" dirty="0">
-                <a:ea typeface="+mn-lt"/>
-                <a:cs typeface="+mn-lt"/>
-              </a:rPr>
-              <a:t> as </a:t>
-            </a:r>
-            <a:r>
-              <a:rPr lang="pt-PT" dirty="0" err="1">
-                <a:ea typeface="+mn-lt"/>
-                <a:cs typeface="+mn-lt"/>
-              </a:rPr>
-              <a:t>breadth-first</a:t>
-            </a:r>
-            <a:r>
-              <a:rPr lang="pt-PT" dirty="0">
-                <a:ea typeface="+mn-lt"/>
-                <a:cs typeface="+mn-lt"/>
-              </a:rPr>
-              <a:t>, </a:t>
-            </a:r>
-            <a:r>
-              <a:rPr lang="pt-PT" dirty="0" err="1">
-                <a:ea typeface="+mn-lt"/>
-                <a:cs typeface="+mn-lt"/>
-              </a:rPr>
-              <a:t>depth-first</a:t>
-            </a:r>
-            <a:r>
-              <a:rPr lang="pt-PT" dirty="0">
-                <a:ea typeface="+mn-lt"/>
-                <a:cs typeface="+mn-lt"/>
-              </a:rPr>
-              <a:t>, </a:t>
-            </a:r>
-            <a:r>
-              <a:rPr lang="pt-PT" dirty="0" err="1">
-                <a:ea typeface="+mn-lt"/>
-                <a:cs typeface="+mn-lt"/>
-              </a:rPr>
-              <a:t>greedy</a:t>
-            </a:r>
-            <a:r>
-              <a:rPr lang="pt-PT" dirty="0">
-                <a:ea typeface="+mn-lt"/>
-                <a:cs typeface="+mn-lt"/>
-              </a:rPr>
-              <a:t>, A*, </a:t>
-            </a:r>
-            <a:r>
-              <a:rPr lang="pt-PT" dirty="0" err="1">
-                <a:ea typeface="+mn-lt"/>
-                <a:cs typeface="+mn-lt"/>
-              </a:rPr>
-              <a:t>and</a:t>
-            </a:r>
-            <a:r>
-              <a:rPr lang="pt-PT" dirty="0">
-                <a:ea typeface="+mn-lt"/>
-                <a:cs typeface="+mn-lt"/>
-              </a:rPr>
-              <a:t> </a:t>
-            </a:r>
-            <a:r>
-              <a:rPr lang="pt-PT" dirty="0" err="1">
-                <a:ea typeface="+mn-lt"/>
-                <a:cs typeface="+mn-lt"/>
-              </a:rPr>
-              <a:t>comparing</a:t>
-            </a:r>
-            <a:r>
-              <a:rPr lang="pt-PT" dirty="0">
-                <a:ea typeface="+mn-lt"/>
-                <a:cs typeface="+mn-lt"/>
-              </a:rPr>
-              <a:t> </a:t>
-            </a:r>
-            <a:r>
-              <a:rPr lang="pt-PT" dirty="0" err="1">
-                <a:ea typeface="+mn-lt"/>
-                <a:cs typeface="+mn-lt"/>
-              </a:rPr>
-              <a:t>the</a:t>
-            </a:r>
-            <a:r>
-              <a:rPr lang="pt-PT" dirty="0">
-                <a:ea typeface="+mn-lt"/>
-                <a:cs typeface="+mn-lt"/>
-              </a:rPr>
-              <a:t> </a:t>
-            </a:r>
-            <a:r>
-              <a:rPr lang="pt-PT" dirty="0" err="1">
-                <a:ea typeface="+mn-lt"/>
-                <a:cs typeface="+mn-lt"/>
-              </a:rPr>
-              <a:t>results</a:t>
-            </a:r>
-            <a:r>
-              <a:rPr lang="pt-PT" dirty="0">
-                <a:ea typeface="+mn-lt"/>
-                <a:cs typeface="+mn-lt"/>
-              </a:rPr>
-              <a:t> </a:t>
-            </a:r>
-            <a:r>
-              <a:rPr lang="pt-PT" dirty="0" err="1">
-                <a:ea typeface="+mn-lt"/>
-                <a:cs typeface="+mn-lt"/>
-              </a:rPr>
-              <a:t>we</a:t>
-            </a:r>
-            <a:r>
-              <a:rPr lang="pt-PT" dirty="0">
-                <a:ea typeface="+mn-lt"/>
-                <a:cs typeface="+mn-lt"/>
-              </a:rPr>
-              <a:t> </a:t>
-            </a:r>
-            <a:r>
-              <a:rPr lang="pt-PT" dirty="0" err="1">
-                <a:ea typeface="+mn-lt"/>
-                <a:cs typeface="+mn-lt"/>
-              </a:rPr>
-              <a:t>achieve</a:t>
-            </a:r>
-            <a:r>
-              <a:rPr lang="pt-PT" dirty="0">
-                <a:ea typeface="+mn-lt"/>
-                <a:cs typeface="+mn-lt"/>
-              </a:rPr>
-              <a:t>.</a:t>
-            </a:r>
-          </a:p>
-          <a:p>
-            <a:pPr marL="383540" indent="-383540"/>
-            <a:r>
-              <a:rPr lang="pt-PT" dirty="0">
-                <a:ea typeface="+mn-lt"/>
-                <a:cs typeface="+mn-lt"/>
-              </a:rPr>
-              <a:t>For the heuristic methods (greedy, A*), we will try different heuristics, such as: </a:t>
-            </a:r>
-          </a:p>
-          <a:p>
-            <a:pPr lvl="1" indent="-383540"/>
-            <a:r>
-              <a:rPr lang="pt-PT" i="0" dirty="0">
-                <a:ea typeface="+mn-lt"/>
-                <a:cs typeface="+mn-lt"/>
-              </a:rPr>
-              <a:t>H1</a:t>
-            </a:r>
-            <a:r>
-              <a:rPr lang="pt-PT" i="0" dirty="0"/>
-              <a:t> = Minimum </a:t>
-            </a:r>
-            <a:r>
-              <a:rPr lang="pt-PT" i="1" dirty="0"/>
-              <a:t>Zhed Distance</a:t>
-            </a:r>
-            <a:r>
-              <a:rPr lang="pt-PT" i="0" dirty="0"/>
-              <a:t> between a Value Cell and a Finish Tile. </a:t>
-            </a:r>
-          </a:p>
-          <a:p>
-            <a:pPr lvl="1" indent="-383540"/>
-            <a:r>
-              <a:rPr lang="pt-PT" dirty="0"/>
-              <a:t>H2 = (1 - </a:t>
-            </a:r>
-            <a:r>
-              <a:rPr lang="pt-PT" dirty="0" err="1"/>
-              <a:t>Number</a:t>
-            </a:r>
-            <a:r>
-              <a:rPr lang="pt-PT" dirty="0"/>
-              <a:t> </a:t>
-            </a:r>
-            <a:r>
-              <a:rPr lang="pt-PT" dirty="0" err="1"/>
-              <a:t>of</a:t>
-            </a:r>
-            <a:r>
-              <a:rPr lang="pt-PT" dirty="0"/>
-              <a:t> </a:t>
-            </a:r>
-            <a:r>
-              <a:rPr lang="pt-PT" dirty="0" err="1"/>
-              <a:t>Reached</a:t>
-            </a:r>
-            <a:r>
-              <a:rPr lang="pt-PT" dirty="0"/>
-              <a:t> </a:t>
-            </a:r>
-            <a:r>
-              <a:rPr lang="pt-PT" dirty="0" err="1"/>
-              <a:t>Finish</a:t>
-            </a:r>
-            <a:r>
-              <a:rPr lang="pt-PT" dirty="0"/>
-              <a:t> Tiles)  / (</a:t>
-            </a:r>
-            <a:r>
-              <a:rPr lang="pt-PT" dirty="0" err="1"/>
-              <a:t>Number</a:t>
-            </a:r>
-            <a:r>
-              <a:rPr lang="pt-PT" dirty="0"/>
-              <a:t> </a:t>
-            </a:r>
-            <a:r>
-              <a:rPr lang="pt-PT" dirty="0" err="1"/>
-              <a:t>of</a:t>
-            </a:r>
-            <a:r>
-              <a:rPr lang="pt-PT" dirty="0"/>
-              <a:t> tiles </a:t>
-            </a:r>
-            <a:r>
-              <a:rPr lang="pt-PT" dirty="0" err="1"/>
-              <a:t>aligned</a:t>
-            </a:r>
-            <a:r>
-              <a:rPr lang="pt-PT" dirty="0"/>
-              <a:t> </a:t>
-            </a:r>
-            <a:r>
-              <a:rPr lang="pt-PT" dirty="0" err="1"/>
-              <a:t>with</a:t>
-            </a:r>
-            <a:r>
-              <a:rPr lang="pt-PT" dirty="0"/>
-              <a:t> a </a:t>
-            </a:r>
-            <a:r>
-              <a:rPr lang="pt-PT" dirty="0" err="1"/>
-              <a:t>Finish</a:t>
-            </a:r>
-            <a:r>
-              <a:rPr lang="pt-PT" dirty="0"/>
-              <a:t> Tile)</a:t>
-            </a:r>
-          </a:p>
-          <a:p>
-            <a:pPr lvl="1" indent="-383540"/>
-            <a:r>
-              <a:rPr lang="pt-PT" dirty="0"/>
-              <a:t>H3 = </a:t>
-            </a:r>
-            <a:r>
-              <a:rPr lang="pt-PT" dirty="0">
-                <a:ea typeface="+mn-lt"/>
-                <a:cs typeface="+mn-lt"/>
-              </a:rPr>
-              <a:t>(1 - </a:t>
-            </a:r>
-            <a:r>
-              <a:rPr lang="pt-PT" dirty="0" err="1">
-                <a:ea typeface="+mn-lt"/>
-                <a:cs typeface="+mn-lt"/>
-              </a:rPr>
-              <a:t>Number</a:t>
-            </a:r>
-            <a:r>
-              <a:rPr lang="pt-PT" dirty="0">
-                <a:ea typeface="+mn-lt"/>
-                <a:cs typeface="+mn-lt"/>
-              </a:rPr>
-              <a:t> </a:t>
-            </a:r>
-            <a:r>
-              <a:rPr lang="pt-PT" dirty="0" err="1">
-                <a:ea typeface="+mn-lt"/>
-                <a:cs typeface="+mn-lt"/>
-              </a:rPr>
-              <a:t>of</a:t>
-            </a:r>
-            <a:r>
-              <a:rPr lang="pt-PT" dirty="0">
-                <a:ea typeface="+mn-lt"/>
-                <a:cs typeface="+mn-lt"/>
-              </a:rPr>
-              <a:t> </a:t>
-            </a:r>
-            <a:r>
-              <a:rPr lang="pt-PT" dirty="0" err="1">
-                <a:ea typeface="+mn-lt"/>
-                <a:cs typeface="+mn-lt"/>
-              </a:rPr>
-              <a:t>Reached</a:t>
-            </a:r>
-            <a:r>
-              <a:rPr lang="pt-PT" dirty="0">
-                <a:ea typeface="+mn-lt"/>
-                <a:cs typeface="+mn-lt"/>
-              </a:rPr>
-              <a:t> </a:t>
-            </a:r>
-            <a:r>
-              <a:rPr lang="pt-PT" dirty="0" err="1">
-                <a:ea typeface="+mn-lt"/>
-                <a:cs typeface="+mn-lt"/>
-              </a:rPr>
-              <a:t>Finish</a:t>
-            </a:r>
-            <a:r>
-              <a:rPr lang="pt-PT" dirty="0">
-                <a:ea typeface="+mn-lt"/>
-                <a:cs typeface="+mn-lt"/>
-              </a:rPr>
-              <a:t> Tiles)</a:t>
-            </a:r>
-            <a:r>
-              <a:rPr lang="pt-PT" dirty="0"/>
-              <a:t>  / Sum(</a:t>
-            </a:r>
-            <a:r>
-              <a:rPr lang="pt-PT" dirty="0" err="1"/>
-              <a:t>Maximum</a:t>
-            </a:r>
-            <a:r>
-              <a:rPr lang="pt-PT" dirty="0"/>
-              <a:t> Tile </a:t>
-            </a:r>
-            <a:r>
-              <a:rPr lang="pt-PT" dirty="0" err="1"/>
-              <a:t>Reach</a:t>
-            </a:r>
-            <a:r>
-              <a:rPr lang="pt-PT" dirty="0"/>
-              <a:t>)</a:t>
-            </a:r>
-          </a:p>
-          <a:p>
-            <a:pPr lvl="1" indent="-383540"/>
-            <a:r>
-              <a:rPr lang="pt-PT" dirty="0" err="1"/>
-              <a:t>Hx</a:t>
-            </a:r>
-            <a:r>
-              <a:rPr lang="pt-PT" dirty="0"/>
-              <a:t> = A </a:t>
-            </a:r>
-            <a:r>
-              <a:rPr lang="pt-PT" dirty="0" err="1"/>
-              <a:t>combination</a:t>
-            </a:r>
-            <a:r>
-              <a:rPr lang="pt-PT" dirty="0"/>
-              <a:t> </a:t>
-            </a:r>
-            <a:r>
-              <a:rPr lang="pt-PT" dirty="0" err="1"/>
-              <a:t>of</a:t>
-            </a:r>
-            <a:r>
-              <a:rPr lang="pt-PT" dirty="0"/>
-              <a:t> </a:t>
-            </a:r>
-            <a:r>
-              <a:rPr lang="pt-PT" dirty="0" err="1"/>
-              <a:t>previous</a:t>
-            </a:r>
-            <a:r>
-              <a:rPr lang="pt-PT" dirty="0"/>
-              <a:t> </a:t>
-            </a:r>
-            <a:r>
-              <a:rPr lang="pt-PT" dirty="0" err="1"/>
-              <a:t>heuristics</a:t>
-            </a:r>
-            <a:endParaRPr lang="pt-PT" i="1" dirty="0"/>
-          </a:p>
-          <a:p>
             <a:pPr marL="0" indent="0">
               <a:buNone/>
             </a:pPr>
-            <a:endParaRPr lang="pt-PT" i="1" dirty="0"/>
+            <a:endParaRPr lang="pt-PT">
+              <a:ea typeface="+mn-lt"/>
+              <a:cs typeface="+mn-lt"/>
+            </a:endParaRPr>
           </a:p>
           <a:p>
             <a:pPr marL="383540" indent="-383540"/>
-            <a:endParaRPr lang="pt-PT" dirty="0"/>
+            <a:r>
+              <a:rPr lang="pt-PT">
+                <a:ea typeface="+mn-lt"/>
+                <a:cs typeface="+mn-lt"/>
+              </a:rPr>
+              <a:t>For </a:t>
+            </a:r>
+            <a:r>
+              <a:rPr lang="pt-PT" err="1">
+                <a:ea typeface="+mn-lt"/>
+                <a:cs typeface="+mn-lt"/>
+              </a:rPr>
+              <a:t>the</a:t>
+            </a:r>
+            <a:r>
+              <a:rPr lang="pt-PT">
+                <a:ea typeface="+mn-lt"/>
+                <a:cs typeface="+mn-lt"/>
+              </a:rPr>
+              <a:t> </a:t>
+            </a:r>
+            <a:r>
+              <a:rPr lang="pt-PT" err="1">
+                <a:ea typeface="+mn-lt"/>
+                <a:cs typeface="+mn-lt"/>
+              </a:rPr>
+              <a:t>heuristic</a:t>
+            </a:r>
+            <a:r>
+              <a:rPr lang="pt-PT">
+                <a:ea typeface="+mn-lt"/>
+                <a:cs typeface="+mn-lt"/>
+              </a:rPr>
+              <a:t> </a:t>
+            </a:r>
+            <a:r>
+              <a:rPr lang="pt-PT" err="1">
+                <a:ea typeface="+mn-lt"/>
+                <a:cs typeface="+mn-lt"/>
+              </a:rPr>
+              <a:t>methods</a:t>
+            </a:r>
+            <a:r>
+              <a:rPr lang="pt-PT">
+                <a:ea typeface="+mn-lt"/>
+                <a:cs typeface="+mn-lt"/>
+              </a:rPr>
+              <a:t> (</a:t>
+            </a:r>
+            <a:r>
+              <a:rPr lang="pt-PT" err="1">
+                <a:ea typeface="+mn-lt"/>
+                <a:cs typeface="+mn-lt"/>
+              </a:rPr>
+              <a:t>greedy</a:t>
+            </a:r>
+            <a:r>
+              <a:rPr lang="pt-PT">
+                <a:ea typeface="+mn-lt"/>
+                <a:cs typeface="+mn-lt"/>
+              </a:rPr>
+              <a:t>, A*), </a:t>
+            </a:r>
+            <a:r>
+              <a:rPr lang="pt-PT" err="1">
+                <a:ea typeface="+mn-lt"/>
+                <a:cs typeface="+mn-lt"/>
+              </a:rPr>
+              <a:t>we</a:t>
+            </a:r>
+            <a:r>
+              <a:rPr lang="pt-PT">
+                <a:ea typeface="+mn-lt"/>
+                <a:cs typeface="+mn-lt"/>
+              </a:rPr>
+              <a:t> used </a:t>
+            </a:r>
+            <a:r>
+              <a:rPr lang="pt-PT" err="1">
+                <a:ea typeface="+mn-lt"/>
+                <a:cs typeface="+mn-lt"/>
+              </a:rPr>
+              <a:t>different</a:t>
+            </a:r>
+            <a:r>
+              <a:rPr lang="pt-PT">
+                <a:ea typeface="+mn-lt"/>
+                <a:cs typeface="+mn-lt"/>
+              </a:rPr>
+              <a:t> </a:t>
+            </a:r>
+            <a:r>
+              <a:rPr lang="pt-PT" err="1">
+                <a:ea typeface="+mn-lt"/>
+                <a:cs typeface="+mn-lt"/>
+              </a:rPr>
+              <a:t>heuristics</a:t>
+            </a:r>
+            <a:r>
+              <a:rPr lang="pt-PT">
+                <a:ea typeface="+mn-lt"/>
+                <a:cs typeface="+mn-lt"/>
+              </a:rPr>
+              <a:t>, </a:t>
+            </a:r>
+            <a:r>
+              <a:rPr lang="pt-PT" err="1">
+                <a:ea typeface="+mn-lt"/>
+                <a:cs typeface="+mn-lt"/>
+              </a:rPr>
+              <a:t>such</a:t>
+            </a:r>
+            <a:r>
+              <a:rPr lang="pt-PT">
+                <a:ea typeface="+mn-lt"/>
+                <a:cs typeface="+mn-lt"/>
+              </a:rPr>
+              <a:t> as: </a:t>
+            </a:r>
+          </a:p>
+          <a:p>
+            <a:pPr lvl="1" indent="-383540"/>
+            <a:r>
+              <a:rPr lang="pt-PT" i="0">
+                <a:ea typeface="+mn-lt"/>
+                <a:cs typeface="+mn-lt"/>
+              </a:rPr>
+              <a:t>H1</a:t>
+            </a:r>
+            <a:r>
+              <a:rPr lang="pt-PT" i="0"/>
+              <a:t> = Minimum </a:t>
+            </a:r>
+            <a:r>
+              <a:rPr lang="pt-PT" i="1"/>
+              <a:t>Zhed Distance</a:t>
+            </a:r>
+            <a:r>
+              <a:rPr lang="pt-PT" i="0"/>
+              <a:t> between a Value Cell and a Finish Tile. </a:t>
+            </a:r>
+          </a:p>
+          <a:p>
+            <a:pPr lvl="1" indent="-383540"/>
+            <a:r>
+              <a:rPr lang="pt-PT"/>
+              <a:t>H2 = (1 - </a:t>
+            </a:r>
+            <a:r>
+              <a:rPr lang="pt-PT" err="1"/>
+              <a:t>Number</a:t>
+            </a:r>
+            <a:r>
+              <a:rPr lang="pt-PT"/>
+              <a:t> </a:t>
+            </a:r>
+            <a:r>
+              <a:rPr lang="pt-PT" err="1"/>
+              <a:t>of</a:t>
+            </a:r>
+            <a:r>
+              <a:rPr lang="pt-PT"/>
+              <a:t> </a:t>
+            </a:r>
+            <a:r>
+              <a:rPr lang="pt-PT" err="1"/>
+              <a:t>Reached</a:t>
+            </a:r>
+            <a:r>
+              <a:rPr lang="pt-PT"/>
+              <a:t> </a:t>
+            </a:r>
+            <a:r>
+              <a:rPr lang="pt-PT" err="1"/>
+              <a:t>Finish</a:t>
+            </a:r>
+            <a:r>
+              <a:rPr lang="pt-PT"/>
+              <a:t> Tiles) / (</a:t>
+            </a:r>
+            <a:r>
+              <a:rPr lang="pt-PT" err="1"/>
+              <a:t>Number</a:t>
+            </a:r>
+            <a:r>
+              <a:rPr lang="pt-PT"/>
+              <a:t> </a:t>
+            </a:r>
+            <a:r>
+              <a:rPr lang="pt-PT" err="1"/>
+              <a:t>of</a:t>
+            </a:r>
+            <a:r>
+              <a:rPr lang="pt-PT"/>
+              <a:t> tiles </a:t>
+            </a:r>
+            <a:r>
+              <a:rPr lang="pt-PT" err="1"/>
+              <a:t>aligned</a:t>
+            </a:r>
+            <a:r>
+              <a:rPr lang="pt-PT"/>
+              <a:t> </a:t>
+            </a:r>
+            <a:r>
+              <a:rPr lang="pt-PT" err="1"/>
+              <a:t>with</a:t>
+            </a:r>
+            <a:r>
+              <a:rPr lang="pt-PT"/>
+              <a:t> a </a:t>
+            </a:r>
+            <a:r>
+              <a:rPr lang="pt-PT" err="1"/>
+              <a:t>Finish</a:t>
+            </a:r>
+            <a:r>
+              <a:rPr lang="pt-PT"/>
+              <a:t> Tile)</a:t>
+            </a:r>
+          </a:p>
+          <a:p>
+            <a:pPr lvl="1" indent="-383540"/>
+            <a:r>
+              <a:rPr lang="pt-PT"/>
+              <a:t>H3 = </a:t>
+            </a:r>
+            <a:r>
+              <a:rPr lang="pt-PT">
+                <a:ea typeface="+mn-lt"/>
+                <a:cs typeface="+mn-lt"/>
+              </a:rPr>
+              <a:t>(1 - </a:t>
+            </a:r>
+            <a:r>
+              <a:rPr lang="pt-PT" err="1">
+                <a:ea typeface="+mn-lt"/>
+                <a:cs typeface="+mn-lt"/>
+              </a:rPr>
+              <a:t>Number</a:t>
+            </a:r>
+            <a:r>
+              <a:rPr lang="pt-PT">
+                <a:ea typeface="+mn-lt"/>
+                <a:cs typeface="+mn-lt"/>
+              </a:rPr>
+              <a:t> </a:t>
+            </a:r>
+            <a:r>
+              <a:rPr lang="pt-PT" err="1">
+                <a:ea typeface="+mn-lt"/>
+                <a:cs typeface="+mn-lt"/>
+              </a:rPr>
+              <a:t>of</a:t>
+            </a:r>
+            <a:r>
+              <a:rPr lang="pt-PT">
+                <a:ea typeface="+mn-lt"/>
+                <a:cs typeface="+mn-lt"/>
+              </a:rPr>
+              <a:t> </a:t>
+            </a:r>
+            <a:r>
+              <a:rPr lang="pt-PT" err="1">
+                <a:ea typeface="+mn-lt"/>
+                <a:cs typeface="+mn-lt"/>
+              </a:rPr>
+              <a:t>Reached</a:t>
+            </a:r>
+            <a:r>
+              <a:rPr lang="pt-PT">
+                <a:ea typeface="+mn-lt"/>
+                <a:cs typeface="+mn-lt"/>
+              </a:rPr>
+              <a:t> </a:t>
+            </a:r>
+            <a:r>
+              <a:rPr lang="pt-PT" err="1">
+                <a:ea typeface="+mn-lt"/>
+                <a:cs typeface="+mn-lt"/>
+              </a:rPr>
+              <a:t>Finish</a:t>
+            </a:r>
+            <a:r>
+              <a:rPr lang="pt-PT">
+                <a:ea typeface="+mn-lt"/>
+                <a:cs typeface="+mn-lt"/>
+              </a:rPr>
+              <a:t> Tiles)</a:t>
+            </a:r>
+            <a:r>
+              <a:rPr lang="pt-PT"/>
+              <a:t> * 1000  /</a:t>
+            </a:r>
+            <a:r>
+              <a:rPr lang="pt-PT" i="0" err="1">
+                <a:ea typeface="+mn-lt"/>
+                <a:cs typeface="+mn-lt"/>
+              </a:rPr>
+              <a:t>BoardMaxValue</a:t>
+            </a:r>
+            <a:endParaRPr lang="pt-PT" i="0" err="1"/>
+          </a:p>
+          <a:p>
+            <a:pPr lvl="1" indent="-383540"/>
+            <a:r>
+              <a:rPr lang="pt-PT" i="0"/>
+              <a:t>H4 = </a:t>
+            </a:r>
+            <a:r>
+              <a:rPr lang="pt-PT"/>
+              <a:t>(1 - </a:t>
+            </a:r>
+            <a:r>
+              <a:rPr lang="pt-PT" err="1"/>
+              <a:t>Number</a:t>
+            </a:r>
+            <a:r>
+              <a:rPr lang="pt-PT"/>
+              <a:t> </a:t>
+            </a:r>
+            <a:r>
+              <a:rPr lang="pt-PT" err="1"/>
+              <a:t>of</a:t>
+            </a:r>
+            <a:r>
+              <a:rPr lang="pt-PT"/>
+              <a:t> </a:t>
+            </a:r>
+            <a:r>
+              <a:rPr lang="pt-PT" err="1"/>
+              <a:t>Reached</a:t>
+            </a:r>
+            <a:r>
+              <a:rPr lang="pt-PT"/>
+              <a:t> </a:t>
+            </a:r>
+            <a:r>
+              <a:rPr lang="pt-PT" err="1"/>
+              <a:t>Finish</a:t>
+            </a:r>
+            <a:r>
+              <a:rPr lang="pt-PT"/>
+              <a:t> Tiles)</a:t>
+            </a:r>
+            <a:r>
+              <a:rPr lang="pt-PT">
+                <a:ea typeface="+mn-lt"/>
+                <a:cs typeface="+mn-lt"/>
+              </a:rPr>
+              <a:t>  * 1000 /</a:t>
+            </a:r>
+            <a:r>
+              <a:rPr lang="pt-PT" i="0" err="1"/>
+              <a:t>BoardTotalValue</a:t>
+            </a:r>
+            <a:endParaRPr lang="pt-PT" i="0" err="1">
+              <a:ea typeface="+mn-lt"/>
+              <a:cs typeface="+mn-lt"/>
+            </a:endParaRPr>
+          </a:p>
+          <a:p>
+            <a:pPr lvl="1" indent="-383540"/>
+            <a:r>
+              <a:rPr lang="pt-PT"/>
+              <a:t>H5 = H2 + H4</a:t>
+            </a:r>
+            <a:endParaRPr lang="pt-PT" i="1"/>
+          </a:p>
+          <a:p>
+            <a:pPr lvl="1" indent="-383540"/>
+            <a:endParaRPr lang="pt-PT" i="1"/>
+          </a:p>
+          <a:p>
+            <a:pPr lvl="1" indent="-383540"/>
+            <a:endParaRPr lang="pt-PT" i="1"/>
+          </a:p>
+          <a:p>
+            <a:pPr marL="0" indent="0">
+              <a:buNone/>
+            </a:pPr>
+            <a:endParaRPr lang="pt-PT" i="1"/>
+          </a:p>
+          <a:p>
+            <a:pPr marL="383540" indent="-383540"/>
+            <a:endParaRPr lang="pt-PT"/>
           </a:p>
         </p:txBody>
       </p:sp>
@@ -7470,7 +7535,7 @@
         </p:nvSpPr>
         <p:spPr>
           <a:xfrm>
-            <a:off x="941295" y="4980379"/>
+            <a:off x="1010426" y="3951873"/>
             <a:ext cx="4607858" cy="2000548"/>
           </a:xfrm>
           <a:prstGeom prst="rect">
@@ -7960,10 +8025,10 @@
       </p:sp>
       <p:sp>
         <p:nvSpPr>
-          <p:cNvPr id="4" name="CaixaDeTexto 3">
+          <p:cNvPr id="7" name="CaixaDeTexto 7">
             <a:extLst>
               <a:ext uri="{FF2B5EF4-FFF2-40B4-BE49-F238E27FC236}">
-                <a16:creationId xmlns:a16="http://schemas.microsoft.com/office/drawing/2014/main" id="{ABBC238E-5686-4BC1-834F-473A6E53E424}"/>
+                <a16:creationId xmlns:a16="http://schemas.microsoft.com/office/drawing/2014/main" id="{4EED7C45-E3F6-454D-8447-CD139E6CAD24}"/>
               </a:ext>
             </a:extLst>
           </p:cNvPr>
@@ -7972,8 +8037,8 @@
         </p:nvSpPr>
         <p:spPr>
           <a:xfrm>
-            <a:off x="7530354" y="5020235"/>
-            <a:ext cx="4347882" cy="1200329"/>
+            <a:off x="6903944" y="3704029"/>
+            <a:ext cx="4817408" cy="1508105"/>
           </a:xfrm>
           <a:prstGeom prst="rect">
             <a:avLst/>
@@ -7990,178 +8055,880 @@
           <a:lstStyle/>
           <a:p>
             <a:r>
-              <a:rPr lang="pt-PT" dirty="0"/>
-              <a:t>For </a:t>
-            </a:r>
-            <a:r>
-              <a:rPr lang="pt-PT" dirty="0" err="1"/>
-              <a:t>instance</a:t>
-            </a:r>
-            <a:r>
-              <a:rPr lang="pt-PT" dirty="0"/>
-              <a:t>, in </a:t>
-            </a:r>
-            <a:r>
-              <a:rPr lang="pt-PT" dirty="0" err="1"/>
-              <a:t>this</a:t>
-            </a:r>
-            <a:r>
-              <a:rPr lang="pt-PT" dirty="0"/>
-              <a:t> case, </a:t>
-            </a:r>
-            <a:r>
-              <a:rPr lang="pt-PT" dirty="0" err="1"/>
+              <a:rPr lang="pt-PT" sz="1600" i="1" err="1">
+                <a:ea typeface="+mn-lt"/>
+                <a:cs typeface="+mn-lt"/>
+              </a:rPr>
+              <a:t>The</a:t>
+            </a:r>
+            <a:r>
+              <a:rPr lang="pt-PT" sz="1600" i="1">
+                <a:ea typeface="+mn-lt"/>
+                <a:cs typeface="+mn-lt"/>
+              </a:rPr>
+              <a:t> </a:t>
+            </a:r>
+            <a:r>
+              <a:rPr lang="pt-PT" sz="1600" b="1" i="1">
+                <a:ea typeface="+mn-lt"/>
+                <a:cs typeface="+mn-lt"/>
+              </a:rPr>
+              <a:t>Tile </a:t>
+            </a:r>
+            <a:r>
+              <a:rPr lang="pt-PT" sz="1600" b="1" i="1" err="1">
+                <a:ea typeface="+mn-lt"/>
+                <a:cs typeface="+mn-lt"/>
+              </a:rPr>
+              <a:t>Extension</a:t>
+            </a:r>
+            <a:r>
+              <a:rPr lang="pt-PT" sz="1600" b="1" i="1">
+                <a:ea typeface="+mn-lt"/>
+                <a:cs typeface="+mn-lt"/>
+              </a:rPr>
+              <a:t> </a:t>
+            </a:r>
+            <a:r>
+              <a:rPr lang="pt-PT" sz="1600" b="1" i="1" err="1">
+                <a:ea typeface="+mn-lt"/>
+                <a:cs typeface="+mn-lt"/>
+              </a:rPr>
+              <a:t>Value</a:t>
+            </a:r>
+            <a:r>
+              <a:rPr lang="pt-PT" sz="1600" i="1">
+                <a:ea typeface="+mn-lt"/>
+                <a:cs typeface="+mn-lt"/>
+              </a:rPr>
+              <a:t> </a:t>
+            </a:r>
+            <a:r>
+              <a:rPr lang="pt-PT" sz="1600" i="1" err="1">
+                <a:ea typeface="+mn-lt"/>
+                <a:cs typeface="+mn-lt"/>
+              </a:rPr>
+              <a:t>is</a:t>
+            </a:r>
+            <a:r>
+              <a:rPr lang="pt-PT" sz="1600" i="1">
+                <a:ea typeface="+mn-lt"/>
+                <a:cs typeface="+mn-lt"/>
+              </a:rPr>
+              <a:t> </a:t>
+            </a:r>
+            <a:r>
+              <a:rPr lang="pt-PT" sz="1600" i="1" err="1">
+                <a:ea typeface="+mn-lt"/>
+                <a:cs typeface="+mn-lt"/>
+              </a:rPr>
               <a:t>the</a:t>
             </a:r>
             <a:r>
-              <a:rPr lang="pt-PT" i="1" dirty="0"/>
-              <a:t> </a:t>
-            </a:r>
-            <a:r>
-              <a:rPr lang="pt-PT" i="1" dirty="0" err="1"/>
-              <a:t>Zhed</a:t>
-            </a:r>
-            <a:r>
-              <a:rPr lang="pt-PT" i="1" dirty="0"/>
-              <a:t> </a:t>
-            </a:r>
-            <a:r>
-              <a:rPr lang="pt-PT" i="1" dirty="0" err="1"/>
-              <a:t>Distance</a:t>
-            </a:r>
-            <a:r>
-              <a:rPr lang="pt-PT" dirty="0"/>
-              <a:t> </a:t>
-            </a:r>
-            <a:r>
-              <a:rPr lang="pt-PT" dirty="0" err="1"/>
-              <a:t>between</a:t>
-            </a:r>
-            <a:r>
-              <a:rPr lang="pt-PT" dirty="0"/>
-              <a:t> A </a:t>
-            </a:r>
-            <a:r>
-              <a:rPr lang="pt-PT" dirty="0" err="1"/>
-              <a:t>and</a:t>
-            </a:r>
-            <a:r>
-              <a:rPr lang="pt-PT" dirty="0"/>
-              <a:t> B </a:t>
-            </a:r>
-            <a:r>
-              <a:rPr lang="pt-PT" dirty="0" err="1"/>
-              <a:t>is</a:t>
-            </a:r>
-            <a:r>
-              <a:rPr lang="pt-PT" dirty="0"/>
-              <a:t> 0, as </a:t>
-            </a:r>
-            <a:r>
-              <a:rPr lang="pt-PT" dirty="0" err="1"/>
-              <a:t>it</a:t>
-            </a:r>
-            <a:r>
-              <a:rPr lang="pt-PT" dirty="0"/>
-              <a:t> can </a:t>
-            </a:r>
-            <a:r>
-              <a:rPr lang="pt-PT" dirty="0" err="1"/>
-              <a:t>reach</a:t>
-            </a:r>
-            <a:r>
-              <a:rPr lang="pt-PT" dirty="0"/>
-              <a:t> </a:t>
-            </a:r>
-            <a:r>
-              <a:rPr lang="pt-PT" dirty="0" err="1"/>
+              <a:rPr lang="pt-PT" sz="1600" i="1">
+                <a:ea typeface="+mn-lt"/>
+                <a:cs typeface="+mn-lt"/>
+              </a:rPr>
+              <a:t> </a:t>
+            </a:r>
+            <a:r>
+              <a:rPr lang="pt-PT" sz="1600" i="1" err="1">
+                <a:ea typeface="+mn-lt"/>
+                <a:cs typeface="+mn-lt"/>
+              </a:rPr>
+              <a:t>number</a:t>
+            </a:r>
+            <a:r>
+              <a:rPr lang="pt-PT" sz="1600" i="1">
+                <a:ea typeface="+mn-lt"/>
+                <a:cs typeface="+mn-lt"/>
+              </a:rPr>
+              <a:t> </a:t>
+            </a:r>
+            <a:r>
+              <a:rPr lang="pt-PT" sz="1600" i="1" err="1">
+                <a:ea typeface="+mn-lt"/>
+                <a:cs typeface="+mn-lt"/>
+              </a:rPr>
+              <a:t>of</a:t>
+            </a:r>
+            <a:r>
+              <a:rPr lang="pt-PT" sz="1600" i="1">
+                <a:ea typeface="+mn-lt"/>
+                <a:cs typeface="+mn-lt"/>
+              </a:rPr>
+              <a:t> tiles a </a:t>
+            </a:r>
+            <a:r>
+              <a:rPr lang="pt-PT" sz="1600" i="1" err="1">
+                <a:ea typeface="+mn-lt"/>
+                <a:cs typeface="+mn-lt"/>
+              </a:rPr>
+              <a:t>Value</a:t>
+            </a:r>
+            <a:r>
+              <a:rPr lang="pt-PT" sz="1600" i="1">
+                <a:ea typeface="+mn-lt"/>
+                <a:cs typeface="+mn-lt"/>
+              </a:rPr>
+              <a:t> Tile can </a:t>
+            </a:r>
+            <a:r>
+              <a:rPr lang="pt-PT" sz="1600" i="1" err="1">
+                <a:ea typeface="+mn-lt"/>
+                <a:cs typeface="+mn-lt"/>
+              </a:rPr>
+              <a:t>extend</a:t>
+            </a:r>
+            <a:r>
+              <a:rPr lang="pt-PT" sz="1600" i="1">
+                <a:ea typeface="+mn-lt"/>
+                <a:cs typeface="+mn-lt"/>
+              </a:rPr>
+              <a:t> in a </a:t>
+            </a:r>
+            <a:r>
+              <a:rPr lang="pt-PT" sz="1600" i="1" err="1">
+                <a:ea typeface="+mn-lt"/>
+                <a:cs typeface="+mn-lt"/>
+              </a:rPr>
+              <a:t>certain</a:t>
+            </a:r>
+            <a:r>
+              <a:rPr lang="pt-PT" sz="1600" i="1">
+                <a:ea typeface="+mn-lt"/>
+                <a:cs typeface="+mn-lt"/>
+              </a:rPr>
+              <a:t> </a:t>
+            </a:r>
+            <a:r>
+              <a:rPr lang="pt-PT" sz="1600" i="1" err="1">
+                <a:ea typeface="+mn-lt"/>
+                <a:cs typeface="+mn-lt"/>
+              </a:rPr>
+              <a:t>direction</a:t>
+            </a:r>
+            <a:r>
+              <a:rPr lang="pt-PT" sz="1600" i="1">
+                <a:ea typeface="+mn-lt"/>
+                <a:cs typeface="+mn-lt"/>
+              </a:rPr>
+              <a:t> (</a:t>
+            </a:r>
+            <a:r>
+              <a:rPr lang="pt-PT" sz="1600" i="1" err="1">
+                <a:ea typeface="+mn-lt"/>
+                <a:cs typeface="+mn-lt"/>
+              </a:rPr>
+              <a:t>extending</a:t>
+            </a:r>
+            <a:r>
+              <a:rPr lang="pt-PT" sz="1600" i="1">
+                <a:ea typeface="+mn-lt"/>
+                <a:cs typeface="+mn-lt"/>
+              </a:rPr>
+              <a:t> </a:t>
+            </a:r>
+            <a:r>
+              <a:rPr lang="pt-PT" sz="1600" i="1" err="1">
+                <a:ea typeface="+mn-lt"/>
+                <a:cs typeface="+mn-lt"/>
+              </a:rPr>
+              <a:t>through</a:t>
+            </a:r>
+            <a:r>
+              <a:rPr lang="pt-PT" sz="1600" i="1">
+                <a:ea typeface="+mn-lt"/>
+                <a:cs typeface="+mn-lt"/>
+              </a:rPr>
+              <a:t> a </a:t>
+            </a:r>
+            <a:r>
+              <a:rPr lang="pt-PT" sz="1600" i="1" err="1">
+                <a:ea typeface="+mn-lt"/>
+                <a:cs typeface="+mn-lt"/>
+              </a:rPr>
+              <a:t>Value</a:t>
+            </a:r>
+            <a:r>
+              <a:rPr lang="pt-PT" sz="1600" i="1">
+                <a:ea typeface="+mn-lt"/>
+                <a:cs typeface="+mn-lt"/>
+              </a:rPr>
+              <a:t> Tile </a:t>
+            </a:r>
+            <a:r>
+              <a:rPr lang="pt-PT" sz="1600" i="1" err="1">
+                <a:ea typeface="+mn-lt"/>
+                <a:cs typeface="+mn-lt"/>
+              </a:rPr>
+              <a:t>only</a:t>
+            </a:r>
+            <a:r>
+              <a:rPr lang="pt-PT" sz="1600" i="1">
+                <a:ea typeface="+mn-lt"/>
+                <a:cs typeface="+mn-lt"/>
+              </a:rPr>
+              <a:t> </a:t>
+            </a:r>
+            <a:r>
+              <a:rPr lang="pt-PT" sz="1600" i="1" err="1">
+                <a:ea typeface="+mn-lt"/>
+                <a:cs typeface="+mn-lt"/>
+              </a:rPr>
+              <a:t>adds</a:t>
+            </a:r>
+            <a:r>
+              <a:rPr lang="pt-PT" sz="1600" i="1">
+                <a:ea typeface="+mn-lt"/>
+                <a:cs typeface="+mn-lt"/>
+              </a:rPr>
+              <a:t> </a:t>
+            </a:r>
+            <a:r>
+              <a:rPr lang="pt-PT" sz="1600" i="1" err="1">
+                <a:ea typeface="+mn-lt"/>
+                <a:cs typeface="+mn-lt"/>
+              </a:rPr>
+              <a:t>half</a:t>
+            </a:r>
+            <a:r>
+              <a:rPr lang="pt-PT" sz="1600" i="1">
+                <a:ea typeface="+mn-lt"/>
+                <a:cs typeface="+mn-lt"/>
+              </a:rPr>
+              <a:t> </a:t>
+            </a:r>
+            <a:r>
+              <a:rPr lang="pt-PT" sz="1600" i="1" err="1">
+                <a:ea typeface="+mn-lt"/>
+                <a:cs typeface="+mn-lt"/>
+              </a:rPr>
               <a:t>the</a:t>
             </a:r>
             <a:r>
-              <a:rPr lang="pt-PT" dirty="0"/>
-              <a:t> </a:t>
-            </a:r>
-            <a:r>
-              <a:rPr lang="pt-PT" dirty="0" err="1"/>
-              <a:t>destination</a:t>
-            </a:r>
-            <a:r>
-              <a:rPr lang="pt-PT" dirty="0"/>
-              <a:t> </a:t>
-            </a:r>
-            <a:r>
-              <a:rPr lang="pt-PT" dirty="0" err="1"/>
-              <a:t>with</a:t>
-            </a:r>
-            <a:r>
-              <a:rPr lang="pt-PT" dirty="0"/>
-              <a:t> no extra </a:t>
-            </a:r>
-            <a:r>
-              <a:rPr lang="pt-PT" dirty="0" err="1"/>
-              <a:t>blocks</a:t>
-            </a:r>
-            <a:r>
-              <a:rPr lang="pt-PT" dirty="0"/>
-              <a:t> </a:t>
-            </a:r>
-            <a:r>
-              <a:rPr lang="pt-PT" dirty="0" err="1"/>
-              <a:t>between</a:t>
-            </a:r>
-            <a:r>
-              <a:rPr lang="pt-PT" dirty="0"/>
-              <a:t> </a:t>
-            </a:r>
-            <a:r>
-              <a:rPr lang="pt-PT" dirty="0" err="1"/>
-              <a:t>the</a:t>
-            </a:r>
-            <a:r>
-              <a:rPr lang="pt-PT" dirty="0"/>
-              <a:t> </a:t>
-            </a:r>
-            <a:r>
-              <a:rPr lang="pt-PT" dirty="0" err="1"/>
-              <a:t>path</a:t>
-            </a:r>
-            <a:r>
-              <a:rPr lang="pt-PT" dirty="0"/>
-              <a:t> (4 – 2 – 2 = 0)</a:t>
-            </a:r>
+              <a:rPr lang="pt-PT" sz="1600" i="1">
+                <a:ea typeface="+mn-lt"/>
+                <a:cs typeface="+mn-lt"/>
+              </a:rPr>
+              <a:t> </a:t>
+            </a:r>
+            <a:r>
+              <a:rPr lang="pt-PT" sz="1600" i="1" err="1">
+                <a:ea typeface="+mn-lt"/>
+                <a:cs typeface="+mn-lt"/>
+              </a:rPr>
+              <a:t>value</a:t>
+            </a:r>
+            <a:r>
+              <a:rPr lang="pt-PT" sz="1600" i="1">
+                <a:ea typeface="+mn-lt"/>
+                <a:cs typeface="+mn-lt"/>
+              </a:rPr>
+              <a:t> as </a:t>
+            </a:r>
+            <a:r>
+              <a:rPr lang="pt-PT" sz="1600" i="1" err="1">
+                <a:ea typeface="+mn-lt"/>
+                <a:cs typeface="+mn-lt"/>
+              </a:rPr>
+              <a:t>other</a:t>
+            </a:r>
+            <a:r>
+              <a:rPr lang="pt-PT" sz="1600" i="1">
+                <a:ea typeface="+mn-lt"/>
+                <a:cs typeface="+mn-lt"/>
+              </a:rPr>
+              <a:t> Tiles)</a:t>
+            </a:r>
+            <a:endParaRPr lang="pt-PT" sz="1600" i="1"/>
+          </a:p>
+          <a:p>
+            <a:endParaRPr lang="pt-PT" sz="1400" i="1"/>
+          </a:p>
+          <a:p>
+            <a:endParaRPr lang="pt-PT" sz="1400" i="1"/>
           </a:p>
         </p:txBody>
       </p:sp>
-      <p:pic>
-        <p:nvPicPr>
-          <p:cNvPr id="9" name="Imagem 9">
+      <p:sp>
+        <p:nvSpPr>
+          <p:cNvPr id="10" name="CaixaDeTexto 7">
             <a:extLst>
               <a:ext uri="{FF2B5EF4-FFF2-40B4-BE49-F238E27FC236}">
-                <a16:creationId xmlns:a16="http://schemas.microsoft.com/office/drawing/2014/main" id="{DBD0A9A9-83B7-4F1D-80C4-D486B54EF75D}"/>
+                <a16:creationId xmlns:a16="http://schemas.microsoft.com/office/drawing/2014/main" id="{0C1C6DEE-1D4D-43E6-944D-4C3A77DE8723}"/>
               </a:ext>
             </a:extLst>
           </p:cNvPr>
-          <p:cNvPicPr>
-            <a:picLocks noChangeAspect="1"/>
-          </p:cNvPicPr>
+          <p:cNvSpPr txBox="1"/>
           <p:nvPr/>
-        </p:nvPicPr>
-        <p:blipFill>
-          <a:blip r:embed="rId2"/>
-          <a:stretch>
-            <a:fillRect/>
-          </a:stretch>
-        </p:blipFill>
+        </p:nvSpPr>
         <p:spPr>
           <a:xfrm>
-            <a:off x="5549153" y="4757935"/>
-            <a:ext cx="1900518" cy="1914132"/>
+            <a:off x="6903944" y="4827979"/>
+            <a:ext cx="4817408" cy="1292662"/>
           </a:xfrm>
           <a:prstGeom prst="rect">
             <a:avLst/>
           </a:prstGeom>
+          <a:noFill/>
         </p:spPr>
-      </p:pic>
+        <p:txBody>
+          <a:bodyPr rot="0" spcFirstLastPara="0" vertOverflow="overflow" horzOverflow="overflow" vert="horz" wrap="square" lIns="91440" tIns="45720" rIns="91440" bIns="45720" numCol="1" spcCol="0" rtlCol="0" fromWordArt="0" anchor="t" anchorCtr="0" forceAA="0" compatLnSpc="1">
+            <a:prstTxWarp prst="textNoShape">
+              <a:avLst/>
+            </a:prstTxWarp>
+            <a:spAutoFit/>
+          </a:bodyPr>
+          <a:lstStyle/>
+          <a:p>
+            <a:r>
+              <a:rPr lang="pt-PT" sz="1600" b="1" i="1" err="1">
+                <a:ea typeface="+mn-lt"/>
+                <a:cs typeface="+mn-lt"/>
+              </a:rPr>
+              <a:t>BoardMaxValue</a:t>
+            </a:r>
+            <a:r>
+              <a:rPr lang="pt-PT" sz="1600" i="1">
+                <a:ea typeface="+mn-lt"/>
+                <a:cs typeface="+mn-lt"/>
+              </a:rPr>
+              <a:t>: Sum </a:t>
+            </a:r>
+            <a:r>
+              <a:rPr lang="pt-PT" sz="1600" i="1" err="1">
+                <a:ea typeface="+mn-lt"/>
+                <a:cs typeface="+mn-lt"/>
+              </a:rPr>
+              <a:t>of</a:t>
+            </a:r>
+            <a:r>
+              <a:rPr lang="pt-PT" sz="1600" i="1">
+                <a:ea typeface="+mn-lt"/>
+                <a:cs typeface="+mn-lt"/>
+              </a:rPr>
+              <a:t> </a:t>
+            </a:r>
+            <a:r>
+              <a:rPr lang="pt-PT" sz="1600" i="1" err="1">
+                <a:ea typeface="+mn-lt"/>
+                <a:cs typeface="+mn-lt"/>
+              </a:rPr>
+              <a:t>the</a:t>
+            </a:r>
+            <a:r>
+              <a:rPr lang="pt-PT" sz="1600" i="1">
+                <a:ea typeface="+mn-lt"/>
+                <a:cs typeface="+mn-lt"/>
+              </a:rPr>
+              <a:t> </a:t>
+            </a:r>
+            <a:r>
+              <a:rPr lang="pt-PT" sz="1600" i="1" err="1">
+                <a:ea typeface="+mn-lt"/>
+                <a:cs typeface="+mn-lt"/>
+              </a:rPr>
+              <a:t>Maximum</a:t>
+            </a:r>
+            <a:r>
+              <a:rPr lang="pt-PT" sz="1600" i="1">
+                <a:ea typeface="+mn-lt"/>
+                <a:cs typeface="+mn-lt"/>
+              </a:rPr>
+              <a:t> Tile </a:t>
+            </a:r>
+            <a:r>
+              <a:rPr lang="pt-PT" sz="1600" i="1" err="1">
+                <a:ea typeface="+mn-lt"/>
+                <a:cs typeface="+mn-lt"/>
+              </a:rPr>
+              <a:t>Extension</a:t>
+            </a:r>
+            <a:r>
+              <a:rPr lang="pt-PT" sz="1600" i="1">
+                <a:ea typeface="+mn-lt"/>
+                <a:cs typeface="+mn-lt"/>
+              </a:rPr>
+              <a:t> </a:t>
+            </a:r>
+            <a:r>
+              <a:rPr lang="pt-PT" sz="1600" i="1" err="1">
+                <a:ea typeface="+mn-lt"/>
+                <a:cs typeface="+mn-lt"/>
+              </a:rPr>
+              <a:t>Value</a:t>
+            </a:r>
+            <a:r>
+              <a:rPr lang="pt-PT" sz="1600" i="1">
+                <a:ea typeface="+mn-lt"/>
+                <a:cs typeface="+mn-lt"/>
+              </a:rPr>
+              <a:t> </a:t>
+            </a:r>
+            <a:r>
+              <a:rPr lang="pt-PT" sz="1600" i="1" err="1">
+                <a:ea typeface="+mn-lt"/>
+                <a:cs typeface="+mn-lt"/>
+              </a:rPr>
+              <a:t>of</a:t>
+            </a:r>
+            <a:r>
+              <a:rPr lang="pt-PT" sz="1600" i="1">
+                <a:ea typeface="+mn-lt"/>
+                <a:cs typeface="+mn-lt"/>
+              </a:rPr>
+              <a:t> </a:t>
+            </a:r>
+            <a:r>
+              <a:rPr lang="pt-PT" sz="1600" i="1" err="1">
+                <a:ea typeface="+mn-lt"/>
+                <a:cs typeface="+mn-lt"/>
+              </a:rPr>
+              <a:t>each</a:t>
+            </a:r>
+            <a:r>
+              <a:rPr lang="pt-PT" sz="1600" i="1">
+                <a:ea typeface="+mn-lt"/>
+                <a:cs typeface="+mn-lt"/>
+              </a:rPr>
+              <a:t> </a:t>
+            </a:r>
+            <a:r>
+              <a:rPr lang="pt-PT" sz="1600" i="1" err="1">
+                <a:ea typeface="+mn-lt"/>
+                <a:cs typeface="+mn-lt"/>
+              </a:rPr>
+              <a:t>Value</a:t>
+            </a:r>
+            <a:r>
+              <a:rPr lang="pt-PT" sz="1600" i="1">
+                <a:ea typeface="+mn-lt"/>
+                <a:cs typeface="+mn-lt"/>
+              </a:rPr>
+              <a:t> Tile in </a:t>
+            </a:r>
+            <a:r>
+              <a:rPr lang="pt-PT" sz="1600" i="1" err="1">
+                <a:ea typeface="+mn-lt"/>
+                <a:cs typeface="+mn-lt"/>
+              </a:rPr>
+              <a:t>the</a:t>
+            </a:r>
+            <a:r>
+              <a:rPr lang="pt-PT" sz="1600" i="1">
+                <a:ea typeface="+mn-lt"/>
+                <a:cs typeface="+mn-lt"/>
+              </a:rPr>
+              <a:t> </a:t>
+            </a:r>
+            <a:r>
+              <a:rPr lang="pt-PT" sz="1600" i="1" err="1">
+                <a:ea typeface="+mn-lt"/>
+                <a:cs typeface="+mn-lt"/>
+              </a:rPr>
+              <a:t>Board</a:t>
+            </a:r>
+            <a:r>
+              <a:rPr lang="pt-PT" sz="1600" i="1">
+                <a:ea typeface="+mn-lt"/>
+                <a:cs typeface="+mn-lt"/>
+              </a:rPr>
+              <a:t> </a:t>
+            </a:r>
+            <a:r>
+              <a:rPr lang="pt-PT" sz="1600" i="1" err="1">
+                <a:ea typeface="+mn-lt"/>
+                <a:cs typeface="+mn-lt"/>
+              </a:rPr>
+              <a:t>and</a:t>
+            </a:r>
+            <a:r>
+              <a:rPr lang="pt-PT" sz="1600" i="1">
+                <a:ea typeface="+mn-lt"/>
+                <a:cs typeface="+mn-lt"/>
+              </a:rPr>
+              <a:t> </a:t>
+            </a:r>
+            <a:r>
+              <a:rPr lang="pt-PT" sz="1600" i="1" err="1">
+                <a:ea typeface="+mn-lt"/>
+                <a:cs typeface="+mn-lt"/>
+              </a:rPr>
+              <a:t>the</a:t>
+            </a:r>
+            <a:r>
+              <a:rPr lang="pt-PT" sz="1600" i="1">
+                <a:ea typeface="+mn-lt"/>
+                <a:cs typeface="+mn-lt"/>
+              </a:rPr>
+              <a:t> </a:t>
+            </a:r>
+            <a:r>
+              <a:rPr lang="pt-PT" sz="1600" i="1" err="1">
+                <a:ea typeface="+mn-lt"/>
+                <a:cs typeface="+mn-lt"/>
+              </a:rPr>
+              <a:t>number</a:t>
+            </a:r>
+            <a:r>
+              <a:rPr lang="pt-PT" sz="1600" i="1">
+                <a:ea typeface="+mn-lt"/>
+                <a:cs typeface="+mn-lt"/>
+              </a:rPr>
+              <a:t> </a:t>
+            </a:r>
+            <a:r>
+              <a:rPr lang="pt-PT" sz="1600" i="1" err="1">
+                <a:ea typeface="+mn-lt"/>
+                <a:cs typeface="+mn-lt"/>
+              </a:rPr>
+              <a:t>of</a:t>
+            </a:r>
+            <a:r>
+              <a:rPr lang="pt-PT" sz="1600" i="1">
+                <a:ea typeface="+mn-lt"/>
+                <a:cs typeface="+mn-lt"/>
+              </a:rPr>
+              <a:t> </a:t>
+            </a:r>
+            <a:r>
+              <a:rPr lang="pt-PT" sz="1600" i="1" err="1">
+                <a:ea typeface="+mn-lt"/>
+                <a:cs typeface="+mn-lt"/>
+              </a:rPr>
+              <a:t>expanded</a:t>
+            </a:r>
+            <a:r>
+              <a:rPr lang="pt-PT" sz="1600" i="1">
+                <a:ea typeface="+mn-lt"/>
+                <a:cs typeface="+mn-lt"/>
+              </a:rPr>
+              <a:t> </a:t>
+            </a:r>
+            <a:r>
+              <a:rPr lang="pt-PT" sz="1600" i="1" err="1">
+                <a:ea typeface="+mn-lt"/>
+                <a:cs typeface="+mn-lt"/>
+              </a:rPr>
+              <a:t>cells</a:t>
+            </a:r>
+            <a:endParaRPr lang="pt-PT" sz="1600" i="1" err="1"/>
+          </a:p>
+          <a:p>
+            <a:endParaRPr lang="pt-PT" sz="1400" i="1"/>
+          </a:p>
+          <a:p>
+            <a:endParaRPr lang="pt-PT" sz="1400" i="1"/>
+          </a:p>
+        </p:txBody>
+      </p:sp>
+      <p:sp>
+        <p:nvSpPr>
+          <p:cNvPr id="11" name="CaixaDeTexto 7">
+            <a:extLst>
+              <a:ext uri="{FF2B5EF4-FFF2-40B4-BE49-F238E27FC236}">
+                <a16:creationId xmlns:a16="http://schemas.microsoft.com/office/drawing/2014/main" id="{81017E48-72AC-41A9-8D1B-ADCB26FABCEC}"/>
+              </a:ext>
+            </a:extLst>
+          </p:cNvPr>
+          <p:cNvSpPr txBox="1"/>
+          <p:nvPr/>
+        </p:nvSpPr>
+        <p:spPr>
+          <a:xfrm>
+            <a:off x="6903944" y="5666179"/>
+            <a:ext cx="4817408" cy="1538883"/>
+          </a:xfrm>
+          <a:prstGeom prst="rect">
+            <a:avLst/>
+          </a:prstGeom>
+          <a:noFill/>
+        </p:spPr>
+        <p:txBody>
+          <a:bodyPr rot="0" spcFirstLastPara="0" vertOverflow="overflow" horzOverflow="overflow" vert="horz" wrap="square" lIns="91440" tIns="45720" rIns="91440" bIns="45720" numCol="1" spcCol="0" rtlCol="0" fromWordArt="0" anchor="t" anchorCtr="0" forceAA="0" compatLnSpc="1">
+            <a:prstTxWarp prst="textNoShape">
+              <a:avLst/>
+            </a:prstTxWarp>
+            <a:spAutoFit/>
+          </a:bodyPr>
+          <a:lstStyle/>
+          <a:p>
+            <a:r>
+              <a:rPr lang="pt-PT" sz="1600" b="1" i="1" err="1">
+                <a:ea typeface="+mn-lt"/>
+                <a:cs typeface="+mn-lt"/>
+              </a:rPr>
+              <a:t>BoardTotalValue</a:t>
+            </a:r>
+            <a:r>
+              <a:rPr lang="pt-PT" sz="1600" i="1">
+                <a:ea typeface="+mn-lt"/>
+                <a:cs typeface="+mn-lt"/>
+              </a:rPr>
+              <a:t>: Sum </a:t>
+            </a:r>
+            <a:r>
+              <a:rPr lang="pt-PT" sz="1600" i="1" err="1">
+                <a:ea typeface="+mn-lt"/>
+                <a:cs typeface="+mn-lt"/>
+              </a:rPr>
+              <a:t>of</a:t>
+            </a:r>
+            <a:r>
+              <a:rPr lang="pt-PT" sz="1600" i="1">
+                <a:ea typeface="+mn-lt"/>
+                <a:cs typeface="+mn-lt"/>
+              </a:rPr>
+              <a:t> </a:t>
+            </a:r>
+            <a:r>
+              <a:rPr lang="pt-PT" sz="1600" i="1" err="1">
+                <a:ea typeface="+mn-lt"/>
+                <a:cs typeface="+mn-lt"/>
+              </a:rPr>
+              <a:t>the</a:t>
+            </a:r>
+            <a:r>
+              <a:rPr lang="pt-PT" sz="1600" i="1">
+                <a:ea typeface="+mn-lt"/>
+                <a:cs typeface="+mn-lt"/>
+              </a:rPr>
+              <a:t> </a:t>
+            </a:r>
+            <a:r>
+              <a:rPr lang="pt-PT" sz="1600" i="1" err="1">
+                <a:ea typeface="+mn-lt"/>
+                <a:cs typeface="+mn-lt"/>
+              </a:rPr>
+              <a:t>Average</a:t>
+            </a:r>
+            <a:r>
+              <a:rPr lang="pt-PT" sz="1600" i="1">
+                <a:ea typeface="+mn-lt"/>
+                <a:cs typeface="+mn-lt"/>
+              </a:rPr>
+              <a:t> </a:t>
+            </a:r>
+            <a:r>
+              <a:rPr lang="pt-PT" sz="1600" i="1" err="1">
+                <a:ea typeface="+mn-lt"/>
+                <a:cs typeface="+mn-lt"/>
+              </a:rPr>
+              <a:t>of</a:t>
+            </a:r>
+            <a:r>
+              <a:rPr lang="pt-PT" sz="1600" i="1">
+                <a:ea typeface="+mn-lt"/>
+                <a:cs typeface="+mn-lt"/>
+              </a:rPr>
+              <a:t> </a:t>
+            </a:r>
+            <a:r>
+              <a:rPr lang="pt-PT" sz="1600" i="1" err="1">
+                <a:ea typeface="+mn-lt"/>
+                <a:cs typeface="+mn-lt"/>
+              </a:rPr>
+              <a:t>all</a:t>
+            </a:r>
+            <a:r>
+              <a:rPr lang="pt-PT" sz="1600" i="1">
+                <a:ea typeface="+mn-lt"/>
+                <a:cs typeface="+mn-lt"/>
+              </a:rPr>
+              <a:t> 4 Tile </a:t>
+            </a:r>
+            <a:r>
+              <a:rPr lang="pt-PT" sz="1600" i="1" err="1">
+                <a:ea typeface="+mn-lt"/>
+                <a:cs typeface="+mn-lt"/>
+              </a:rPr>
+              <a:t>Extension</a:t>
+            </a:r>
+            <a:r>
+              <a:rPr lang="pt-PT" sz="1600" i="1">
+                <a:ea typeface="+mn-lt"/>
+                <a:cs typeface="+mn-lt"/>
+              </a:rPr>
+              <a:t> </a:t>
+            </a:r>
+            <a:r>
+              <a:rPr lang="pt-PT" sz="1600" i="1" err="1">
+                <a:ea typeface="+mn-lt"/>
+                <a:cs typeface="+mn-lt"/>
+              </a:rPr>
+              <a:t>Values</a:t>
+            </a:r>
+            <a:r>
+              <a:rPr lang="pt-PT" sz="1600" i="1">
+                <a:ea typeface="+mn-lt"/>
+                <a:cs typeface="+mn-lt"/>
+              </a:rPr>
+              <a:t> </a:t>
+            </a:r>
+            <a:r>
+              <a:rPr lang="pt-PT" sz="1600" i="1" err="1">
+                <a:ea typeface="+mn-lt"/>
+                <a:cs typeface="+mn-lt"/>
+              </a:rPr>
+              <a:t>of</a:t>
+            </a:r>
+            <a:r>
+              <a:rPr lang="pt-PT" sz="1600" i="1">
+                <a:ea typeface="+mn-lt"/>
+                <a:cs typeface="+mn-lt"/>
+              </a:rPr>
+              <a:t> </a:t>
+            </a:r>
+            <a:r>
+              <a:rPr lang="pt-PT" sz="1600" i="1" err="1">
+                <a:ea typeface="+mn-lt"/>
+                <a:cs typeface="+mn-lt"/>
+              </a:rPr>
+              <a:t>each</a:t>
+            </a:r>
+            <a:r>
+              <a:rPr lang="pt-PT" sz="1600" i="1">
+                <a:ea typeface="+mn-lt"/>
+                <a:cs typeface="+mn-lt"/>
+              </a:rPr>
+              <a:t> </a:t>
+            </a:r>
+            <a:r>
+              <a:rPr lang="pt-PT" sz="1600" i="1" err="1">
+                <a:ea typeface="+mn-lt"/>
+                <a:cs typeface="+mn-lt"/>
+              </a:rPr>
+              <a:t>Value</a:t>
+            </a:r>
+            <a:r>
+              <a:rPr lang="pt-PT" sz="1600" i="1">
+                <a:ea typeface="+mn-lt"/>
+                <a:cs typeface="+mn-lt"/>
+              </a:rPr>
+              <a:t> Tile in </a:t>
+            </a:r>
+            <a:r>
+              <a:rPr lang="pt-PT" sz="1600" i="1" err="1">
+                <a:ea typeface="+mn-lt"/>
+                <a:cs typeface="+mn-lt"/>
+              </a:rPr>
+              <a:t>the</a:t>
+            </a:r>
+            <a:r>
+              <a:rPr lang="pt-PT" sz="1600" i="1">
+                <a:ea typeface="+mn-lt"/>
+                <a:cs typeface="+mn-lt"/>
+              </a:rPr>
+              <a:t> </a:t>
+            </a:r>
+            <a:r>
+              <a:rPr lang="pt-PT" sz="1600" i="1" err="1">
+                <a:ea typeface="+mn-lt"/>
+                <a:cs typeface="+mn-lt"/>
+              </a:rPr>
+              <a:t>Board</a:t>
+            </a:r>
+            <a:r>
+              <a:rPr lang="pt-PT" sz="1600" i="1">
+                <a:ea typeface="+mn-lt"/>
+                <a:cs typeface="+mn-lt"/>
+              </a:rPr>
+              <a:t>  </a:t>
+            </a:r>
+            <a:r>
+              <a:rPr lang="pt-PT" sz="1600" i="1" err="1">
+                <a:ea typeface="+mn-lt"/>
+                <a:cs typeface="+mn-lt"/>
+              </a:rPr>
+              <a:t>and</a:t>
+            </a:r>
+            <a:r>
+              <a:rPr lang="pt-PT" sz="1600" i="1">
+                <a:ea typeface="+mn-lt"/>
+                <a:cs typeface="+mn-lt"/>
+              </a:rPr>
+              <a:t> </a:t>
+            </a:r>
+            <a:r>
+              <a:rPr lang="pt-PT" sz="1600" i="1" err="1">
+                <a:ea typeface="+mn-lt"/>
+                <a:cs typeface="+mn-lt"/>
+              </a:rPr>
+              <a:t>the</a:t>
+            </a:r>
+            <a:r>
+              <a:rPr lang="pt-PT" sz="1600" i="1">
+                <a:ea typeface="+mn-lt"/>
+                <a:cs typeface="+mn-lt"/>
+              </a:rPr>
+              <a:t> </a:t>
+            </a:r>
+            <a:r>
+              <a:rPr lang="pt-PT" sz="1600" i="1" err="1">
+                <a:ea typeface="+mn-lt"/>
+                <a:cs typeface="+mn-lt"/>
+              </a:rPr>
+              <a:t>number</a:t>
+            </a:r>
+            <a:r>
+              <a:rPr lang="pt-PT" sz="1600" i="1">
+                <a:ea typeface="+mn-lt"/>
+                <a:cs typeface="+mn-lt"/>
+              </a:rPr>
+              <a:t> </a:t>
+            </a:r>
+            <a:r>
+              <a:rPr lang="pt-PT" sz="1600" i="1" err="1">
+                <a:ea typeface="+mn-lt"/>
+                <a:cs typeface="+mn-lt"/>
+              </a:rPr>
+              <a:t>of</a:t>
+            </a:r>
+            <a:r>
+              <a:rPr lang="pt-PT" sz="1600" i="1">
+                <a:ea typeface="+mn-lt"/>
+                <a:cs typeface="+mn-lt"/>
+              </a:rPr>
+              <a:t> </a:t>
+            </a:r>
+            <a:r>
+              <a:rPr lang="pt-PT" sz="1600" i="1" err="1">
+                <a:ea typeface="+mn-lt"/>
+                <a:cs typeface="+mn-lt"/>
+              </a:rPr>
+              <a:t>expanded</a:t>
+            </a:r>
+            <a:r>
+              <a:rPr lang="pt-PT" sz="1600" i="1">
+                <a:ea typeface="+mn-lt"/>
+                <a:cs typeface="+mn-lt"/>
+              </a:rPr>
+              <a:t> </a:t>
+            </a:r>
+            <a:r>
+              <a:rPr lang="pt-PT" sz="1600" i="1" err="1">
+                <a:ea typeface="+mn-lt"/>
+                <a:cs typeface="+mn-lt"/>
+              </a:rPr>
+              <a:t>cells</a:t>
+            </a:r>
+            <a:endParaRPr lang="pt-PT" sz="1600" err="1">
+              <a:ea typeface="+mn-lt"/>
+              <a:cs typeface="+mn-lt"/>
+            </a:endParaRPr>
+          </a:p>
+          <a:p>
+            <a:endParaRPr lang="pt-PT" i="1"/>
+          </a:p>
+          <a:p>
+            <a:endParaRPr lang="pt-PT" sz="1400" i="1"/>
+          </a:p>
+          <a:p>
+            <a:endParaRPr lang="pt-PT" sz="1400" i="1"/>
+          </a:p>
+        </p:txBody>
+      </p:sp>
     </p:spTree>
     <p:extLst>
       <p:ext uri="{BB962C8B-B14F-4D97-AF65-F5344CB8AC3E}">
@@ -8176,6 +8943,160 @@
 </file>
 
 <file path=ppt/slides/slide6.xml><?xml version="1.0" encoding="utf-8"?>
+<p:sld xmlns:a="http://schemas.openxmlformats.org/drawingml/2006/main" xmlns:r="http://schemas.openxmlformats.org/officeDocument/2006/relationships" xmlns:p="http://schemas.openxmlformats.org/presentationml/2006/main">
+  <p:cSld>
+    <p:spTree>
+      <p:nvGrpSpPr>
+        <p:cNvPr id="1" name=""/>
+        <p:cNvGrpSpPr/>
+        <p:nvPr/>
+      </p:nvGrpSpPr>
+      <p:grpSpPr>
+        <a:xfrm>
+          <a:off x="0" y="0"/>
+          <a:ext cx="0" cy="0"/>
+          <a:chOff x="0" y="0"/>
+          <a:chExt cx="0" cy="0"/>
+        </a:xfrm>
+      </p:grpSpPr>
+      <p:sp>
+        <p:nvSpPr>
+          <p:cNvPr id="2" name="Title 1">
+            <a:extLst>
+              <a:ext uri="{FF2B5EF4-FFF2-40B4-BE49-F238E27FC236}">
+                <a16:creationId xmlns:a16="http://schemas.microsoft.com/office/drawing/2014/main" id="{CE139EED-4F12-4A3A-8693-ECEFC638D9EA}"/>
+              </a:ext>
+            </a:extLst>
+          </p:cNvPr>
+          <p:cNvSpPr>
+            <a:spLocks noGrp="1"/>
+          </p:cNvSpPr>
+          <p:nvPr>
+            <p:ph type="title"/>
+          </p:nvPr>
+        </p:nvSpPr>
+        <p:spPr/>
+        <p:txBody>
+          <a:bodyPr/>
+          <a:lstStyle/>
+          <a:p>
+            <a:r>
+              <a:rPr lang="pt-PT"/>
+              <a:t>Implemented algorithms</a:t>
+            </a:r>
+          </a:p>
+        </p:txBody>
+      </p:sp>
+      <p:sp>
+        <p:nvSpPr>
+          <p:cNvPr id="3" name="Content Placeholder 2">
+            <a:extLst>
+              <a:ext uri="{FF2B5EF4-FFF2-40B4-BE49-F238E27FC236}">
+                <a16:creationId xmlns:a16="http://schemas.microsoft.com/office/drawing/2014/main" id="{3118C091-A45F-4213-869D-80F5DCA5AF89}"/>
+              </a:ext>
+            </a:extLst>
+          </p:cNvPr>
+          <p:cNvSpPr>
+            <a:spLocks noGrp="1"/>
+          </p:cNvSpPr>
+          <p:nvPr>
+            <p:ph idx="1"/>
+          </p:nvPr>
+        </p:nvSpPr>
+        <p:spPr/>
+        <p:txBody>
+          <a:bodyPr vert="horz" lIns="91440" tIns="45720" rIns="91440" bIns="45720" rtlCol="0" anchor="t">
+            <a:normAutofit/>
+          </a:bodyPr>
+          <a:lstStyle/>
+          <a:p>
+            <a:pPr marL="383540" indent="-383540"/>
+            <a:r>
+              <a:rPr lang="pt-PT" err="1"/>
+              <a:t>We</a:t>
+            </a:r>
+            <a:r>
+              <a:rPr lang="pt-PT"/>
+              <a:t> </a:t>
+            </a:r>
+            <a:r>
+              <a:rPr lang="pt-PT" err="1"/>
+              <a:t>implemented</a:t>
+            </a:r>
+            <a:r>
+              <a:rPr lang="pt-PT"/>
+              <a:t> DFS, BFS, </a:t>
+            </a:r>
+            <a:r>
+              <a:rPr lang="pt-PT" err="1"/>
+              <a:t>Greedy</a:t>
+            </a:r>
+            <a:r>
+              <a:rPr lang="pt-PT"/>
+              <a:t>, A* </a:t>
+            </a:r>
+            <a:r>
+              <a:rPr lang="pt-PT" err="1"/>
+              <a:t>and</a:t>
+            </a:r>
+            <a:r>
+              <a:rPr lang="pt-PT"/>
+              <a:t> </a:t>
+            </a:r>
+            <a:r>
+              <a:rPr lang="pt-PT" err="1"/>
+              <a:t>Uniform</a:t>
+            </a:r>
+            <a:r>
+              <a:rPr lang="pt-PT"/>
+              <a:t> </a:t>
+            </a:r>
+            <a:r>
+              <a:rPr lang="pt-PT" err="1"/>
+              <a:t>Cost</a:t>
+            </a:r>
+            <a:r>
+              <a:rPr lang="pt-PT"/>
+              <a:t> Algorithms.</a:t>
+            </a:r>
+          </a:p>
+          <a:p>
+            <a:pPr marL="383540" indent="-383540"/>
+            <a:r>
+              <a:rPr lang="pt-PT"/>
+              <a:t>For DFS and BFS, no heuristic and cost functions were used. </a:t>
+            </a:r>
+          </a:p>
+          <a:p>
+            <a:pPr marL="383540" indent="-383540"/>
+            <a:r>
+              <a:rPr lang="pt-PT"/>
+              <a:t>For Greedy and A*, several heuristics were tried, as explained in the previous slide.</a:t>
+            </a:r>
+          </a:p>
+          <a:p>
+            <a:pPr marL="383540" indent="-383540"/>
+            <a:r>
+              <a:rPr lang="pt-PT"/>
+              <a:t>For Uniform Cost and A*, only one cost function was used, as it experimentally did not significantly impact the obtained results.</a:t>
+            </a:r>
+          </a:p>
+        </p:txBody>
+      </p:sp>
+    </p:spTree>
+    <p:extLst>
+      <p:ext uri="{BB962C8B-B14F-4D97-AF65-F5344CB8AC3E}">
+        <p14:creationId xmlns:p14="http://schemas.microsoft.com/office/powerpoint/2010/main" val="660139689"/>
+      </p:ext>
+    </p:extLst>
+  </p:cSld>
+  <p:clrMapOvr>
+    <a:masterClrMapping/>
+  </p:clrMapOvr>
+</p:sld>
+</file>
+
+<file path=ppt/slides/slide7.xml><?xml version="1.0" encoding="utf-8"?>
 <p:sld xmlns:a="http://schemas.openxmlformats.org/drawingml/2006/main" xmlns:r="http://schemas.openxmlformats.org/officeDocument/2006/relationships" xmlns:p="http://schemas.openxmlformats.org/presentationml/2006/main">
   <p:cSld>
     <p:spTree>
@@ -8236,7 +9157,12 @@
             <p:ph idx="1"/>
           </p:nvPr>
         </p:nvSpPr>
-        <p:spPr/>
+        <p:spPr>
+          <a:xfrm>
+            <a:off x="1352550" y="1428750"/>
+            <a:ext cx="9620250" cy="3552825"/>
+          </a:xfrm>
+        </p:spPr>
         <p:txBody>
           <a:bodyPr vert="horz" lIns="91440" tIns="45720" rIns="91440" bIns="45720" rtlCol="0" anchor="t">
             <a:normAutofit/>
@@ -8250,11 +9176,33 @@
             </a:r>
             <a:r>
               <a:rPr lang="pt-PT"/>
-              <a:t> are </a:t>
+              <a:t> </a:t>
             </a:r>
             <a:r>
               <a:rPr lang="pt-PT" err="1"/>
-              <a:t>using</a:t>
+              <a:t>used</a:t>
+            </a:r>
+            <a:r>
+              <a:rPr lang="pt-PT"/>
+              <a:t> </a:t>
+            </a:r>
+            <a:r>
+              <a:rPr lang="pt-PT" err="1">
+                <a:ea typeface="+mn-lt"/>
+                <a:cs typeface="+mn-lt"/>
+              </a:rPr>
+              <a:t>Unity</a:t>
+            </a:r>
+            <a:r>
+              <a:rPr lang="pt-PT">
+                <a:ea typeface="+mn-lt"/>
+                <a:cs typeface="+mn-lt"/>
+              </a:rPr>
+              <a:t> </a:t>
+            </a:r>
+            <a:r>
+              <a:rPr lang="pt-PT" err="1"/>
+              <a:t>and</a:t>
             </a:r>
             <a:r>
               <a:rPr lang="pt-PT"/>
@@ -8272,89 +9220,9 @@
               <a:rPr lang="pt-PT" err="1"/>
               <a:t>language</a:t>
             </a:r>
-            <a:endParaRPr lang="pt-PT"/>
-          </a:p>
-          <a:p>
-            <a:pPr marL="383540" indent="-383540"/>
-            <a:r>
-              <a:rPr lang="pt-PT" err="1"/>
-              <a:t>We</a:t>
-            </a:r>
             <a:r>
               <a:rPr lang="pt-PT"/>
-              <a:t> </a:t>
-            </a:r>
-            <a:r>
-              <a:rPr lang="pt-PT" err="1"/>
-              <a:t>have</a:t>
-            </a:r>
-            <a:r>
-              <a:rPr lang="pt-PT"/>
-              <a:t> </a:t>
-            </a:r>
-            <a:r>
-              <a:rPr lang="pt-PT" err="1"/>
-              <a:t>already</a:t>
-            </a:r>
-            <a:r>
-              <a:rPr lang="pt-PT"/>
-              <a:t> </a:t>
-            </a:r>
-            <a:r>
-              <a:rPr lang="pt-PT" err="1"/>
-              <a:t>developed</a:t>
-            </a:r>
-            <a:r>
-              <a:rPr lang="pt-PT"/>
-              <a:t> </a:t>
-            </a:r>
-            <a:r>
-              <a:rPr lang="pt-PT" err="1"/>
-              <a:t>the</a:t>
-            </a:r>
-            <a:r>
-              <a:rPr lang="pt-PT"/>
-              <a:t> </a:t>
-            </a:r>
-            <a:r>
-              <a:rPr lang="pt-PT" err="1"/>
-              <a:t>game’s</a:t>
-            </a:r>
-            <a:r>
-              <a:rPr lang="pt-PT"/>
-              <a:t> </a:t>
-            </a:r>
-            <a:r>
-              <a:rPr lang="pt-PT" err="1"/>
-              <a:t>logic</a:t>
-            </a:r>
-            <a:r>
-              <a:rPr lang="pt-PT"/>
-              <a:t> </a:t>
-            </a:r>
-            <a:r>
-              <a:rPr lang="pt-PT" err="1"/>
-              <a:t>and</a:t>
-            </a:r>
-            <a:r>
-              <a:rPr lang="pt-PT"/>
-              <a:t> </a:t>
-            </a:r>
-            <a:r>
-              <a:rPr lang="pt-PT" err="1"/>
-              <a:t>got</a:t>
-            </a:r>
-            <a:r>
-              <a:rPr lang="pt-PT"/>
-              <a:t> a </a:t>
-            </a:r>
-            <a:r>
-              <a:rPr lang="pt-PT" err="1"/>
-              <a:t>working</a:t>
-            </a:r>
-            <a:r>
-              <a:rPr lang="pt-PT"/>
-              <a:t> console version, where the user can play a predefined level, or one imported from a file,</a:t>
+              <a:t> .</a:t>
             </a:r>
           </a:p>
           <a:p>
@@ -8363,7 +9231,79 @@
             </a:pPr>
             <a:r>
               <a:rPr lang="pt-PT"/>
-              <a:t>For Zhed Level 41, its file structure and console representation are shown below:</a:t>
+              <a:t>For </a:t>
+            </a:r>
+            <a:r>
+              <a:rPr lang="pt-PT" err="1"/>
+              <a:t>Zhed</a:t>
+            </a:r>
+            <a:r>
+              <a:rPr lang="pt-PT"/>
+              <a:t> </a:t>
+            </a:r>
+            <a:r>
+              <a:rPr lang="pt-PT" err="1"/>
+              <a:t>Level</a:t>
+            </a:r>
+            <a:r>
+              <a:rPr lang="pt-PT"/>
+              <a:t> 41, </a:t>
+            </a:r>
+            <a:r>
+              <a:rPr lang="pt-PT" err="1"/>
+              <a:t>its</a:t>
+            </a:r>
+            <a:r>
+              <a:rPr lang="pt-PT"/>
+              <a:t> file </a:t>
+            </a:r>
+            <a:r>
+              <a:rPr lang="pt-PT" err="1"/>
+              <a:t>structure</a:t>
+            </a:r>
+            <a:r>
+              <a:rPr lang="pt-PT"/>
+              <a:t>, console </a:t>
+            </a:r>
+            <a:r>
+              <a:rPr lang="pt-PT" err="1"/>
+              <a:t>and</a:t>
+            </a:r>
+            <a:r>
+              <a:rPr lang="pt-PT"/>
+              <a:t> </a:t>
+            </a:r>
+            <a:r>
+              <a:rPr lang="pt-PT" err="1"/>
+              <a:t>graphical</a:t>
+            </a:r>
+            <a:r>
+              <a:rPr lang="pt-PT"/>
+              <a:t> </a:t>
+            </a:r>
+            <a:r>
+              <a:rPr lang="pt-PT" err="1"/>
+              <a:t>representation</a:t>
+            </a:r>
+            <a:r>
+              <a:rPr lang="pt-PT"/>
+              <a:t> are </a:t>
+            </a:r>
+            <a:r>
+              <a:rPr lang="pt-PT" err="1"/>
+              <a:t>shown</a:t>
+            </a:r>
+            <a:r>
+              <a:rPr lang="pt-PT"/>
+              <a:t> </a:t>
+            </a:r>
+            <a:r>
+              <a:rPr lang="pt-PT" err="1"/>
+              <a:t>below</a:t>
+            </a:r>
+            <a:r>
+              <a:rPr lang="pt-PT"/>
+              <a:t>:</a:t>
             </a:r>
           </a:p>
           <a:p>
@@ -8374,36 +9314,6 @@
           </a:p>
         </p:txBody>
       </p:sp>
-      <p:pic>
-        <p:nvPicPr>
-          <p:cNvPr id="6" name="Imagem 6" descr="Uma imagem com eletrónica, teclado, interior, fotografia&#10;&#10;Descrição gerada com confiança muito alta">
-            <a:extLst>
-              <a:ext uri="{FF2B5EF4-FFF2-40B4-BE49-F238E27FC236}">
-                <a16:creationId xmlns:a16="http://schemas.microsoft.com/office/drawing/2014/main" id="{9C48BEBC-FC5F-40C2-8051-B73B45AC210F}"/>
-              </a:ext>
-            </a:extLst>
-          </p:cNvPr>
-          <p:cNvPicPr>
-            <a:picLocks noChangeAspect="1"/>
-          </p:cNvPicPr>
-          <p:nvPr/>
-        </p:nvPicPr>
-        <p:blipFill>
-          <a:blip r:embed="rId2"/>
-          <a:stretch>
-            <a:fillRect/>
-          </a:stretch>
-        </p:blipFill>
-        <p:spPr>
-          <a:xfrm>
-            <a:off x="8078041" y="4216214"/>
-            <a:ext cx="3073213" cy="2558303"/>
-          </a:xfrm>
-          <a:prstGeom prst="rect">
-            <a:avLst/>
-          </a:prstGeom>
-        </p:spPr>
-      </p:pic>
       <p:sp>
         <p:nvSpPr>
           <p:cNvPr id="10" name="CaixaDeTexto 9">
@@ -8418,8 +9328,8 @@
         </p:nvSpPr>
         <p:spPr>
           <a:xfrm>
-            <a:off x="2250141" y="3792071"/>
-            <a:ext cx="2644589" cy="369332"/>
+            <a:off x="1276882" y="2514500"/>
+            <a:ext cx="1149164" cy="307777"/>
           </a:xfrm>
           <a:prstGeom prst="rect">
             <a:avLst/>
@@ -8436,8 +9346,12 @@
           <a:lstStyle/>
           <a:p>
             <a:r>
-              <a:rPr lang="pt-PT"/>
-              <a:t>Zhed App</a:t>
+              <a:rPr lang="pt-PT" sz="1400" err="1"/>
+              <a:t>Zhed</a:t>
+            </a:r>
+            <a:r>
+              <a:rPr lang="pt-PT" sz="1400"/>
+              <a:t> App</a:t>
             </a:r>
           </a:p>
         </p:txBody>
@@ -8456,8 +9370,8 @@
         </p:nvSpPr>
         <p:spPr>
           <a:xfrm>
-            <a:off x="4751293" y="3792071"/>
-            <a:ext cx="2644589" cy="369332"/>
+            <a:off x="2843398" y="2511011"/>
+            <a:ext cx="2082614" cy="307777"/>
           </a:xfrm>
           <a:prstGeom prst="rect">
             <a:avLst/>
@@ -8474,47 +9388,14 @@
           <a:lstStyle/>
           <a:p>
             <a:r>
-              <a:rPr lang="pt-PT"/>
-              <a:t>File representation</a:t>
-            </a:r>
-          </a:p>
-        </p:txBody>
-      </p:sp>
-      <p:sp>
-        <p:nvSpPr>
-          <p:cNvPr id="12" name="CaixaDeTexto 11">
-            <a:extLst>
-              <a:ext uri="{FF2B5EF4-FFF2-40B4-BE49-F238E27FC236}">
-                <a16:creationId xmlns:a16="http://schemas.microsoft.com/office/drawing/2014/main" id="{C3DD70AC-ECA5-409B-A74E-49299AB5A0ED}"/>
-              </a:ext>
-            </a:extLst>
-          </p:cNvPr>
-          <p:cNvSpPr txBox="1"/>
-          <p:nvPr/>
-        </p:nvSpPr>
-        <p:spPr>
-          <a:xfrm>
-            <a:off x="8390963" y="3792069"/>
-            <a:ext cx="2644589" cy="369332"/>
-          </a:xfrm>
-          <a:prstGeom prst="rect">
-            <a:avLst/>
-          </a:prstGeom>
-          <a:noFill/>
-        </p:spPr>
-        <p:txBody>
-          <a:bodyPr rot="0" spcFirstLastPara="0" vertOverflow="overflow" horzOverflow="overflow" vert="horz" wrap="square" lIns="91440" tIns="45720" rIns="91440" bIns="45720" numCol="1" spcCol="0" rtlCol="0" fromWordArt="0" anchor="t" anchorCtr="0" forceAA="0" compatLnSpc="1">
-            <a:prstTxWarp prst="textNoShape">
-              <a:avLst/>
-            </a:prstTxWarp>
-            <a:spAutoFit/>
-          </a:bodyPr>
-          <a:lstStyle/>
-          <a:p>
-            <a:r>
-              <a:rPr lang="pt-PT"/>
-              <a:t>Console representation:</a:t>
-            </a:r>
+              <a:rPr lang="pt-PT" sz="1400"/>
+              <a:t>File </a:t>
+            </a:r>
+            <a:r>
+              <a:rPr lang="pt-PT" sz="1400" err="1"/>
+              <a:t>representation</a:t>
+            </a:r>
+            <a:endParaRPr lang="pt-PT" sz="1400"/>
           </a:p>
         </p:txBody>
       </p:sp>
@@ -8533,15 +9414,15 @@
           <p:nvPr/>
         </p:nvPicPr>
         <p:blipFill>
-          <a:blip r:embed="rId3"/>
+          <a:blip r:embed="rId2"/>
           <a:stretch>
             <a:fillRect/>
           </a:stretch>
         </p:blipFill>
         <p:spPr>
           <a:xfrm>
-            <a:off x="4636434" y="4166908"/>
-            <a:ext cx="2358838" cy="2631140"/>
+            <a:off x="2966524" y="2829221"/>
+            <a:ext cx="1349188" cy="1497665"/>
           </a:xfrm>
           <a:prstGeom prst="rect">
             <a:avLst/>
@@ -8563,6 +9444,36 @@
           <p:nvPr/>
         </p:nvPicPr>
         <p:blipFill>
+          <a:blip r:embed="rId3"/>
+          <a:stretch>
+            <a:fillRect/>
+          </a:stretch>
+        </p:blipFill>
+        <p:spPr>
+          <a:xfrm>
+            <a:off x="1337321" y="2798416"/>
+            <a:ext cx="1504950" cy="1522653"/>
+          </a:xfrm>
+          <a:prstGeom prst="rect">
+            <a:avLst/>
+          </a:prstGeom>
+        </p:spPr>
+      </p:pic>
+      <p:pic>
+        <p:nvPicPr>
+          <p:cNvPr id="14" name="Picture 14" descr="A close up of a keyboard&#10;&#10;Description generated with very high confidence">
+            <a:extLst>
+              <a:ext uri="{FF2B5EF4-FFF2-40B4-BE49-F238E27FC236}">
+                <a16:creationId xmlns:a16="http://schemas.microsoft.com/office/drawing/2014/main" id="{FE517EAB-D834-4D5D-BC93-C5BBE21125B9}"/>
+              </a:ext>
+            </a:extLst>
+          </p:cNvPr>
+          <p:cNvPicPr>
+            <a:picLocks noChangeAspect="1"/>
+          </p:cNvPicPr>
+          <p:nvPr/>
+        </p:nvPicPr>
+        <p:blipFill>
           <a:blip r:embed="rId4"/>
           <a:stretch>
             <a:fillRect/>
@@ -8570,14 +9481,194 @@
         </p:blipFill>
         <p:spPr>
           <a:xfrm>
-            <a:off x="1595717" y="4213245"/>
-            <a:ext cx="2438400" cy="2465628"/>
+            <a:off x="4584037" y="2817830"/>
+            <a:ext cx="1866900" cy="1514092"/>
           </a:xfrm>
           <a:prstGeom prst="rect">
             <a:avLst/>
           </a:prstGeom>
         </p:spPr>
       </p:pic>
+      <p:sp>
+        <p:nvSpPr>
+          <p:cNvPr id="16" name="CaixaDeTexto 9">
+            <a:extLst>
+              <a:ext uri="{FF2B5EF4-FFF2-40B4-BE49-F238E27FC236}">
+                <a16:creationId xmlns:a16="http://schemas.microsoft.com/office/drawing/2014/main" id="{760F4548-3F7E-48E7-B994-5B1EE03CCCB5}"/>
+              </a:ext>
+            </a:extLst>
+          </p:cNvPr>
+          <p:cNvSpPr txBox="1"/>
+          <p:nvPr/>
+        </p:nvSpPr>
+        <p:spPr>
+          <a:xfrm>
+            <a:off x="4504635" y="2514011"/>
+            <a:ext cx="1149164" cy="307777"/>
+          </a:xfrm>
+          <a:prstGeom prst="rect">
+            <a:avLst/>
+          </a:prstGeom>
+          <a:noFill/>
+        </p:spPr>
+        <p:txBody>
+          <a:bodyPr rot="0" spcFirstLastPara="0" vertOverflow="overflow" horzOverflow="overflow" vert="horz" wrap="square" lIns="91440" tIns="45720" rIns="91440" bIns="45720" numCol="1" spcCol="0" rtlCol="0" fromWordArt="0" anchor="t" anchorCtr="0" forceAA="0" compatLnSpc="1">
+            <a:prstTxWarp prst="textNoShape">
+              <a:avLst/>
+            </a:prstTxWarp>
+            <a:spAutoFit/>
+          </a:bodyPr>
+          <a:lstStyle/>
+          <a:p>
+            <a:r>
+              <a:rPr lang="pt-PT" sz="1400"/>
+              <a:t>Console</a:t>
+            </a:r>
+            <a:endParaRPr lang="en-US" sz="1400"/>
+          </a:p>
+        </p:txBody>
+      </p:sp>
+      <p:sp>
+        <p:nvSpPr>
+          <p:cNvPr id="17" name="CaixaDeTexto 9">
+            <a:extLst>
+              <a:ext uri="{FF2B5EF4-FFF2-40B4-BE49-F238E27FC236}">
+                <a16:creationId xmlns:a16="http://schemas.microsoft.com/office/drawing/2014/main" id="{2F0116FD-8A82-4DFA-B45F-808D86E5CB20}"/>
+              </a:ext>
+            </a:extLst>
+          </p:cNvPr>
+          <p:cNvSpPr txBox="1"/>
+          <p:nvPr/>
+        </p:nvSpPr>
+        <p:spPr>
+          <a:xfrm>
+            <a:off x="1278347" y="4331088"/>
+            <a:ext cx="1149164" cy="307777"/>
+          </a:xfrm>
+          <a:prstGeom prst="rect">
+            <a:avLst/>
+          </a:prstGeom>
+          <a:noFill/>
+        </p:spPr>
+        <p:txBody>
+          <a:bodyPr rot="0" spcFirstLastPara="0" vertOverflow="overflow" horzOverflow="overflow" vert="horz" wrap="square" lIns="91440" tIns="45720" rIns="91440" bIns="45720" numCol="1" spcCol="0" rtlCol="0" fromWordArt="0" anchor="t" anchorCtr="0" forceAA="0" compatLnSpc="1">
+            <a:prstTxWarp prst="textNoShape">
+              <a:avLst/>
+            </a:prstTxWarp>
+            <a:spAutoFit/>
+          </a:bodyPr>
+          <a:lstStyle/>
+          <a:p>
+            <a:r>
+              <a:rPr lang="pt-PT" sz="1400" err="1"/>
+              <a:t>Graphical</a:t>
+            </a:r>
+            <a:r>
+              <a:rPr lang="pt-PT" sz="1400"/>
+              <a:t> </a:t>
+            </a:r>
+          </a:p>
+        </p:txBody>
+      </p:sp>
+      <p:pic>
+        <p:nvPicPr>
+          <p:cNvPr id="4" name="Picture 5" descr="A picture containing text, crossword&#10;&#10;Description generated with very high confidence">
+            <a:extLst>
+              <a:ext uri="{FF2B5EF4-FFF2-40B4-BE49-F238E27FC236}">
+                <a16:creationId xmlns:a16="http://schemas.microsoft.com/office/drawing/2014/main" id="{0E607983-F49C-4167-AF27-159827662EAA}"/>
+              </a:ext>
+            </a:extLst>
+          </p:cNvPr>
+          <p:cNvPicPr>
+            <a:picLocks noChangeAspect="1"/>
+          </p:cNvPicPr>
+          <p:nvPr/>
+        </p:nvPicPr>
+        <p:blipFill>
+          <a:blip r:embed="rId5"/>
+          <a:stretch>
+            <a:fillRect/>
+          </a:stretch>
+        </p:blipFill>
+        <p:spPr>
+          <a:xfrm>
+            <a:off x="1333254" y="4691463"/>
+            <a:ext cx="3536951" cy="2006601"/>
+          </a:xfrm>
+          <a:prstGeom prst="rect">
+            <a:avLst/>
+          </a:prstGeom>
+        </p:spPr>
+      </p:pic>
+      <p:pic>
+        <p:nvPicPr>
+          <p:cNvPr id="7" name="Picture 7" descr="A screenshot of a cell phone&#10;&#10;Description generated with very high confidence">
+            <a:extLst>
+              <a:ext uri="{FF2B5EF4-FFF2-40B4-BE49-F238E27FC236}">
+                <a16:creationId xmlns:a16="http://schemas.microsoft.com/office/drawing/2014/main" id="{B4037B14-0F28-4235-AB25-AA9A5EF3F5D9}"/>
+              </a:ext>
+            </a:extLst>
+          </p:cNvPr>
+          <p:cNvPicPr>
+            <a:picLocks noChangeAspect="1"/>
+          </p:cNvPicPr>
+          <p:nvPr/>
+        </p:nvPicPr>
+        <p:blipFill>
+          <a:blip r:embed="rId6"/>
+          <a:stretch>
+            <a:fillRect/>
+          </a:stretch>
+        </p:blipFill>
+        <p:spPr>
+          <a:xfrm>
+            <a:off x="7253236" y="3571957"/>
+            <a:ext cx="4566557" cy="2360151"/>
+          </a:xfrm>
+          <a:prstGeom prst="rect">
+            <a:avLst/>
+          </a:prstGeom>
+        </p:spPr>
+      </p:pic>
+      <p:sp>
+        <p:nvSpPr>
+          <p:cNvPr id="19" name="CaixaDeTexto 9">
+            <a:extLst>
+              <a:ext uri="{FF2B5EF4-FFF2-40B4-BE49-F238E27FC236}">
+                <a16:creationId xmlns:a16="http://schemas.microsoft.com/office/drawing/2014/main" id="{7F3A523F-2F3A-4978-AF34-BBA0570122E5}"/>
+              </a:ext>
+            </a:extLst>
+          </p:cNvPr>
+          <p:cNvSpPr txBox="1"/>
+          <p:nvPr/>
+        </p:nvSpPr>
+        <p:spPr>
+          <a:xfrm>
+            <a:off x="7200942" y="3217395"/>
+            <a:ext cx="2057702" cy="338554"/>
+          </a:xfrm>
+          <a:prstGeom prst="rect">
+            <a:avLst/>
+          </a:prstGeom>
+          <a:noFill/>
+        </p:spPr>
+        <p:txBody>
+          <a:bodyPr rot="0" spcFirstLastPara="0" vertOverflow="overflow" horzOverflow="overflow" vert="horz" wrap="square" lIns="91440" tIns="45720" rIns="91440" bIns="45720" numCol="1" spcCol="0" rtlCol="0" fromWordArt="0" anchor="t" anchorCtr="0" forceAA="0" compatLnSpc="1">
+            <a:prstTxWarp prst="textNoShape">
+              <a:avLst/>
+            </a:prstTxWarp>
+            <a:spAutoFit/>
+          </a:bodyPr>
+          <a:lstStyle/>
+          <a:p>
+            <a:r>
+              <a:rPr lang="pt-PT" sz="1600"/>
+              <a:t>Zhed - Menu</a:t>
+            </a:r>
+            <a:endParaRPr lang="en-US" sz="1600"/>
+          </a:p>
+        </p:txBody>
+      </p:sp>
     </p:spTree>
     <p:extLst>
       <p:ext uri="{BB962C8B-B14F-4D97-AF65-F5344CB8AC3E}">
@@ -8591,173 +9682,7 @@
 </p:sld>
 </file>
 
-<file path=ppt/slides/slide7.xml><?xml version="1.0" encoding="utf-8"?>
-<p:sld xmlns:a="http://schemas.openxmlformats.org/drawingml/2006/main" xmlns:r="http://schemas.openxmlformats.org/officeDocument/2006/relationships" xmlns:p="http://schemas.openxmlformats.org/presentationml/2006/main">
-  <p:cSld>
-    <p:spTree>
-      <p:nvGrpSpPr>
-        <p:cNvPr id="1" name=""/>
-        <p:cNvGrpSpPr/>
-        <p:nvPr/>
-      </p:nvGrpSpPr>
-      <p:grpSpPr>
-        <a:xfrm>
-          <a:off x="0" y="0"/>
-          <a:ext cx="0" cy="0"/>
-          <a:chOff x="0" y="0"/>
-          <a:chExt cx="0" cy="0"/>
-        </a:xfrm>
-      </p:grpSpPr>
-      <p:sp>
-        <p:nvSpPr>
-          <p:cNvPr id="2" name="Title 1">
-            <a:extLst>
-              <a:ext uri="{FF2B5EF4-FFF2-40B4-BE49-F238E27FC236}">
-                <a16:creationId xmlns:a16="http://schemas.microsoft.com/office/drawing/2014/main" id="{15CE9955-54F3-4D21-9962-AB985154E4C1}"/>
-              </a:ext>
-            </a:extLst>
-          </p:cNvPr>
-          <p:cNvSpPr>
-            <a:spLocks noGrp="1"/>
-          </p:cNvSpPr>
-          <p:nvPr>
-            <p:ph type="title"/>
-          </p:nvPr>
-        </p:nvSpPr>
-        <p:spPr/>
-        <p:txBody>
-          <a:bodyPr/>
-          <a:lstStyle/>
-          <a:p>
-            <a:r>
-              <a:rPr lang="pt-PT" dirty="0"/>
-              <a:t>Abordagem</a:t>
-            </a:r>
-          </a:p>
-        </p:txBody>
-      </p:sp>
-      <p:sp>
-        <p:nvSpPr>
-          <p:cNvPr id="3" name="Content Placeholder 2">
-            <a:extLst>
-              <a:ext uri="{FF2B5EF4-FFF2-40B4-BE49-F238E27FC236}">
-                <a16:creationId xmlns:a16="http://schemas.microsoft.com/office/drawing/2014/main" id="{AC061C96-491B-4E51-9CA4-D21A8A18E0A8}"/>
-              </a:ext>
-            </a:extLst>
-          </p:cNvPr>
-          <p:cNvSpPr>
-            <a:spLocks noGrp="1"/>
-          </p:cNvSpPr>
-          <p:nvPr>
-            <p:ph idx="1"/>
-          </p:nvPr>
-        </p:nvSpPr>
-        <p:spPr/>
-        <p:txBody>
-          <a:bodyPr/>
-          <a:lstStyle/>
-          <a:p>
-            <a:endParaRPr lang="pt-PT"/>
-          </a:p>
-        </p:txBody>
-      </p:sp>
-    </p:spTree>
-    <p:extLst>
-      <p:ext uri="{BB962C8B-B14F-4D97-AF65-F5344CB8AC3E}">
-        <p14:creationId xmlns:p14="http://schemas.microsoft.com/office/powerpoint/2010/main" val="2203250278"/>
-      </p:ext>
-    </p:extLst>
-  </p:cSld>
-  <p:clrMapOvr>
-    <a:masterClrMapping/>
-  </p:clrMapOvr>
-</p:sld>
-</file>
-
 <file path=ppt/slides/slide8.xml><?xml version="1.0" encoding="utf-8"?>
-<p:sld xmlns:a="http://schemas.openxmlformats.org/drawingml/2006/main" xmlns:r="http://schemas.openxmlformats.org/officeDocument/2006/relationships" xmlns:p="http://schemas.openxmlformats.org/presentationml/2006/main">
-  <p:cSld>
-    <p:spTree>
-      <p:nvGrpSpPr>
-        <p:cNvPr id="1" name=""/>
-        <p:cNvGrpSpPr/>
-        <p:nvPr/>
-      </p:nvGrpSpPr>
-      <p:grpSpPr>
-        <a:xfrm>
-          <a:off x="0" y="0"/>
-          <a:ext cx="0" cy="0"/>
-          <a:chOff x="0" y="0"/>
-          <a:chExt cx="0" cy="0"/>
-        </a:xfrm>
-      </p:grpSpPr>
-      <p:sp>
-        <p:nvSpPr>
-          <p:cNvPr id="2" name="Title 1">
-            <a:extLst>
-              <a:ext uri="{FF2B5EF4-FFF2-40B4-BE49-F238E27FC236}">
-                <a16:creationId xmlns:a16="http://schemas.microsoft.com/office/drawing/2014/main" id="{CE139EED-4F12-4A3A-8693-ECEFC638D9EA}"/>
-              </a:ext>
-            </a:extLst>
-          </p:cNvPr>
-          <p:cNvSpPr>
-            <a:spLocks noGrp="1"/>
-          </p:cNvSpPr>
-          <p:nvPr>
-            <p:ph type="title"/>
-          </p:nvPr>
-        </p:nvSpPr>
-        <p:spPr/>
-        <p:txBody>
-          <a:bodyPr/>
-          <a:lstStyle/>
-          <a:p>
-            <a:r>
-              <a:rPr lang="pt-PT" dirty="0"/>
-              <a:t>Algoritmos implementados</a:t>
-            </a:r>
-          </a:p>
-        </p:txBody>
-      </p:sp>
-      <p:sp>
-        <p:nvSpPr>
-          <p:cNvPr id="3" name="Content Placeholder 2">
-            <a:extLst>
-              <a:ext uri="{FF2B5EF4-FFF2-40B4-BE49-F238E27FC236}">
-                <a16:creationId xmlns:a16="http://schemas.microsoft.com/office/drawing/2014/main" id="{3118C091-A45F-4213-869D-80F5DCA5AF89}"/>
-              </a:ext>
-            </a:extLst>
-          </p:cNvPr>
-          <p:cNvSpPr>
-            <a:spLocks noGrp="1"/>
-          </p:cNvSpPr>
-          <p:nvPr>
-            <p:ph idx="1"/>
-          </p:nvPr>
-        </p:nvSpPr>
-        <p:spPr/>
-        <p:txBody>
-          <a:bodyPr/>
-          <a:lstStyle/>
-          <a:p>
-            <a:endParaRPr lang="pt-PT"/>
-          </a:p>
-        </p:txBody>
-      </p:sp>
-    </p:spTree>
-    <p:extLst>
-      <p:ext uri="{BB962C8B-B14F-4D97-AF65-F5344CB8AC3E}">
-        <p14:creationId xmlns:p14="http://schemas.microsoft.com/office/powerpoint/2010/main" val="660139689"/>
-      </p:ext>
-    </p:extLst>
-  </p:cSld>
-  <p:clrMapOvr>
-    <a:masterClrMapping/>
-  </p:clrMapOvr>
-</p:sld>
-</file>
-
-<file path=ppt/slides/slide9.xml><?xml version="1.0" encoding="utf-8"?>
 <p:sld xmlns:a="http://schemas.openxmlformats.org/drawingml/2006/main" xmlns:r="http://schemas.openxmlformats.org/officeDocument/2006/relationships" xmlns:p="http://schemas.openxmlformats.org/presentationml/2006/main">
   <p:cSld>
     <p:spTree>
@@ -8790,14 +9715,2497 @@
             <p:ph type="title"/>
           </p:nvPr>
         </p:nvSpPr>
+        <p:spPr>
+          <a:xfrm>
+            <a:off x="1171693" y="90445"/>
+            <a:ext cx="9610607" cy="1391826"/>
+          </a:xfrm>
+        </p:spPr>
+        <p:txBody>
+          <a:bodyPr/>
+          <a:lstStyle/>
+          <a:p>
+            <a:r>
+              <a:rPr lang="pt-PT"/>
+              <a:t>Results</a:t>
+            </a:r>
+          </a:p>
+        </p:txBody>
+      </p:sp>
+      <p:sp>
+        <p:nvSpPr>
+          <p:cNvPr id="7" name="TextBox 6">
+            <a:extLst>
+              <a:ext uri="{FF2B5EF4-FFF2-40B4-BE49-F238E27FC236}">
+                <a16:creationId xmlns:a16="http://schemas.microsoft.com/office/drawing/2014/main" id="{16380F65-01E9-458A-8DBD-5E821BBC5EA1}"/>
+              </a:ext>
+            </a:extLst>
+          </p:cNvPr>
+          <p:cNvSpPr txBox="1"/>
+          <p:nvPr/>
+        </p:nvSpPr>
+        <p:spPr>
+          <a:xfrm>
+            <a:off x="6210300" y="1714500"/>
+            <a:ext cx="5562600" cy="369332"/>
+          </a:xfrm>
+          <a:prstGeom prst="rect">
+            <a:avLst/>
+          </a:prstGeom>
+          <a:noFill/>
+        </p:spPr>
+        <p:txBody>
+          <a:bodyPr rot="0" spcFirstLastPara="0" vertOverflow="overflow" horzOverflow="overflow" vert="horz" wrap="square" lIns="91440" tIns="45720" rIns="91440" bIns="45720" numCol="1" spcCol="0" rtlCol="0" fromWordArt="0" anchor="t" anchorCtr="0" forceAA="0" compatLnSpc="1">
+            <a:prstTxWarp prst="textNoShape">
+              <a:avLst/>
+            </a:prstTxWarp>
+            <a:spAutoFit/>
+          </a:bodyPr>
+          <a:lstStyle/>
+          <a:p>
+            <a:endParaRPr lang="en-US"/>
+          </a:p>
+        </p:txBody>
+      </p:sp>
+      <p:sp>
+        <p:nvSpPr>
+          <p:cNvPr id="10" name="TextBox 9">
+            <a:extLst>
+              <a:ext uri="{FF2B5EF4-FFF2-40B4-BE49-F238E27FC236}">
+                <a16:creationId xmlns:a16="http://schemas.microsoft.com/office/drawing/2014/main" id="{B3F27440-05F4-46C0-824A-FD937096B3A5}"/>
+              </a:ext>
+            </a:extLst>
+          </p:cNvPr>
+          <p:cNvSpPr txBox="1"/>
+          <p:nvPr/>
+        </p:nvSpPr>
+        <p:spPr>
+          <a:xfrm>
+            <a:off x="4724400" y="3200400"/>
+            <a:ext cx="2743200" cy="369332"/>
+          </a:xfrm>
+          <a:prstGeom prst="rect">
+            <a:avLst/>
+          </a:prstGeom>
+          <a:noFill/>
+        </p:spPr>
+        <p:txBody>
+          <a:bodyPr rot="0" spcFirstLastPara="0" vertOverflow="overflow" horzOverflow="overflow" vert="horz" wrap="square" lIns="91440" tIns="45720" rIns="91440" bIns="45720" numCol="1" spcCol="0" rtlCol="0" fromWordArt="0" anchor="t" anchorCtr="0" forceAA="0" compatLnSpc="1">
+            <a:prstTxWarp prst="textNoShape">
+              <a:avLst/>
+            </a:prstTxWarp>
+            <a:spAutoFit/>
+          </a:bodyPr>
+          <a:lstStyle/>
+          <a:p>
+            <a:endParaRPr lang="en-US"/>
+          </a:p>
+        </p:txBody>
+      </p:sp>
+      <p:sp>
+        <p:nvSpPr>
+          <p:cNvPr id="15" name="TextBox 14">
+            <a:extLst>
+              <a:ext uri="{FF2B5EF4-FFF2-40B4-BE49-F238E27FC236}">
+                <a16:creationId xmlns:a16="http://schemas.microsoft.com/office/drawing/2014/main" id="{6A93E300-2152-496C-86D7-5EEEF79D7174}"/>
+              </a:ext>
+            </a:extLst>
+          </p:cNvPr>
+          <p:cNvSpPr txBox="1"/>
+          <p:nvPr/>
+        </p:nvSpPr>
+        <p:spPr>
+          <a:xfrm>
+            <a:off x="4724400" y="3200400"/>
+            <a:ext cx="2743200" cy="369332"/>
+          </a:xfrm>
+          <a:prstGeom prst="rect">
+            <a:avLst/>
+          </a:prstGeom>
+          <a:noFill/>
+        </p:spPr>
+        <p:txBody>
+          <a:bodyPr rot="0" spcFirstLastPara="0" vertOverflow="overflow" horzOverflow="overflow" vert="horz" wrap="square" lIns="91440" tIns="45720" rIns="91440" bIns="45720" numCol="1" spcCol="0" rtlCol="0" fromWordArt="0" anchor="t" anchorCtr="0" forceAA="0" compatLnSpc="1">
+            <a:prstTxWarp prst="textNoShape">
+              <a:avLst/>
+            </a:prstTxWarp>
+            <a:spAutoFit/>
+          </a:bodyPr>
+          <a:lstStyle/>
+          <a:p>
+            <a:endParaRPr lang="en-US"/>
+          </a:p>
+        </p:txBody>
+      </p:sp>
+      <p:sp>
+        <p:nvSpPr>
+          <p:cNvPr id="20" name="TextBox 19">
+            <a:extLst>
+              <a:ext uri="{FF2B5EF4-FFF2-40B4-BE49-F238E27FC236}">
+                <a16:creationId xmlns:a16="http://schemas.microsoft.com/office/drawing/2014/main" id="{3D43242E-6E2B-4573-88FE-FF98306DE6EE}"/>
+              </a:ext>
+            </a:extLst>
+          </p:cNvPr>
+          <p:cNvSpPr txBox="1"/>
+          <p:nvPr/>
+        </p:nvSpPr>
+        <p:spPr>
+          <a:xfrm>
+            <a:off x="4724400" y="3200400"/>
+            <a:ext cx="2743200" cy="369332"/>
+          </a:xfrm>
+          <a:prstGeom prst="rect">
+            <a:avLst/>
+          </a:prstGeom>
+          <a:noFill/>
+        </p:spPr>
+        <p:txBody>
+          <a:bodyPr rot="0" spcFirstLastPara="0" vertOverflow="overflow" horzOverflow="overflow" vert="horz" wrap="square" lIns="91440" tIns="45720" rIns="91440" bIns="45720" numCol="1" spcCol="0" rtlCol="0" fromWordArt="0" anchor="t" anchorCtr="0" forceAA="0" compatLnSpc="1">
+            <a:prstTxWarp prst="textNoShape">
+              <a:avLst/>
+            </a:prstTxWarp>
+            <a:spAutoFit/>
+          </a:bodyPr>
+          <a:lstStyle/>
+          <a:p>
+            <a:endParaRPr lang="en-US"/>
+          </a:p>
+        </p:txBody>
+      </p:sp>
+      <p:graphicFrame>
+        <p:nvGraphicFramePr>
+          <p:cNvPr id="24" name="Table 23">
+            <a:extLst>
+              <a:ext uri="{FF2B5EF4-FFF2-40B4-BE49-F238E27FC236}">
+                <a16:creationId xmlns:a16="http://schemas.microsoft.com/office/drawing/2014/main" id="{EA3835A9-974E-4F80-A4FF-77F8D657E6CA}"/>
+              </a:ext>
+            </a:extLst>
+          </p:cNvPr>
+          <p:cNvGraphicFramePr>
+            <a:graphicFrameLocks noGrp="1"/>
+          </p:cNvGraphicFramePr>
+          <p:nvPr>
+            <p:extLst>
+              <p:ext uri="{D42A27DB-BD31-4B8C-83A1-F6EECF244321}">
+                <p14:modId xmlns:p14="http://schemas.microsoft.com/office/powerpoint/2010/main" val="1314802457"/>
+              </p:ext>
+            </p:extLst>
+          </p:nvPr>
+        </p:nvGraphicFramePr>
+        <p:xfrm>
+          <a:off x="1228843" y="4967111"/>
+          <a:ext cx="5010147" cy="1610361"/>
+        </p:xfrm>
+        <a:graphic>
+          <a:graphicData uri="http://schemas.openxmlformats.org/drawingml/2006/table">
+            <a:tbl>
+              <a:tblPr firstRow="1" firstCol="1" bandRow="1">
+                <a:tableStyleId>{E929F9F4-4A8F-4326-A1B4-22849713DDAB}</a:tableStyleId>
+              </a:tblPr>
+              <a:tblGrid>
+                <a:gridCol w="691055">
+                  <a:extLst>
+                    <a:ext uri="{9D8B030D-6E8A-4147-A177-3AD203B41FA5}">
+                      <a16:colId xmlns:a16="http://schemas.microsoft.com/office/drawing/2014/main" val="1187425020"/>
+                    </a:ext>
+                  </a:extLst>
+                </a:gridCol>
+                <a:gridCol w="691055">
+                  <a:extLst>
+                    <a:ext uri="{9D8B030D-6E8A-4147-A177-3AD203B41FA5}">
+                      <a16:colId xmlns:a16="http://schemas.microsoft.com/office/drawing/2014/main" val="3001480693"/>
+                    </a:ext>
+                  </a:extLst>
+                </a:gridCol>
+                <a:gridCol w="790574">
+                  <a:extLst>
+                    <a:ext uri="{9D8B030D-6E8A-4147-A177-3AD203B41FA5}">
+                      <a16:colId xmlns:a16="http://schemas.microsoft.com/office/drawing/2014/main" val="2595496003"/>
+                    </a:ext>
+                  </a:extLst>
+                </a:gridCol>
+                <a:gridCol w="965856">
+                  <a:extLst>
+                    <a:ext uri="{9D8B030D-6E8A-4147-A177-3AD203B41FA5}">
+                      <a16:colId xmlns:a16="http://schemas.microsoft.com/office/drawing/2014/main" val="2174138009"/>
+                    </a:ext>
+                  </a:extLst>
+                </a:gridCol>
+                <a:gridCol w="748643">
+                  <a:extLst>
+                    <a:ext uri="{9D8B030D-6E8A-4147-A177-3AD203B41FA5}">
+                      <a16:colId xmlns:a16="http://schemas.microsoft.com/office/drawing/2014/main" val="2686545282"/>
+                    </a:ext>
+                  </a:extLst>
+                </a:gridCol>
+                <a:gridCol w="1122964">
+                  <a:extLst>
+                    <a:ext uri="{9D8B030D-6E8A-4147-A177-3AD203B41FA5}">
+                      <a16:colId xmlns:a16="http://schemas.microsoft.com/office/drawing/2014/main" val="738578211"/>
+                    </a:ext>
+                  </a:extLst>
+                </a:gridCol>
+              </a:tblGrid>
+              <a:tr h="431093">
+                <a:tc>
+                  <a:txBody>
+                    <a:bodyPr/>
+                    <a:lstStyle/>
+                    <a:p>
+                      <a:pPr marL="0" algn="ctr" rtl="0" eaLnBrk="1" fontAlgn="b" latinLnBrk="0" hangingPunct="1">
+                        <a:spcBef>
+                          <a:spcPts val="0"/>
+                        </a:spcBef>
+                        <a:spcAft>
+                          <a:spcPts val="0"/>
+                        </a:spcAft>
+                      </a:pPr>
+                      <a:r>
+                        <a:rPr lang="pt-PT" sz="1200" err="1">
+                          <a:effectLst/>
+                        </a:rPr>
+                        <a:t>Level</a:t>
+                      </a:r>
+                    </a:p>
+                  </a:txBody>
+                  <a:tcPr marL="0" marR="0" marT="0" marB="0" anchor="ctr"/>
+                </a:tc>
+                <a:tc>
+                  <a:txBody>
+                    <a:bodyPr/>
+                    <a:lstStyle/>
+                    <a:p>
+                      <a:pPr marL="0" algn="ctr" rtl="0" eaLnBrk="1" fontAlgn="b" latinLnBrk="0" hangingPunct="1">
+                        <a:spcBef>
+                          <a:spcPts val="0"/>
+                        </a:spcBef>
+                        <a:spcAft>
+                          <a:spcPts val="0"/>
+                        </a:spcAft>
+                      </a:pPr>
+                      <a:r>
+                        <a:rPr lang="pt-PT" sz="1100" kern="1200">
+                          <a:effectLst/>
+                        </a:rPr>
+                        <a:t>h1</a:t>
+                      </a:r>
+                      <a:endParaRPr lang="pt-PT">
+                        <a:effectLst/>
+                      </a:endParaRPr>
+                    </a:p>
+                  </a:txBody>
+                  <a:tcPr marL="0" marR="0" marT="0" marB="0" anchor="ctr"/>
+                </a:tc>
+                <a:tc>
+                  <a:txBody>
+                    <a:bodyPr/>
+                    <a:lstStyle/>
+                    <a:p>
+                      <a:pPr marL="0" algn="ctr" rtl="0" eaLnBrk="1" fontAlgn="b" latinLnBrk="0" hangingPunct="1">
+                        <a:spcBef>
+                          <a:spcPts val="0"/>
+                        </a:spcBef>
+                        <a:spcAft>
+                          <a:spcPts val="0"/>
+                        </a:spcAft>
+                      </a:pPr>
+                      <a:r>
+                        <a:rPr lang="pt-PT" sz="1100" kern="1200">
+                          <a:effectLst/>
+                        </a:rPr>
+                        <a:t>h2</a:t>
+                      </a:r>
+                      <a:endParaRPr lang="pt-PT">
+                        <a:effectLst/>
+                      </a:endParaRPr>
+                    </a:p>
+                  </a:txBody>
+                  <a:tcPr marL="0" marR="0" marT="0" marB="0" anchor="ctr"/>
+                </a:tc>
+                <a:tc>
+                  <a:txBody>
+                    <a:bodyPr/>
+                    <a:lstStyle/>
+                    <a:p>
+                      <a:pPr marL="0" algn="ctr" rtl="0" eaLnBrk="1" fontAlgn="b" latinLnBrk="0" hangingPunct="1">
+                        <a:spcBef>
+                          <a:spcPts val="0"/>
+                        </a:spcBef>
+                        <a:spcAft>
+                          <a:spcPts val="0"/>
+                        </a:spcAft>
+                      </a:pPr>
+                      <a:r>
+                        <a:rPr lang="pt-PT" sz="1100" kern="1200">
+                          <a:effectLst/>
+                        </a:rPr>
+                        <a:t>h3</a:t>
+                      </a:r>
+                      <a:endParaRPr lang="pt-PT">
+                        <a:effectLst/>
+                      </a:endParaRPr>
+                    </a:p>
+                  </a:txBody>
+                  <a:tcPr marL="0" marR="0" marT="0" marB="0" anchor="ctr"/>
+                </a:tc>
+                <a:tc>
+                  <a:txBody>
+                    <a:bodyPr/>
+                    <a:lstStyle/>
+                    <a:p>
+                      <a:pPr marL="0" algn="ctr" rtl="0" eaLnBrk="1" fontAlgn="b" latinLnBrk="0" hangingPunct="1">
+                        <a:spcBef>
+                          <a:spcPts val="0"/>
+                        </a:spcBef>
+                        <a:spcAft>
+                          <a:spcPts val="0"/>
+                        </a:spcAft>
+                      </a:pPr>
+                      <a:r>
+                        <a:rPr lang="pt-PT" sz="1100" kern="1200">
+                          <a:effectLst/>
+                        </a:rPr>
+                        <a:t>h4</a:t>
+                      </a:r>
+                      <a:endParaRPr lang="pt-PT">
+                        <a:effectLst/>
+                      </a:endParaRPr>
+                    </a:p>
+                  </a:txBody>
+                  <a:tcPr marL="0" marR="0" marT="0" marB="0" anchor="ctr"/>
+                </a:tc>
+                <a:tc>
+                  <a:txBody>
+                    <a:bodyPr/>
+                    <a:lstStyle/>
+                    <a:p>
+                      <a:pPr marL="0" algn="ctr" rtl="0" eaLnBrk="1" fontAlgn="b" latinLnBrk="0" hangingPunct="1">
+                        <a:spcBef>
+                          <a:spcPts val="0"/>
+                        </a:spcBef>
+                        <a:spcAft>
+                          <a:spcPts val="0"/>
+                        </a:spcAft>
+                      </a:pPr>
+                      <a:r>
+                        <a:rPr lang="pt-PT" sz="1100" kern="1200">
+                          <a:effectLst/>
+                        </a:rPr>
+                        <a:t>h5 (h2 + h4)</a:t>
+                      </a:r>
+                    </a:p>
+                  </a:txBody>
+                  <a:tcPr marL="0" marR="0" marT="0" marB="0" anchor="ctr"/>
+                </a:tc>
+                <a:extLst>
+                  <a:ext uri="{0D108BD9-81ED-4DB2-BD59-A6C34878D82A}">
+                    <a16:rowId xmlns:a16="http://schemas.microsoft.com/office/drawing/2014/main" val="2850613676"/>
+                  </a:ext>
+                </a:extLst>
+              </a:tr>
+              <a:tr h="297305">
+                <a:tc>
+                  <a:txBody>
+                    <a:bodyPr/>
+                    <a:lstStyle/>
+                    <a:p>
+                      <a:pPr marL="0" algn="ctr" rtl="0" eaLnBrk="1" fontAlgn="b" latinLnBrk="0" hangingPunct="1">
+                        <a:spcBef>
+                          <a:spcPts val="0"/>
+                        </a:spcBef>
+                        <a:spcAft>
+                          <a:spcPts val="0"/>
+                        </a:spcAft>
+                      </a:pPr>
+                      <a:r>
+                        <a:rPr lang="pt-PT" sz="1100" kern="1200">
+                          <a:effectLst/>
+                        </a:rPr>
+                        <a:t>6</a:t>
+                      </a:r>
+                      <a:endParaRPr lang="pt-PT">
+                        <a:effectLst/>
+                      </a:endParaRPr>
+                    </a:p>
+                  </a:txBody>
+                  <a:tcPr marL="0" marR="0" marT="0" marB="0" anchor="ctr"/>
+                </a:tc>
+                <a:tc>
+                  <a:txBody>
+                    <a:bodyPr/>
+                    <a:lstStyle/>
+                    <a:p>
+                      <a:pPr marL="0" algn="ctr" rtl="0" eaLnBrk="1" fontAlgn="b" latinLnBrk="0" hangingPunct="1">
+                        <a:spcBef>
+                          <a:spcPts val="0"/>
+                        </a:spcBef>
+                        <a:spcAft>
+                          <a:spcPts val="0"/>
+                        </a:spcAft>
+                      </a:pPr>
+                      <a:r>
+                        <a:rPr lang="pt-PT" sz="1100" kern="1200">
+                          <a:solidFill>
+                            <a:srgbClr val="FFC000"/>
+                          </a:solidFill>
+                          <a:effectLst/>
+                        </a:rPr>
+                        <a:t>1268</a:t>
+                      </a:r>
+                      <a:endParaRPr lang="pt-PT">
+                        <a:solidFill>
+                          <a:srgbClr val="FFC000"/>
+                        </a:solidFill>
+                        <a:effectLst/>
+                      </a:endParaRPr>
+                    </a:p>
+                  </a:txBody>
+                  <a:tcPr marL="0" marR="0" marT="0" marB="0" anchor="ctr"/>
+                </a:tc>
+                <a:tc>
+                  <a:txBody>
+                    <a:bodyPr/>
+                    <a:lstStyle/>
+                    <a:p>
+                      <a:pPr marL="0" algn="ctr" rtl="0" eaLnBrk="1" fontAlgn="b" latinLnBrk="0" hangingPunct="1">
+                        <a:spcBef>
+                          <a:spcPts val="0"/>
+                        </a:spcBef>
+                        <a:spcAft>
+                          <a:spcPts val="0"/>
+                        </a:spcAft>
+                      </a:pPr>
+                      <a:r>
+                        <a:rPr lang="pt-PT" sz="1100" kern="1200">
+                          <a:solidFill>
+                            <a:srgbClr val="92D050"/>
+                          </a:solidFill>
+                          <a:effectLst/>
+                        </a:rPr>
+                        <a:t>463</a:t>
+                      </a:r>
+                      <a:endParaRPr lang="pt-PT">
+                        <a:solidFill>
+                          <a:srgbClr val="92D050"/>
+                        </a:solidFill>
+                        <a:effectLst/>
+                      </a:endParaRPr>
+                    </a:p>
+                  </a:txBody>
+                  <a:tcPr marL="0" marR="0" marT="0" marB="0" anchor="ctr"/>
+                </a:tc>
+                <a:tc>
+                  <a:txBody>
+                    <a:bodyPr/>
+                    <a:lstStyle/>
+                    <a:p>
+                      <a:pPr marL="0" algn="ctr" rtl="0" eaLnBrk="1" fontAlgn="b" latinLnBrk="0" hangingPunct="1">
+                        <a:spcBef>
+                          <a:spcPts val="0"/>
+                        </a:spcBef>
+                        <a:spcAft>
+                          <a:spcPts val="0"/>
+                        </a:spcAft>
+                      </a:pPr>
+                      <a:r>
+                        <a:rPr lang="pt-PT" sz="1100" kern="1200">
+                          <a:solidFill>
+                            <a:srgbClr val="00B0F0"/>
+                          </a:solidFill>
+                          <a:effectLst/>
+                        </a:rPr>
+                        <a:t>246</a:t>
+                      </a:r>
+                      <a:endParaRPr lang="pt-PT">
+                        <a:solidFill>
+                          <a:srgbClr val="00B0F0"/>
+                        </a:solidFill>
+                        <a:effectLst/>
+                      </a:endParaRPr>
+                    </a:p>
+                  </a:txBody>
+                  <a:tcPr marL="0" marR="0" marT="0" marB="0" anchor="ctr"/>
+                </a:tc>
+                <a:tc>
+                  <a:txBody>
+                    <a:bodyPr/>
+                    <a:lstStyle/>
+                    <a:p>
+                      <a:pPr marL="0" algn="ctr" rtl="0" eaLnBrk="1" fontAlgn="b" latinLnBrk="0" hangingPunct="1">
+                        <a:spcBef>
+                          <a:spcPts val="0"/>
+                        </a:spcBef>
+                        <a:spcAft>
+                          <a:spcPts val="0"/>
+                        </a:spcAft>
+                      </a:pPr>
+                      <a:r>
+                        <a:rPr lang="pt-PT" sz="1100" kern="1200">
+                          <a:solidFill>
+                            <a:srgbClr val="FF0000"/>
+                          </a:solidFill>
+                          <a:effectLst/>
+                        </a:rPr>
+                        <a:t>5083</a:t>
+                      </a:r>
+                      <a:endParaRPr lang="pt-PT">
+                        <a:solidFill>
+                          <a:srgbClr val="FF0000"/>
+                        </a:solidFill>
+                        <a:effectLst/>
+                      </a:endParaRPr>
+                    </a:p>
+                  </a:txBody>
+                  <a:tcPr marL="0" marR="0" marT="0" marB="0" anchor="ctr"/>
+                </a:tc>
+                <a:tc>
+                  <a:txBody>
+                    <a:bodyPr/>
+                    <a:lstStyle/>
+                    <a:p>
+                      <a:pPr marL="0" algn="ctr" rtl="0" eaLnBrk="1" fontAlgn="b" latinLnBrk="0" hangingPunct="1">
+                        <a:spcBef>
+                          <a:spcPts val="0"/>
+                        </a:spcBef>
+                        <a:spcAft>
+                          <a:spcPts val="0"/>
+                        </a:spcAft>
+                      </a:pPr>
+                      <a:r>
+                        <a:rPr lang="pt-PT" sz="1100" kern="1200">
+                          <a:solidFill>
+                            <a:srgbClr val="92D050"/>
+                          </a:solidFill>
+                          <a:effectLst/>
+                        </a:rPr>
+                        <a:t>524</a:t>
+                      </a:r>
+                      <a:endParaRPr lang="pt-PT">
+                        <a:solidFill>
+                          <a:srgbClr val="92D050"/>
+                        </a:solidFill>
+                        <a:effectLst/>
+                      </a:endParaRPr>
+                    </a:p>
+                  </a:txBody>
+                  <a:tcPr marL="0" marR="0" marT="0" marB="0" anchor="ctr"/>
+                </a:tc>
+                <a:extLst>
+                  <a:ext uri="{0D108BD9-81ED-4DB2-BD59-A6C34878D82A}">
+                    <a16:rowId xmlns:a16="http://schemas.microsoft.com/office/drawing/2014/main" val="2091606060"/>
+                  </a:ext>
+                </a:extLst>
+              </a:tr>
+              <a:tr h="297305">
+                <a:tc>
+                  <a:txBody>
+                    <a:bodyPr/>
+                    <a:lstStyle/>
+                    <a:p>
+                      <a:pPr marL="0" algn="ctr" rtl="0" eaLnBrk="1" fontAlgn="b" latinLnBrk="0" hangingPunct="1">
+                        <a:spcBef>
+                          <a:spcPts val="0"/>
+                        </a:spcBef>
+                        <a:spcAft>
+                          <a:spcPts val="0"/>
+                        </a:spcAft>
+                      </a:pPr>
+                      <a:r>
+                        <a:rPr lang="pt-PT" sz="1100" kern="1200">
+                          <a:effectLst/>
+                        </a:rPr>
+                        <a:t>8</a:t>
+                      </a:r>
+                      <a:endParaRPr lang="pt-PT">
+                        <a:effectLst/>
+                      </a:endParaRPr>
+                    </a:p>
+                  </a:txBody>
+                  <a:tcPr marL="0" marR="0" marT="0" marB="0" anchor="ctr"/>
+                </a:tc>
+                <a:tc>
+                  <a:txBody>
+                    <a:bodyPr/>
+                    <a:lstStyle/>
+                    <a:p>
+                      <a:pPr marL="0" algn="ctr" rtl="0" eaLnBrk="1" fontAlgn="b" latinLnBrk="0" hangingPunct="1">
+                        <a:spcBef>
+                          <a:spcPts val="0"/>
+                        </a:spcBef>
+                        <a:spcAft>
+                          <a:spcPts val="0"/>
+                        </a:spcAft>
+                      </a:pPr>
+                      <a:r>
+                        <a:rPr lang="pt-PT" sz="1100" kern="1200">
+                          <a:solidFill>
+                            <a:srgbClr val="FF0000"/>
+                          </a:solidFill>
+                          <a:effectLst/>
+                        </a:rPr>
+                        <a:t>157997</a:t>
+                      </a:r>
+                      <a:endParaRPr lang="pt-PT">
+                        <a:solidFill>
+                          <a:srgbClr val="FF0000"/>
+                        </a:solidFill>
+                        <a:effectLst/>
+                      </a:endParaRPr>
+                    </a:p>
+                  </a:txBody>
+                  <a:tcPr marL="0" marR="0" marT="0" marB="0" anchor="ctr"/>
+                </a:tc>
+                <a:tc>
+                  <a:txBody>
+                    <a:bodyPr/>
+                    <a:lstStyle/>
+                    <a:p>
+                      <a:pPr marL="0" algn="ctr" rtl="0" eaLnBrk="1" fontAlgn="b" latinLnBrk="0" hangingPunct="1">
+                        <a:spcBef>
+                          <a:spcPts val="0"/>
+                        </a:spcBef>
+                        <a:spcAft>
+                          <a:spcPts val="0"/>
+                        </a:spcAft>
+                      </a:pPr>
+                      <a:r>
+                        <a:rPr lang="pt-PT" sz="1100" kern="1200">
+                          <a:solidFill>
+                            <a:srgbClr val="FFC000"/>
+                          </a:solidFill>
+                          <a:effectLst/>
+                        </a:rPr>
+                        <a:t>61788</a:t>
+                      </a:r>
+                      <a:endParaRPr lang="pt-PT">
+                        <a:solidFill>
+                          <a:srgbClr val="FFC000"/>
+                        </a:solidFill>
+                        <a:effectLst/>
+                      </a:endParaRPr>
+                    </a:p>
+                  </a:txBody>
+                  <a:tcPr marL="0" marR="0" marT="0" marB="0" anchor="ctr"/>
+                </a:tc>
+                <a:tc>
+                  <a:txBody>
+                    <a:bodyPr/>
+                    <a:lstStyle/>
+                    <a:p>
+                      <a:pPr marL="0" algn="ctr" rtl="0" eaLnBrk="1" fontAlgn="b" latinLnBrk="0" hangingPunct="1">
+                        <a:spcBef>
+                          <a:spcPts val="0"/>
+                        </a:spcBef>
+                        <a:spcAft>
+                          <a:spcPts val="0"/>
+                        </a:spcAft>
+                      </a:pPr>
+                      <a:r>
+                        <a:rPr lang="pt-PT" sz="1100" kern="1200">
+                          <a:solidFill>
+                            <a:srgbClr val="92D050"/>
+                          </a:solidFill>
+                          <a:effectLst/>
+                        </a:rPr>
+                        <a:t>10532</a:t>
+                      </a:r>
+                      <a:endParaRPr lang="pt-PT">
+                        <a:solidFill>
+                          <a:srgbClr val="92D050"/>
+                        </a:solidFill>
+                        <a:effectLst/>
+                      </a:endParaRPr>
+                    </a:p>
+                  </a:txBody>
+                  <a:tcPr marL="0" marR="0" marT="0" marB="0" anchor="ctr"/>
+                </a:tc>
+                <a:tc>
+                  <a:txBody>
+                    <a:bodyPr/>
+                    <a:lstStyle/>
+                    <a:p>
+                      <a:pPr marL="0" algn="ctr" rtl="0" eaLnBrk="1" fontAlgn="b" latinLnBrk="0" hangingPunct="1">
+                        <a:spcBef>
+                          <a:spcPts val="0"/>
+                        </a:spcBef>
+                        <a:spcAft>
+                          <a:spcPts val="0"/>
+                        </a:spcAft>
+                      </a:pPr>
+                      <a:r>
+                        <a:rPr lang="pt-PT" sz="1100" kern="1200">
+                          <a:solidFill>
+                            <a:srgbClr val="FFC000"/>
+                          </a:solidFill>
+                          <a:effectLst/>
+                        </a:rPr>
+                        <a:t>77683</a:t>
+                      </a:r>
+                      <a:endParaRPr lang="pt-PT">
+                        <a:solidFill>
+                          <a:srgbClr val="FFC000"/>
+                        </a:solidFill>
+                        <a:effectLst/>
+                      </a:endParaRPr>
+                    </a:p>
+                  </a:txBody>
+                  <a:tcPr marL="0" marR="0" marT="0" marB="0" anchor="ctr"/>
+                </a:tc>
+                <a:tc>
+                  <a:txBody>
+                    <a:bodyPr/>
+                    <a:lstStyle/>
+                    <a:p>
+                      <a:pPr marL="0" algn="ctr" rtl="0" eaLnBrk="1" fontAlgn="b" latinLnBrk="0" hangingPunct="1">
+                        <a:spcBef>
+                          <a:spcPts val="0"/>
+                        </a:spcBef>
+                        <a:spcAft>
+                          <a:spcPts val="0"/>
+                        </a:spcAft>
+                      </a:pPr>
+                      <a:r>
+                        <a:rPr lang="pt-PT" sz="1100" kern="1200">
+                          <a:solidFill>
+                            <a:srgbClr val="00B0F0"/>
+                          </a:solidFill>
+                          <a:effectLst/>
+                        </a:rPr>
+                        <a:t>7608</a:t>
+                      </a:r>
+                      <a:endParaRPr lang="pt-PT">
+                        <a:solidFill>
+                          <a:srgbClr val="00B0F0"/>
+                        </a:solidFill>
+                        <a:effectLst/>
+                      </a:endParaRPr>
+                    </a:p>
+                  </a:txBody>
+                  <a:tcPr marL="0" marR="0" marT="0" marB="0" anchor="ctr"/>
+                </a:tc>
+                <a:extLst>
+                  <a:ext uri="{0D108BD9-81ED-4DB2-BD59-A6C34878D82A}">
+                    <a16:rowId xmlns:a16="http://schemas.microsoft.com/office/drawing/2014/main" val="3085036326"/>
+                  </a:ext>
+                </a:extLst>
+              </a:tr>
+              <a:tr h="297305">
+                <a:tc>
+                  <a:txBody>
+                    <a:bodyPr/>
+                    <a:lstStyle/>
+                    <a:p>
+                      <a:pPr marL="0" algn="ctr" rtl="0" eaLnBrk="1" fontAlgn="b" latinLnBrk="0" hangingPunct="1">
+                        <a:spcBef>
+                          <a:spcPts val="0"/>
+                        </a:spcBef>
+                        <a:spcAft>
+                          <a:spcPts val="0"/>
+                        </a:spcAft>
+                      </a:pPr>
+                      <a:r>
+                        <a:rPr lang="pt-PT" sz="1100" kern="1200">
+                          <a:effectLst/>
+                        </a:rPr>
+                        <a:t>10</a:t>
+                      </a:r>
+                      <a:endParaRPr lang="pt-PT">
+                        <a:effectLst/>
+                      </a:endParaRPr>
+                    </a:p>
+                  </a:txBody>
+                  <a:tcPr marL="0" marR="0" marT="0" marB="0" anchor="ctr"/>
+                </a:tc>
+                <a:tc>
+                  <a:txBody>
+                    <a:bodyPr/>
+                    <a:lstStyle/>
+                    <a:p>
+                      <a:pPr marL="0" algn="ctr" rtl="0" eaLnBrk="1" fontAlgn="b" latinLnBrk="0" hangingPunct="1">
+                        <a:spcBef>
+                          <a:spcPts val="0"/>
+                        </a:spcBef>
+                        <a:spcAft>
+                          <a:spcPts val="0"/>
+                        </a:spcAft>
+                      </a:pPr>
+                      <a:r>
+                        <a:rPr lang="pt-PT" sz="1100" kern="1200">
+                          <a:solidFill>
+                            <a:srgbClr val="FF0000"/>
+                          </a:solidFill>
+                          <a:effectLst/>
+                        </a:rPr>
+                        <a:t>18231</a:t>
+                      </a:r>
+                      <a:endParaRPr lang="pt-PT">
+                        <a:solidFill>
+                          <a:srgbClr val="FF0000"/>
+                        </a:solidFill>
+                        <a:effectLst/>
+                      </a:endParaRPr>
+                    </a:p>
+                  </a:txBody>
+                  <a:tcPr marL="0" marR="0" marT="0" marB="0" anchor="ctr"/>
+                </a:tc>
+                <a:tc>
+                  <a:txBody>
+                    <a:bodyPr/>
+                    <a:lstStyle/>
+                    <a:p>
+                      <a:pPr marL="0" algn="ctr" rtl="0" eaLnBrk="1" fontAlgn="b" latinLnBrk="0" hangingPunct="1">
+                        <a:spcBef>
+                          <a:spcPts val="0"/>
+                        </a:spcBef>
+                        <a:spcAft>
+                          <a:spcPts val="0"/>
+                        </a:spcAft>
+                      </a:pPr>
+                      <a:r>
+                        <a:rPr lang="pt-PT" sz="1100" kern="1200">
+                          <a:solidFill>
+                            <a:srgbClr val="FFC000"/>
+                          </a:solidFill>
+                          <a:effectLst/>
+                        </a:rPr>
+                        <a:t>2960</a:t>
+                      </a:r>
+                      <a:endParaRPr lang="pt-PT">
+                        <a:solidFill>
+                          <a:srgbClr val="FFC000"/>
+                        </a:solidFill>
+                        <a:effectLst/>
+                      </a:endParaRPr>
+                    </a:p>
+                  </a:txBody>
+                  <a:tcPr marL="0" marR="0" marT="0" marB="0" anchor="ctr"/>
+                </a:tc>
+                <a:tc>
+                  <a:txBody>
+                    <a:bodyPr/>
+                    <a:lstStyle/>
+                    <a:p>
+                      <a:pPr marL="0" algn="ctr" rtl="0" eaLnBrk="1" fontAlgn="b" latinLnBrk="0" hangingPunct="1">
+                        <a:spcBef>
+                          <a:spcPts val="0"/>
+                        </a:spcBef>
+                        <a:spcAft>
+                          <a:spcPts val="0"/>
+                        </a:spcAft>
+                      </a:pPr>
+                      <a:r>
+                        <a:rPr lang="pt-PT" sz="1100" kern="1200">
+                          <a:solidFill>
+                            <a:srgbClr val="92D050"/>
+                          </a:solidFill>
+                          <a:effectLst/>
+                        </a:rPr>
+                        <a:t>864</a:t>
+                      </a:r>
+                      <a:endParaRPr lang="pt-PT">
+                        <a:solidFill>
+                          <a:srgbClr val="92D050"/>
+                        </a:solidFill>
+                        <a:effectLst/>
+                      </a:endParaRPr>
+                    </a:p>
+                  </a:txBody>
+                  <a:tcPr marL="0" marR="0" marT="0" marB="0" anchor="ctr"/>
+                </a:tc>
+                <a:tc>
+                  <a:txBody>
+                    <a:bodyPr/>
+                    <a:lstStyle/>
+                    <a:p>
+                      <a:pPr marL="0" algn="ctr" rtl="0" eaLnBrk="1" fontAlgn="b" latinLnBrk="0" hangingPunct="1">
+                        <a:spcBef>
+                          <a:spcPts val="0"/>
+                        </a:spcBef>
+                        <a:spcAft>
+                          <a:spcPts val="0"/>
+                        </a:spcAft>
+                      </a:pPr>
+                      <a:r>
+                        <a:rPr lang="pt-PT" sz="1100" kern="1200">
+                          <a:solidFill>
+                            <a:srgbClr val="FFC000"/>
+                          </a:solidFill>
+                          <a:effectLst/>
+                        </a:rPr>
+                        <a:t>1298</a:t>
+                      </a:r>
+                      <a:endParaRPr lang="pt-PT">
+                        <a:solidFill>
+                          <a:srgbClr val="FFC000"/>
+                        </a:solidFill>
+                        <a:effectLst/>
+                      </a:endParaRPr>
+                    </a:p>
+                  </a:txBody>
+                  <a:tcPr marL="0" marR="0" marT="0" marB="0" anchor="ctr"/>
+                </a:tc>
+                <a:tc>
+                  <a:txBody>
+                    <a:bodyPr/>
+                    <a:lstStyle/>
+                    <a:p>
+                      <a:pPr marL="0" algn="ctr" rtl="0" eaLnBrk="1" fontAlgn="b" latinLnBrk="0" hangingPunct="1">
+                        <a:spcBef>
+                          <a:spcPts val="0"/>
+                        </a:spcBef>
+                        <a:spcAft>
+                          <a:spcPts val="0"/>
+                        </a:spcAft>
+                      </a:pPr>
+                      <a:r>
+                        <a:rPr lang="pt-PT" sz="1100" kern="1200">
+                          <a:solidFill>
+                            <a:srgbClr val="00B0F0"/>
+                          </a:solidFill>
+                          <a:effectLst/>
+                        </a:rPr>
+                        <a:t>257</a:t>
+                      </a:r>
+                      <a:endParaRPr lang="pt-PT">
+                        <a:solidFill>
+                          <a:srgbClr val="00B0F0"/>
+                        </a:solidFill>
+                        <a:effectLst/>
+                      </a:endParaRPr>
+                    </a:p>
+                  </a:txBody>
+                  <a:tcPr marL="0" marR="0" marT="0" marB="0" anchor="ctr"/>
+                </a:tc>
+                <a:extLst>
+                  <a:ext uri="{0D108BD9-81ED-4DB2-BD59-A6C34878D82A}">
+                    <a16:rowId xmlns:a16="http://schemas.microsoft.com/office/drawing/2014/main" val="3596280990"/>
+                  </a:ext>
+                </a:extLst>
+              </a:tr>
+              <a:tr h="287353">
+                <a:tc>
+                  <a:txBody>
+                    <a:bodyPr/>
+                    <a:lstStyle/>
+                    <a:p>
+                      <a:pPr marL="0" algn="ctr" rtl="0" eaLnBrk="1" fontAlgn="b" latinLnBrk="0" hangingPunct="1">
+                        <a:spcBef>
+                          <a:spcPts val="0"/>
+                        </a:spcBef>
+                        <a:spcAft>
+                          <a:spcPts val="0"/>
+                        </a:spcAft>
+                      </a:pPr>
+                      <a:r>
+                        <a:rPr lang="pt-PT" sz="1100" kern="1200">
+                          <a:effectLst/>
+                        </a:rPr>
+                        <a:t>12</a:t>
+                      </a:r>
+                      <a:endParaRPr lang="pt-PT">
+                        <a:effectLst/>
+                      </a:endParaRPr>
+                    </a:p>
+                  </a:txBody>
+                  <a:tcPr marL="0" marR="0" marT="0" marB="0" anchor="ctr"/>
+                </a:tc>
+                <a:tc>
+                  <a:txBody>
+                    <a:bodyPr/>
+                    <a:lstStyle/>
+                    <a:p>
+                      <a:pPr marL="0" algn="ctr" rtl="0" eaLnBrk="1" fontAlgn="b" latinLnBrk="0" hangingPunct="1">
+                        <a:spcBef>
+                          <a:spcPts val="0"/>
+                        </a:spcBef>
+                        <a:spcAft>
+                          <a:spcPts val="0"/>
+                        </a:spcAft>
+                      </a:pPr>
+                      <a:r>
+                        <a:rPr lang="pt-PT" sz="1100" kern="1200">
+                          <a:solidFill>
+                            <a:srgbClr val="FFC000"/>
+                          </a:solidFill>
+                          <a:effectLst/>
+                        </a:rPr>
+                        <a:t>163121</a:t>
+                      </a:r>
+                      <a:endParaRPr lang="pt-PT">
+                        <a:solidFill>
+                          <a:srgbClr val="FFC000"/>
+                        </a:solidFill>
+                        <a:effectLst/>
+                      </a:endParaRPr>
+                    </a:p>
+                  </a:txBody>
+                  <a:tcPr marL="0" marR="0" marT="0" marB="0" anchor="ctr"/>
+                </a:tc>
+                <a:tc>
+                  <a:txBody>
+                    <a:bodyPr/>
+                    <a:lstStyle/>
+                    <a:p>
+                      <a:pPr marL="0" algn="ctr" rtl="0" eaLnBrk="1" fontAlgn="b" latinLnBrk="0" hangingPunct="1">
+                        <a:spcBef>
+                          <a:spcPts val="0"/>
+                        </a:spcBef>
+                        <a:spcAft>
+                          <a:spcPts val="0"/>
+                        </a:spcAft>
+                      </a:pPr>
+                      <a:r>
+                        <a:rPr lang="pt-PT" sz="1100" kern="1200">
+                          <a:solidFill>
+                            <a:srgbClr val="92D050"/>
+                          </a:solidFill>
+                          <a:effectLst/>
+                        </a:rPr>
+                        <a:t>45540</a:t>
+                      </a:r>
+                      <a:endParaRPr lang="pt-PT">
+                        <a:solidFill>
+                          <a:srgbClr val="92D050"/>
+                        </a:solidFill>
+                        <a:effectLst/>
+                      </a:endParaRPr>
+                    </a:p>
+                  </a:txBody>
+                  <a:tcPr marL="0" marR="0" marT="0" marB="0" anchor="ctr"/>
+                </a:tc>
+                <a:tc>
+                  <a:txBody>
+                    <a:bodyPr/>
+                    <a:lstStyle/>
+                    <a:p>
+                      <a:pPr marL="0" algn="ctr" rtl="0" eaLnBrk="1" fontAlgn="b" latinLnBrk="0" hangingPunct="1">
+                        <a:spcBef>
+                          <a:spcPts val="0"/>
+                        </a:spcBef>
+                        <a:spcAft>
+                          <a:spcPts val="0"/>
+                        </a:spcAft>
+                      </a:pPr>
+                      <a:r>
+                        <a:rPr lang="pt-PT" sz="1100" kern="1200">
+                          <a:solidFill>
+                            <a:srgbClr val="FF0000"/>
+                          </a:solidFill>
+                          <a:effectLst/>
+                        </a:rPr>
+                        <a:t>333449</a:t>
+                      </a:r>
+                      <a:endParaRPr lang="pt-PT">
+                        <a:solidFill>
+                          <a:srgbClr val="FF0000"/>
+                        </a:solidFill>
+                        <a:effectLst/>
+                      </a:endParaRPr>
+                    </a:p>
+                  </a:txBody>
+                  <a:tcPr marL="0" marR="0" marT="0" marB="0" anchor="ctr"/>
+                </a:tc>
+                <a:tc>
+                  <a:txBody>
+                    <a:bodyPr/>
+                    <a:lstStyle/>
+                    <a:p>
+                      <a:pPr marL="0" algn="ctr" rtl="0" eaLnBrk="1" fontAlgn="b" latinLnBrk="0" hangingPunct="1">
+                        <a:spcBef>
+                          <a:spcPts val="0"/>
+                        </a:spcBef>
+                        <a:spcAft>
+                          <a:spcPts val="0"/>
+                        </a:spcAft>
+                      </a:pPr>
+                      <a:r>
+                        <a:rPr lang="pt-PT" sz="1100" kern="1200">
+                          <a:solidFill>
+                            <a:srgbClr val="FF0000"/>
+                          </a:solidFill>
+                          <a:effectLst/>
+                        </a:rPr>
+                        <a:t>645831</a:t>
+                      </a:r>
+                      <a:endParaRPr lang="pt-PT">
+                        <a:solidFill>
+                          <a:srgbClr val="FF0000"/>
+                        </a:solidFill>
+                        <a:effectLst/>
+                      </a:endParaRPr>
+                    </a:p>
+                  </a:txBody>
+                  <a:tcPr marL="0" marR="0" marT="0" marB="0" anchor="ctr"/>
+                </a:tc>
+                <a:tc>
+                  <a:txBody>
+                    <a:bodyPr/>
+                    <a:lstStyle/>
+                    <a:p>
+                      <a:pPr marL="0" algn="ctr" rtl="0" eaLnBrk="1" fontAlgn="b" latinLnBrk="0" hangingPunct="1">
+                        <a:spcBef>
+                          <a:spcPts val="0"/>
+                        </a:spcBef>
+                        <a:spcAft>
+                          <a:spcPts val="0"/>
+                        </a:spcAft>
+                      </a:pPr>
+                      <a:r>
+                        <a:rPr lang="pt-PT" sz="1100" kern="1200">
+                          <a:solidFill>
+                            <a:srgbClr val="00B0F0"/>
+                          </a:solidFill>
+                          <a:effectLst/>
+                        </a:rPr>
+                        <a:t>25312</a:t>
+                      </a:r>
+                      <a:endParaRPr lang="pt-PT">
+                        <a:solidFill>
+                          <a:srgbClr val="00B0F0"/>
+                        </a:solidFill>
+                        <a:effectLst/>
+                      </a:endParaRPr>
+                    </a:p>
+                  </a:txBody>
+                  <a:tcPr marL="0" marR="0" marT="0" marB="0" anchor="ctr"/>
+                </a:tc>
+                <a:extLst>
+                  <a:ext uri="{0D108BD9-81ED-4DB2-BD59-A6C34878D82A}">
+                    <a16:rowId xmlns:a16="http://schemas.microsoft.com/office/drawing/2014/main" val="3781240605"/>
+                  </a:ext>
+                </a:extLst>
+              </a:tr>
+            </a:tbl>
+          </a:graphicData>
+        </a:graphic>
+      </p:graphicFrame>
+      <p:sp>
+        <p:nvSpPr>
+          <p:cNvPr id="25" name="TextBox 24">
+            <a:extLst>
+              <a:ext uri="{FF2B5EF4-FFF2-40B4-BE49-F238E27FC236}">
+                <a16:creationId xmlns:a16="http://schemas.microsoft.com/office/drawing/2014/main" id="{DCA73572-2776-4DCA-AEB9-F6112403D9E6}"/>
+              </a:ext>
+            </a:extLst>
+          </p:cNvPr>
+          <p:cNvSpPr txBox="1"/>
+          <p:nvPr/>
+        </p:nvSpPr>
+        <p:spPr>
+          <a:xfrm>
+            <a:off x="4724400" y="3200400"/>
+            <a:ext cx="2743200" cy="369332"/>
+          </a:xfrm>
+          <a:prstGeom prst="rect">
+            <a:avLst/>
+          </a:prstGeom>
+          <a:noFill/>
+        </p:spPr>
+        <p:txBody>
+          <a:bodyPr rot="0" spcFirstLastPara="0" vertOverflow="overflow" horzOverflow="overflow" vert="horz" wrap="square" lIns="91440" tIns="45720" rIns="91440" bIns="45720" numCol="1" spcCol="0" rtlCol="0" fromWordArt="0" anchor="t" anchorCtr="0" forceAA="0" compatLnSpc="1">
+            <a:prstTxWarp prst="textNoShape">
+              <a:avLst/>
+            </a:prstTxWarp>
+            <a:spAutoFit/>
+          </a:bodyPr>
+          <a:lstStyle/>
+          <a:p>
+            <a:endParaRPr lang="en-US"/>
+          </a:p>
+        </p:txBody>
+      </p:sp>
+      <p:sp>
+        <p:nvSpPr>
+          <p:cNvPr id="33" name="TextBox 32">
+            <a:extLst>
+              <a:ext uri="{FF2B5EF4-FFF2-40B4-BE49-F238E27FC236}">
+                <a16:creationId xmlns:a16="http://schemas.microsoft.com/office/drawing/2014/main" id="{8EABABFE-06F3-4B83-9AC2-003F282FF29D}"/>
+              </a:ext>
+            </a:extLst>
+          </p:cNvPr>
+          <p:cNvSpPr txBox="1"/>
+          <p:nvPr/>
+        </p:nvSpPr>
+        <p:spPr>
+          <a:xfrm>
+            <a:off x="1171693" y="4367036"/>
+            <a:ext cx="5095875" cy="584775"/>
+          </a:xfrm>
+          <a:prstGeom prst="rect">
+            <a:avLst/>
+          </a:prstGeom>
+          <a:noFill/>
+        </p:spPr>
+        <p:txBody>
+          <a:bodyPr rot="0" spcFirstLastPara="0" vertOverflow="overflow" horzOverflow="overflow" vert="horz" wrap="square" lIns="91440" tIns="45720" rIns="91440" bIns="45720" numCol="1" spcCol="0" rtlCol="0" fromWordArt="0" anchor="t" anchorCtr="0" forceAA="0" compatLnSpc="1">
+            <a:prstTxWarp prst="textNoShape">
+              <a:avLst/>
+            </a:prstTxWarp>
+            <a:spAutoFit/>
+          </a:bodyPr>
+          <a:lstStyle/>
+          <a:p>
+            <a:r>
+              <a:rPr lang="pt-PT" sz="1600"/>
+              <a:t>Nodes </a:t>
+            </a:r>
+            <a:r>
+              <a:rPr lang="pt-PT" sz="1600" err="1"/>
+              <a:t>Visited</a:t>
+            </a:r>
+            <a:r>
+              <a:rPr lang="pt-PT" sz="1600"/>
+              <a:t> in different </a:t>
+            </a:r>
+            <a:r>
+              <a:rPr lang="pt-PT" sz="1600" err="1"/>
+              <a:t>levels</a:t>
+            </a:r>
+            <a:r>
+              <a:rPr lang="pt-PT" sz="1600"/>
+              <a:t> </a:t>
+            </a:r>
+            <a:r>
+              <a:rPr lang="pt-PT" sz="1600" err="1"/>
+              <a:t>by</a:t>
+            </a:r>
+            <a:r>
+              <a:rPr lang="pt-PT" sz="1600"/>
+              <a:t> </a:t>
+            </a:r>
+            <a:r>
+              <a:rPr lang="pt-PT" sz="1600" err="1"/>
+              <a:t>diferent</a:t>
+            </a:r>
+            <a:r>
+              <a:rPr lang="pt-PT" sz="1600"/>
+              <a:t> </a:t>
+            </a:r>
+            <a:r>
+              <a:rPr lang="pt-PT" sz="1600" err="1"/>
+              <a:t>heuristics</a:t>
+            </a:r>
+            <a:r>
+              <a:rPr lang="pt-PT" sz="1600"/>
+              <a:t> </a:t>
+            </a:r>
+            <a:r>
+              <a:rPr lang="pt-PT" sz="1600" err="1"/>
+              <a:t>with</a:t>
+            </a:r>
+            <a:r>
+              <a:rPr lang="pt-PT" sz="1600"/>
+              <a:t> </a:t>
+            </a:r>
+            <a:r>
+              <a:rPr lang="pt-PT" sz="1600" err="1"/>
+              <a:t>greedy</a:t>
+            </a:r>
+            <a:r>
+              <a:rPr lang="pt-PT" sz="1600"/>
+              <a:t> </a:t>
+            </a:r>
+            <a:r>
+              <a:rPr lang="pt-PT" sz="1600" err="1"/>
+              <a:t>algorithm</a:t>
+            </a:r>
+            <a:endParaRPr lang="en-US" sz="1600" err="1"/>
+          </a:p>
+        </p:txBody>
+      </p:sp>
+      <p:graphicFrame>
+        <p:nvGraphicFramePr>
+          <p:cNvPr id="35" name="Table 34">
+            <a:extLst>
+              <a:ext uri="{FF2B5EF4-FFF2-40B4-BE49-F238E27FC236}">
+                <a16:creationId xmlns:a16="http://schemas.microsoft.com/office/drawing/2014/main" id="{32CBEC7A-94F3-410E-AEE2-4FB55384DD54}"/>
+              </a:ext>
+            </a:extLst>
+          </p:cNvPr>
+          <p:cNvGraphicFramePr>
+            <a:graphicFrameLocks noGrp="1"/>
+          </p:cNvGraphicFramePr>
+          <p:nvPr>
+            <p:extLst>
+              <p:ext uri="{D42A27DB-BD31-4B8C-83A1-F6EECF244321}">
+                <p14:modId xmlns:p14="http://schemas.microsoft.com/office/powerpoint/2010/main" val="3915486895"/>
+              </p:ext>
+            </p:extLst>
+          </p:nvPr>
+        </p:nvGraphicFramePr>
+        <p:xfrm>
+          <a:off x="6715243" y="4976636"/>
+          <a:ext cx="4800592" cy="1609654"/>
+        </p:xfrm>
+        <a:graphic>
+          <a:graphicData uri="http://schemas.openxmlformats.org/drawingml/2006/table">
+            <a:tbl>
+              <a:tblPr firstRow="1" firstCol="1" bandRow="1">
+                <a:tableStyleId>{E929F9F4-4A8F-4326-A1B4-22849713DDAB}</a:tableStyleId>
+              </a:tblPr>
+              <a:tblGrid>
+                <a:gridCol w="662150">
+                  <a:extLst>
+                    <a:ext uri="{9D8B030D-6E8A-4147-A177-3AD203B41FA5}">
+                      <a16:colId xmlns:a16="http://schemas.microsoft.com/office/drawing/2014/main" val="3081693720"/>
+                    </a:ext>
+                  </a:extLst>
+                </a:gridCol>
+                <a:gridCol w="662150">
+                  <a:extLst>
+                    <a:ext uri="{9D8B030D-6E8A-4147-A177-3AD203B41FA5}">
+                      <a16:colId xmlns:a16="http://schemas.microsoft.com/office/drawing/2014/main" val="95572509"/>
+                    </a:ext>
+                  </a:extLst>
+                </a:gridCol>
+                <a:gridCol w="662150">
+                  <a:extLst>
+                    <a:ext uri="{9D8B030D-6E8A-4147-A177-3AD203B41FA5}">
+                      <a16:colId xmlns:a16="http://schemas.microsoft.com/office/drawing/2014/main" val="2139189975"/>
+                    </a:ext>
+                  </a:extLst>
+                </a:gridCol>
+                <a:gridCol w="1020816">
+                  <a:extLst>
+                    <a:ext uri="{9D8B030D-6E8A-4147-A177-3AD203B41FA5}">
+                      <a16:colId xmlns:a16="http://schemas.microsoft.com/office/drawing/2014/main" val="4148575872"/>
+                    </a:ext>
+                  </a:extLst>
+                </a:gridCol>
+                <a:gridCol w="717330">
+                  <a:extLst>
+                    <a:ext uri="{9D8B030D-6E8A-4147-A177-3AD203B41FA5}">
+                      <a16:colId xmlns:a16="http://schemas.microsoft.com/office/drawing/2014/main" val="4262378274"/>
+                    </a:ext>
+                  </a:extLst>
+                </a:gridCol>
+                <a:gridCol w="1075996">
+                  <a:extLst>
+                    <a:ext uri="{9D8B030D-6E8A-4147-A177-3AD203B41FA5}">
+                      <a16:colId xmlns:a16="http://schemas.microsoft.com/office/drawing/2014/main" val="1374153689"/>
+                    </a:ext>
+                  </a:extLst>
+                </a:gridCol>
+              </a:tblGrid>
+              <a:tr h="431346">
+                <a:tc>
+                  <a:txBody>
+                    <a:bodyPr/>
+                    <a:lstStyle/>
+                    <a:p>
+                      <a:pPr marL="0" algn="ctr" rtl="0" eaLnBrk="1" fontAlgn="b" latinLnBrk="0" hangingPunct="1">
+                        <a:spcBef>
+                          <a:spcPts val="0"/>
+                        </a:spcBef>
+                        <a:spcAft>
+                          <a:spcPts val="0"/>
+                        </a:spcAft>
+                      </a:pPr>
+                      <a:r>
+                        <a:rPr lang="pt-PT" sz="1400" err="1">
+                          <a:effectLst/>
+                        </a:rPr>
+                        <a:t>Level</a:t>
+                      </a:r>
+                    </a:p>
+                  </a:txBody>
+                  <a:tcPr marL="0" marR="0" marT="0" marB="0" anchor="ctr"/>
+                </a:tc>
+                <a:tc>
+                  <a:txBody>
+                    <a:bodyPr/>
+                    <a:lstStyle/>
+                    <a:p>
+                      <a:pPr marL="0" algn="ctr" rtl="0" eaLnBrk="1" fontAlgn="b" latinLnBrk="0" hangingPunct="1">
+                        <a:spcBef>
+                          <a:spcPts val="0"/>
+                        </a:spcBef>
+                        <a:spcAft>
+                          <a:spcPts val="0"/>
+                        </a:spcAft>
+                      </a:pPr>
+                      <a:r>
+                        <a:rPr lang="pt-PT" sz="1100" kern="1200">
+                          <a:effectLst/>
+                        </a:rPr>
+                        <a:t>h1</a:t>
+                      </a:r>
+                      <a:endParaRPr lang="pt-PT">
+                        <a:effectLst/>
+                      </a:endParaRPr>
+                    </a:p>
+                  </a:txBody>
+                  <a:tcPr marL="0" marR="0" marT="0" marB="0" anchor="ctr"/>
+                </a:tc>
+                <a:tc>
+                  <a:txBody>
+                    <a:bodyPr/>
+                    <a:lstStyle/>
+                    <a:p>
+                      <a:pPr marL="0" algn="ctr" rtl="0" eaLnBrk="1" fontAlgn="b" latinLnBrk="0" hangingPunct="1">
+                        <a:spcBef>
+                          <a:spcPts val="0"/>
+                        </a:spcBef>
+                        <a:spcAft>
+                          <a:spcPts val="0"/>
+                        </a:spcAft>
+                      </a:pPr>
+                      <a:r>
+                        <a:rPr lang="pt-PT" sz="1100" kern="1200">
+                          <a:effectLst/>
+                        </a:rPr>
+                        <a:t>h2</a:t>
+                      </a:r>
+                      <a:endParaRPr lang="pt-PT">
+                        <a:effectLst/>
+                      </a:endParaRPr>
+                    </a:p>
+                  </a:txBody>
+                  <a:tcPr marL="0" marR="0" marT="0" marB="0" anchor="ctr"/>
+                </a:tc>
+                <a:tc>
+                  <a:txBody>
+                    <a:bodyPr/>
+                    <a:lstStyle/>
+                    <a:p>
+                      <a:pPr marL="0" algn="ctr" rtl="0" eaLnBrk="1" fontAlgn="b" latinLnBrk="0" hangingPunct="1">
+                        <a:spcBef>
+                          <a:spcPts val="0"/>
+                        </a:spcBef>
+                        <a:spcAft>
+                          <a:spcPts val="0"/>
+                        </a:spcAft>
+                      </a:pPr>
+                      <a:r>
+                        <a:rPr lang="pt-PT" sz="1100" kern="1200">
+                          <a:effectLst/>
+                        </a:rPr>
+                        <a:t>h3</a:t>
+                      </a:r>
+                      <a:endParaRPr lang="pt-PT">
+                        <a:effectLst/>
+                      </a:endParaRPr>
+                    </a:p>
+                  </a:txBody>
+                  <a:tcPr marL="0" marR="0" marT="0" marB="0" anchor="ctr"/>
+                </a:tc>
+                <a:tc>
+                  <a:txBody>
+                    <a:bodyPr/>
+                    <a:lstStyle/>
+                    <a:p>
+                      <a:pPr marL="0" algn="ctr" rtl="0" eaLnBrk="1" fontAlgn="b" latinLnBrk="0" hangingPunct="1">
+                        <a:spcBef>
+                          <a:spcPts val="0"/>
+                        </a:spcBef>
+                        <a:spcAft>
+                          <a:spcPts val="0"/>
+                        </a:spcAft>
+                      </a:pPr>
+                      <a:r>
+                        <a:rPr lang="pt-PT" sz="1100" kern="1200">
+                          <a:effectLst/>
+                        </a:rPr>
+                        <a:t>h4</a:t>
+                      </a:r>
+                      <a:endParaRPr lang="pt-PT">
+                        <a:effectLst/>
+                      </a:endParaRPr>
+                    </a:p>
+                  </a:txBody>
+                  <a:tcPr marL="0" marR="0" marT="0" marB="0" anchor="ctr"/>
+                </a:tc>
+                <a:tc>
+                  <a:txBody>
+                    <a:bodyPr/>
+                    <a:lstStyle/>
+                    <a:p>
+                      <a:pPr marL="0" algn="ctr" rtl="0" eaLnBrk="1" fontAlgn="b" latinLnBrk="0" hangingPunct="1">
+                        <a:spcBef>
+                          <a:spcPts val="0"/>
+                        </a:spcBef>
+                        <a:spcAft>
+                          <a:spcPts val="0"/>
+                        </a:spcAft>
+                      </a:pPr>
+                      <a:r>
+                        <a:rPr lang="pt-PT" sz="1100" kern="1200">
+                          <a:effectLst/>
+                        </a:rPr>
+                        <a:t>h5 </a:t>
+                      </a:r>
+                      <a:r>
+                        <a:rPr lang="pt-PT" sz="1100" b="1" i="0" u="none" strike="noStrike" kern="1200" noProof="0">
+                          <a:effectLst/>
+                          <a:latin typeface="Franklin Gothic Book"/>
+                        </a:rPr>
+                        <a:t>(h2 + h4)</a:t>
+                      </a:r>
+                    </a:p>
+                  </a:txBody>
+                  <a:tcPr marL="0" marR="0" marT="0" marB="0" anchor="ctr"/>
+                </a:tc>
+                <a:extLst>
+                  <a:ext uri="{0D108BD9-81ED-4DB2-BD59-A6C34878D82A}">
+                    <a16:rowId xmlns:a16="http://schemas.microsoft.com/office/drawing/2014/main" val="1983069116"/>
+                  </a:ext>
+                </a:extLst>
+              </a:tr>
+              <a:tr h="294577">
+                <a:tc>
+                  <a:txBody>
+                    <a:bodyPr/>
+                    <a:lstStyle/>
+                    <a:p>
+                      <a:pPr marL="0" algn="ctr" rtl="0" eaLnBrk="1" fontAlgn="b" latinLnBrk="0" hangingPunct="1">
+                        <a:spcBef>
+                          <a:spcPts val="0"/>
+                        </a:spcBef>
+                        <a:spcAft>
+                          <a:spcPts val="0"/>
+                        </a:spcAft>
+                      </a:pPr>
+                      <a:r>
+                        <a:rPr lang="pt-PT" sz="1100" kern="1200">
+                          <a:effectLst/>
+                        </a:rPr>
+                        <a:t>6</a:t>
+                      </a:r>
+                      <a:endParaRPr lang="pt-PT">
+                        <a:effectLst/>
+                      </a:endParaRPr>
+                    </a:p>
+                  </a:txBody>
+                  <a:tcPr marL="0" marR="0" marT="0" marB="0" anchor="ctr"/>
+                </a:tc>
+                <a:tc>
+                  <a:txBody>
+                    <a:bodyPr/>
+                    <a:lstStyle/>
+                    <a:p>
+                      <a:pPr marL="0" algn="ctr" rtl="0" eaLnBrk="1" fontAlgn="b" latinLnBrk="0" hangingPunct="1">
+                        <a:spcBef>
+                          <a:spcPts val="0"/>
+                        </a:spcBef>
+                        <a:spcAft>
+                          <a:spcPts val="0"/>
+                        </a:spcAft>
+                      </a:pPr>
+                      <a:r>
+                        <a:rPr lang="pt-PT" sz="1100" kern="1200">
+                          <a:solidFill>
+                            <a:srgbClr val="FF0000"/>
+                          </a:solidFill>
+                          <a:effectLst/>
+                        </a:rPr>
+                        <a:t>39</a:t>
+                      </a:r>
+                      <a:endParaRPr lang="pt-PT">
+                        <a:solidFill>
+                          <a:srgbClr val="FF0000"/>
+                        </a:solidFill>
+                        <a:effectLst/>
+                      </a:endParaRPr>
+                    </a:p>
+                  </a:txBody>
+                  <a:tcPr marL="0" marR="0" marT="0" marB="0" anchor="ctr"/>
+                </a:tc>
+                <a:tc>
+                  <a:txBody>
+                    <a:bodyPr/>
+                    <a:lstStyle/>
+                    <a:p>
+                      <a:pPr marL="0" algn="ctr" rtl="0" eaLnBrk="1" fontAlgn="b" latinLnBrk="0" hangingPunct="1">
+                        <a:spcBef>
+                          <a:spcPts val="0"/>
+                        </a:spcBef>
+                        <a:spcAft>
+                          <a:spcPts val="0"/>
+                        </a:spcAft>
+                      </a:pPr>
+                      <a:r>
+                        <a:rPr lang="pt-PT" sz="1100" kern="1200">
+                          <a:solidFill>
+                            <a:srgbClr val="92D050"/>
+                          </a:solidFill>
+                          <a:effectLst/>
+                        </a:rPr>
+                        <a:t>18</a:t>
+                      </a:r>
+                      <a:endParaRPr lang="pt-PT">
+                        <a:solidFill>
+                          <a:srgbClr val="92D050"/>
+                        </a:solidFill>
+                        <a:effectLst/>
+                      </a:endParaRPr>
+                    </a:p>
+                  </a:txBody>
+                  <a:tcPr marL="0" marR="0" marT="0" marB="0" anchor="ctr"/>
+                </a:tc>
+                <a:tc>
+                  <a:txBody>
+                    <a:bodyPr/>
+                    <a:lstStyle/>
+                    <a:p>
+                      <a:pPr marL="0" algn="ctr" rtl="0" eaLnBrk="1" fontAlgn="b" latinLnBrk="0" hangingPunct="1">
+                        <a:spcBef>
+                          <a:spcPts val="0"/>
+                        </a:spcBef>
+                        <a:spcAft>
+                          <a:spcPts val="0"/>
+                        </a:spcAft>
+                      </a:pPr>
+                      <a:r>
+                        <a:rPr lang="pt-PT" sz="1100" kern="1200">
+                          <a:solidFill>
+                            <a:srgbClr val="00B0F0"/>
+                          </a:solidFill>
+                          <a:effectLst/>
+                        </a:rPr>
+                        <a:t>11</a:t>
+                      </a:r>
+                      <a:endParaRPr lang="pt-PT">
+                        <a:solidFill>
+                          <a:srgbClr val="00B0F0"/>
+                        </a:solidFill>
+                        <a:effectLst/>
+                      </a:endParaRPr>
+                    </a:p>
+                  </a:txBody>
+                  <a:tcPr marL="0" marR="0" marT="0" marB="0" anchor="ctr"/>
+                </a:tc>
+                <a:tc>
+                  <a:txBody>
+                    <a:bodyPr/>
+                    <a:lstStyle/>
+                    <a:p>
+                      <a:pPr marL="0" algn="ctr" rtl="0" eaLnBrk="1" fontAlgn="b" latinLnBrk="0" hangingPunct="1">
+                        <a:spcBef>
+                          <a:spcPts val="0"/>
+                        </a:spcBef>
+                        <a:spcAft>
+                          <a:spcPts val="0"/>
+                        </a:spcAft>
+                      </a:pPr>
+                      <a:r>
+                        <a:rPr lang="pt-PT" sz="1100" kern="1200">
+                          <a:solidFill>
+                            <a:srgbClr val="FFC000"/>
+                          </a:solidFill>
+                          <a:effectLst/>
+                        </a:rPr>
+                        <a:t>27</a:t>
+                      </a:r>
+                      <a:endParaRPr lang="pt-PT">
+                        <a:solidFill>
+                          <a:srgbClr val="FFC000"/>
+                        </a:solidFill>
+                        <a:effectLst/>
+                      </a:endParaRPr>
+                    </a:p>
+                  </a:txBody>
+                  <a:tcPr marL="0" marR="0" marT="0" marB="0" anchor="ctr"/>
+                </a:tc>
+                <a:tc>
+                  <a:txBody>
+                    <a:bodyPr/>
+                    <a:lstStyle/>
+                    <a:p>
+                      <a:pPr marL="0" algn="ctr" rtl="0" eaLnBrk="1" fontAlgn="b" latinLnBrk="0" hangingPunct="1">
+                        <a:spcBef>
+                          <a:spcPts val="0"/>
+                        </a:spcBef>
+                        <a:spcAft>
+                          <a:spcPts val="0"/>
+                        </a:spcAft>
+                      </a:pPr>
+                      <a:r>
+                        <a:rPr lang="pt-PT" sz="1100" kern="1200">
+                          <a:solidFill>
+                            <a:srgbClr val="92D050"/>
+                          </a:solidFill>
+                          <a:effectLst/>
+                        </a:rPr>
+                        <a:t>18</a:t>
+                      </a:r>
+                      <a:endParaRPr lang="pt-PT">
+                        <a:solidFill>
+                          <a:srgbClr val="92D050"/>
+                        </a:solidFill>
+                        <a:effectLst/>
+                      </a:endParaRPr>
+                    </a:p>
+                  </a:txBody>
+                  <a:tcPr marL="0" marR="0" marT="0" marB="0" anchor="ctr"/>
+                </a:tc>
+                <a:extLst>
+                  <a:ext uri="{0D108BD9-81ED-4DB2-BD59-A6C34878D82A}">
+                    <a16:rowId xmlns:a16="http://schemas.microsoft.com/office/drawing/2014/main" val="1554403689"/>
+                  </a:ext>
+                </a:extLst>
+              </a:tr>
+              <a:tr h="294577">
+                <a:tc>
+                  <a:txBody>
+                    <a:bodyPr/>
+                    <a:lstStyle/>
+                    <a:p>
+                      <a:pPr marL="0" algn="ctr" rtl="0" eaLnBrk="1" fontAlgn="b" latinLnBrk="0" hangingPunct="1">
+                        <a:spcBef>
+                          <a:spcPts val="0"/>
+                        </a:spcBef>
+                        <a:spcAft>
+                          <a:spcPts val="0"/>
+                        </a:spcAft>
+                      </a:pPr>
+                      <a:r>
+                        <a:rPr lang="pt-PT" sz="1100" kern="1200">
+                          <a:effectLst/>
+                        </a:rPr>
+                        <a:t>8</a:t>
+                      </a:r>
+                      <a:endParaRPr lang="pt-PT">
+                        <a:effectLst/>
+                      </a:endParaRPr>
+                    </a:p>
+                  </a:txBody>
+                  <a:tcPr marL="0" marR="0" marT="0" marB="0" anchor="ctr"/>
+                </a:tc>
+                <a:tc>
+                  <a:txBody>
+                    <a:bodyPr/>
+                    <a:lstStyle/>
+                    <a:p>
+                      <a:pPr marL="0" algn="ctr" rtl="0" eaLnBrk="1" fontAlgn="b" latinLnBrk="0" hangingPunct="1">
+                        <a:spcBef>
+                          <a:spcPts val="0"/>
+                        </a:spcBef>
+                        <a:spcAft>
+                          <a:spcPts val="0"/>
+                        </a:spcAft>
+                      </a:pPr>
+                      <a:r>
+                        <a:rPr lang="pt-PT" sz="1100" kern="1200">
+                          <a:solidFill>
+                            <a:srgbClr val="FF0000"/>
+                          </a:solidFill>
+                          <a:effectLst/>
+                        </a:rPr>
+                        <a:t>4658</a:t>
+                      </a:r>
+                      <a:endParaRPr lang="pt-PT">
+                        <a:solidFill>
+                          <a:srgbClr val="FF0000"/>
+                        </a:solidFill>
+                        <a:effectLst/>
+                      </a:endParaRPr>
+                    </a:p>
+                  </a:txBody>
+                  <a:tcPr marL="0" marR="0" marT="0" marB="0" anchor="ctr"/>
+                </a:tc>
+                <a:tc>
+                  <a:txBody>
+                    <a:bodyPr/>
+                    <a:lstStyle/>
+                    <a:p>
+                      <a:pPr marL="0" algn="ctr" rtl="0" eaLnBrk="1" fontAlgn="b" latinLnBrk="0" hangingPunct="1">
+                        <a:spcBef>
+                          <a:spcPts val="0"/>
+                        </a:spcBef>
+                        <a:spcAft>
+                          <a:spcPts val="0"/>
+                        </a:spcAft>
+                      </a:pPr>
+                      <a:r>
+                        <a:rPr lang="pt-PT" sz="1100" kern="1200">
+                          <a:solidFill>
+                            <a:srgbClr val="FFC000"/>
+                          </a:solidFill>
+                          <a:effectLst/>
+                        </a:rPr>
+                        <a:t>2436</a:t>
+                      </a:r>
+                      <a:endParaRPr lang="pt-PT">
+                        <a:solidFill>
+                          <a:srgbClr val="FFC000"/>
+                        </a:solidFill>
+                        <a:effectLst/>
+                      </a:endParaRPr>
+                    </a:p>
+                  </a:txBody>
+                  <a:tcPr marL="0" marR="0" marT="0" marB="0" anchor="ctr"/>
+                </a:tc>
+                <a:tc>
+                  <a:txBody>
+                    <a:bodyPr/>
+                    <a:lstStyle/>
+                    <a:p>
+                      <a:pPr marL="0" algn="ctr" rtl="0" eaLnBrk="1" fontAlgn="b" latinLnBrk="0" hangingPunct="1">
+                        <a:spcBef>
+                          <a:spcPts val="0"/>
+                        </a:spcBef>
+                        <a:spcAft>
+                          <a:spcPts val="0"/>
+                        </a:spcAft>
+                      </a:pPr>
+                      <a:r>
+                        <a:rPr lang="pt-PT" sz="1100" kern="1200">
+                          <a:solidFill>
+                            <a:srgbClr val="00B0F0"/>
+                          </a:solidFill>
+                          <a:effectLst/>
+                        </a:rPr>
+                        <a:t>522</a:t>
+                      </a:r>
+                      <a:endParaRPr lang="pt-PT">
+                        <a:solidFill>
+                          <a:srgbClr val="00B0F0"/>
+                        </a:solidFill>
+                        <a:effectLst/>
+                      </a:endParaRPr>
+                    </a:p>
+                  </a:txBody>
+                  <a:tcPr marL="0" marR="0" marT="0" marB="0" anchor="ctr"/>
+                </a:tc>
+                <a:tc>
+                  <a:txBody>
+                    <a:bodyPr/>
+                    <a:lstStyle/>
+                    <a:p>
+                      <a:pPr marL="0" algn="ctr" rtl="0" eaLnBrk="1" fontAlgn="b" latinLnBrk="0" hangingPunct="1">
+                        <a:spcBef>
+                          <a:spcPts val="0"/>
+                        </a:spcBef>
+                        <a:spcAft>
+                          <a:spcPts val="0"/>
+                        </a:spcAft>
+                      </a:pPr>
+                      <a:r>
+                        <a:rPr lang="pt-PT" sz="1100" kern="1200">
+                          <a:solidFill>
+                            <a:srgbClr val="FFC000"/>
+                          </a:solidFill>
+                          <a:effectLst/>
+                        </a:rPr>
+                        <a:t>2496</a:t>
+                      </a:r>
+                      <a:endParaRPr lang="pt-PT">
+                        <a:solidFill>
+                          <a:srgbClr val="FFC000"/>
+                        </a:solidFill>
+                        <a:effectLst/>
+                      </a:endParaRPr>
+                    </a:p>
+                  </a:txBody>
+                  <a:tcPr marL="0" marR="0" marT="0" marB="0" anchor="ctr"/>
+                </a:tc>
+                <a:tc>
+                  <a:txBody>
+                    <a:bodyPr/>
+                    <a:lstStyle/>
+                    <a:p>
+                      <a:pPr marL="0" algn="ctr" rtl="0" eaLnBrk="1" fontAlgn="b" latinLnBrk="0" hangingPunct="1">
+                        <a:spcBef>
+                          <a:spcPts val="0"/>
+                        </a:spcBef>
+                        <a:spcAft>
+                          <a:spcPts val="0"/>
+                        </a:spcAft>
+                      </a:pPr>
+                      <a:r>
+                        <a:rPr lang="pt-PT" sz="1100" kern="1200">
+                          <a:solidFill>
+                            <a:srgbClr val="00B0F0"/>
+                          </a:solidFill>
+                          <a:effectLst/>
+                        </a:rPr>
+                        <a:t>461</a:t>
+                      </a:r>
+                      <a:endParaRPr lang="pt-PT">
+                        <a:solidFill>
+                          <a:srgbClr val="00B0F0"/>
+                        </a:solidFill>
+                        <a:effectLst/>
+                      </a:endParaRPr>
+                    </a:p>
+                  </a:txBody>
+                  <a:tcPr marL="0" marR="0" marT="0" marB="0" anchor="ctr"/>
+                </a:tc>
+                <a:extLst>
+                  <a:ext uri="{0D108BD9-81ED-4DB2-BD59-A6C34878D82A}">
+                    <a16:rowId xmlns:a16="http://schemas.microsoft.com/office/drawing/2014/main" val="2334230760"/>
+                  </a:ext>
+                </a:extLst>
+              </a:tr>
+              <a:tr h="294577">
+                <a:tc>
+                  <a:txBody>
+                    <a:bodyPr/>
+                    <a:lstStyle/>
+                    <a:p>
+                      <a:pPr marL="0" algn="ctr" rtl="0" eaLnBrk="1" fontAlgn="b" latinLnBrk="0" hangingPunct="1">
+                        <a:spcBef>
+                          <a:spcPts val="0"/>
+                        </a:spcBef>
+                        <a:spcAft>
+                          <a:spcPts val="0"/>
+                        </a:spcAft>
+                      </a:pPr>
+                      <a:r>
+                        <a:rPr lang="pt-PT" sz="1100" kern="1200">
+                          <a:effectLst/>
+                        </a:rPr>
+                        <a:t>10</a:t>
+                      </a:r>
+                      <a:endParaRPr lang="pt-PT">
+                        <a:effectLst/>
+                      </a:endParaRPr>
+                    </a:p>
+                  </a:txBody>
+                  <a:tcPr marL="0" marR="0" marT="0" marB="0" anchor="ctr"/>
+                </a:tc>
+                <a:tc>
+                  <a:txBody>
+                    <a:bodyPr/>
+                    <a:lstStyle/>
+                    <a:p>
+                      <a:pPr marL="0" algn="ctr" rtl="0" eaLnBrk="1" fontAlgn="b" latinLnBrk="0" hangingPunct="1">
+                        <a:spcBef>
+                          <a:spcPts val="0"/>
+                        </a:spcBef>
+                        <a:spcAft>
+                          <a:spcPts val="0"/>
+                        </a:spcAft>
+                      </a:pPr>
+                      <a:r>
+                        <a:rPr lang="pt-PT" sz="1100" kern="1200">
+                          <a:solidFill>
+                            <a:srgbClr val="FF0000"/>
+                          </a:solidFill>
+                          <a:effectLst/>
+                        </a:rPr>
+                        <a:t>492</a:t>
+                      </a:r>
+                      <a:endParaRPr lang="pt-PT">
+                        <a:solidFill>
+                          <a:srgbClr val="FF0000"/>
+                        </a:solidFill>
+                        <a:effectLst/>
+                      </a:endParaRPr>
+                    </a:p>
+                  </a:txBody>
+                  <a:tcPr marL="0" marR="0" marT="0" marB="0" anchor="ctr"/>
+                </a:tc>
+                <a:tc>
+                  <a:txBody>
+                    <a:bodyPr/>
+                    <a:lstStyle/>
+                    <a:p>
+                      <a:pPr marL="0" algn="ctr" rtl="0" eaLnBrk="1" fontAlgn="b" latinLnBrk="0" hangingPunct="1">
+                        <a:spcBef>
+                          <a:spcPts val="0"/>
+                        </a:spcBef>
+                        <a:spcAft>
+                          <a:spcPts val="0"/>
+                        </a:spcAft>
+                      </a:pPr>
+                      <a:r>
+                        <a:rPr lang="pt-PT" sz="1100" kern="1200">
+                          <a:solidFill>
+                            <a:srgbClr val="FFC000"/>
+                          </a:solidFill>
+                          <a:effectLst/>
+                        </a:rPr>
+                        <a:t>115</a:t>
+                      </a:r>
+                      <a:endParaRPr lang="pt-PT">
+                        <a:solidFill>
+                          <a:srgbClr val="FFC000"/>
+                        </a:solidFill>
+                        <a:effectLst/>
+                      </a:endParaRPr>
+                    </a:p>
+                  </a:txBody>
+                  <a:tcPr marL="0" marR="0" marT="0" marB="0" anchor="ctr"/>
+                </a:tc>
+                <a:tc>
+                  <a:txBody>
+                    <a:bodyPr/>
+                    <a:lstStyle/>
+                    <a:p>
+                      <a:pPr marL="0" algn="ctr" rtl="0" eaLnBrk="1" fontAlgn="b" latinLnBrk="0" hangingPunct="1">
+                        <a:spcBef>
+                          <a:spcPts val="0"/>
+                        </a:spcBef>
+                        <a:spcAft>
+                          <a:spcPts val="0"/>
+                        </a:spcAft>
+                      </a:pPr>
+                      <a:r>
+                        <a:rPr lang="pt-PT" sz="1100" kern="1200">
+                          <a:solidFill>
+                            <a:srgbClr val="92D050"/>
+                          </a:solidFill>
+                          <a:effectLst/>
+                        </a:rPr>
+                        <a:t>37</a:t>
+                      </a:r>
+                      <a:endParaRPr lang="pt-PT">
+                        <a:solidFill>
+                          <a:srgbClr val="92D050"/>
+                        </a:solidFill>
+                        <a:effectLst/>
+                      </a:endParaRPr>
+                    </a:p>
+                  </a:txBody>
+                  <a:tcPr marL="0" marR="0" marT="0" marB="0" anchor="ctr"/>
+                </a:tc>
+                <a:tc>
+                  <a:txBody>
+                    <a:bodyPr/>
+                    <a:lstStyle/>
+                    <a:p>
+                      <a:pPr marL="0" algn="ctr" rtl="0" eaLnBrk="1" fontAlgn="b" latinLnBrk="0" hangingPunct="1">
+                        <a:spcBef>
+                          <a:spcPts val="0"/>
+                        </a:spcBef>
+                        <a:spcAft>
+                          <a:spcPts val="0"/>
+                        </a:spcAft>
+                      </a:pPr>
+                      <a:r>
+                        <a:rPr lang="pt-PT" sz="1100" kern="1200">
+                          <a:solidFill>
+                            <a:srgbClr val="92D050"/>
+                          </a:solidFill>
+                          <a:effectLst/>
+                        </a:rPr>
+                        <a:t>42</a:t>
+                      </a:r>
+                      <a:endParaRPr lang="pt-PT">
+                        <a:solidFill>
+                          <a:srgbClr val="92D050"/>
+                        </a:solidFill>
+                        <a:effectLst/>
+                      </a:endParaRPr>
+                    </a:p>
+                  </a:txBody>
+                  <a:tcPr marL="0" marR="0" marT="0" marB="0" anchor="ctr"/>
+                </a:tc>
+                <a:tc>
+                  <a:txBody>
+                    <a:bodyPr/>
+                    <a:lstStyle/>
+                    <a:p>
+                      <a:pPr marL="0" algn="ctr" rtl="0" eaLnBrk="1" fontAlgn="b" latinLnBrk="0" hangingPunct="1">
+                        <a:spcBef>
+                          <a:spcPts val="0"/>
+                        </a:spcBef>
+                        <a:spcAft>
+                          <a:spcPts val="0"/>
+                        </a:spcAft>
+                      </a:pPr>
+                      <a:r>
+                        <a:rPr lang="pt-PT" sz="1100" kern="1200">
+                          <a:solidFill>
+                            <a:srgbClr val="00B0F0"/>
+                          </a:solidFill>
+                          <a:effectLst/>
+                        </a:rPr>
+                        <a:t>12</a:t>
+                      </a:r>
+                      <a:endParaRPr lang="pt-PT">
+                        <a:solidFill>
+                          <a:srgbClr val="00B0F0"/>
+                        </a:solidFill>
+                        <a:effectLst/>
+                      </a:endParaRPr>
+                    </a:p>
+                  </a:txBody>
+                  <a:tcPr marL="0" marR="0" marT="0" marB="0" anchor="ctr"/>
+                </a:tc>
+                <a:extLst>
+                  <a:ext uri="{0D108BD9-81ED-4DB2-BD59-A6C34878D82A}">
+                    <a16:rowId xmlns:a16="http://schemas.microsoft.com/office/drawing/2014/main" val="3430977051"/>
+                  </a:ext>
+                </a:extLst>
+              </a:tr>
+              <a:tr h="294577">
+                <a:tc>
+                  <a:txBody>
+                    <a:bodyPr/>
+                    <a:lstStyle/>
+                    <a:p>
+                      <a:pPr marL="0" algn="ctr" rtl="0" eaLnBrk="1" fontAlgn="b" latinLnBrk="0" hangingPunct="1">
+                        <a:spcBef>
+                          <a:spcPts val="0"/>
+                        </a:spcBef>
+                        <a:spcAft>
+                          <a:spcPts val="0"/>
+                        </a:spcAft>
+                      </a:pPr>
+                      <a:r>
+                        <a:rPr lang="pt-PT" sz="1100" kern="1200">
+                          <a:effectLst/>
+                        </a:rPr>
+                        <a:t>12</a:t>
+                      </a:r>
+                      <a:endParaRPr lang="pt-PT">
+                        <a:effectLst/>
+                      </a:endParaRPr>
+                    </a:p>
+                  </a:txBody>
+                  <a:tcPr marL="0" marR="0" marT="0" marB="0" anchor="ctr"/>
+                </a:tc>
+                <a:tc>
+                  <a:txBody>
+                    <a:bodyPr/>
+                    <a:lstStyle/>
+                    <a:p>
+                      <a:pPr marL="0" algn="ctr" rtl="0" eaLnBrk="1" fontAlgn="b" latinLnBrk="0" hangingPunct="1">
+                        <a:spcBef>
+                          <a:spcPts val="0"/>
+                        </a:spcBef>
+                        <a:spcAft>
+                          <a:spcPts val="0"/>
+                        </a:spcAft>
+                      </a:pPr>
+                      <a:r>
+                        <a:rPr lang="pt-PT" sz="1100" kern="1200">
+                          <a:solidFill>
+                            <a:srgbClr val="FFC000"/>
+                          </a:solidFill>
+                          <a:effectLst/>
+                        </a:rPr>
+                        <a:t>5123</a:t>
+                      </a:r>
+                      <a:endParaRPr lang="pt-PT">
+                        <a:solidFill>
+                          <a:srgbClr val="FFC000"/>
+                        </a:solidFill>
+                        <a:effectLst/>
+                      </a:endParaRPr>
+                    </a:p>
+                  </a:txBody>
+                  <a:tcPr marL="0" marR="0" marT="0" marB="0" anchor="ctr"/>
+                </a:tc>
+                <a:tc>
+                  <a:txBody>
+                    <a:bodyPr/>
+                    <a:lstStyle/>
+                    <a:p>
+                      <a:pPr marL="0" algn="ctr" rtl="0" eaLnBrk="1" fontAlgn="b" latinLnBrk="0" hangingPunct="1">
+                        <a:spcBef>
+                          <a:spcPts val="0"/>
+                        </a:spcBef>
+                        <a:spcAft>
+                          <a:spcPts val="0"/>
+                        </a:spcAft>
+                      </a:pPr>
+                      <a:r>
+                        <a:rPr lang="pt-PT" sz="1100" kern="1200">
+                          <a:solidFill>
+                            <a:srgbClr val="92D050"/>
+                          </a:solidFill>
+                          <a:effectLst/>
+                        </a:rPr>
+                        <a:t>2042</a:t>
+                      </a:r>
+                      <a:endParaRPr lang="pt-PT">
+                        <a:solidFill>
+                          <a:srgbClr val="92D050"/>
+                        </a:solidFill>
+                        <a:effectLst/>
+                      </a:endParaRPr>
+                    </a:p>
+                  </a:txBody>
+                  <a:tcPr marL="0" marR="0" marT="0" marB="0" anchor="ctr"/>
+                </a:tc>
+                <a:tc>
+                  <a:txBody>
+                    <a:bodyPr/>
+                    <a:lstStyle/>
+                    <a:p>
+                      <a:pPr marL="0" algn="ctr" rtl="0" eaLnBrk="1" fontAlgn="b" latinLnBrk="0" hangingPunct="1">
+                        <a:spcBef>
+                          <a:spcPts val="0"/>
+                        </a:spcBef>
+                        <a:spcAft>
+                          <a:spcPts val="0"/>
+                        </a:spcAft>
+                      </a:pPr>
+                      <a:r>
+                        <a:rPr lang="pt-PT" sz="1100" kern="1200">
+                          <a:solidFill>
+                            <a:srgbClr val="FF0000"/>
+                          </a:solidFill>
+                          <a:effectLst/>
+                        </a:rPr>
+                        <a:t>10855</a:t>
+                      </a:r>
+                      <a:endParaRPr lang="pt-PT">
+                        <a:solidFill>
+                          <a:srgbClr val="FF0000"/>
+                        </a:solidFill>
+                        <a:effectLst/>
+                      </a:endParaRPr>
+                    </a:p>
+                  </a:txBody>
+                  <a:tcPr marL="0" marR="0" marT="0" marB="0" anchor="ctr"/>
+                </a:tc>
+                <a:tc>
+                  <a:txBody>
+                    <a:bodyPr/>
+                    <a:lstStyle/>
+                    <a:p>
+                      <a:pPr marL="0" algn="ctr" rtl="0" eaLnBrk="1" fontAlgn="b" latinLnBrk="0" hangingPunct="1">
+                        <a:spcBef>
+                          <a:spcPts val="0"/>
+                        </a:spcBef>
+                        <a:spcAft>
+                          <a:spcPts val="0"/>
+                        </a:spcAft>
+                      </a:pPr>
+                      <a:r>
+                        <a:rPr lang="pt-PT" sz="1100" kern="1200">
+                          <a:solidFill>
+                            <a:srgbClr val="92D050"/>
+                          </a:solidFill>
+                          <a:effectLst/>
+                        </a:rPr>
+                        <a:t>3014</a:t>
+                      </a:r>
+                      <a:endParaRPr lang="pt-PT">
+                        <a:solidFill>
+                          <a:srgbClr val="92D050"/>
+                        </a:solidFill>
+                        <a:effectLst/>
+                      </a:endParaRPr>
+                    </a:p>
+                  </a:txBody>
+                  <a:tcPr marL="0" marR="0" marT="0" marB="0" anchor="ctr"/>
+                </a:tc>
+                <a:tc>
+                  <a:txBody>
+                    <a:bodyPr/>
+                    <a:lstStyle/>
+                    <a:p>
+                      <a:pPr marL="0" algn="ctr" rtl="0" eaLnBrk="1" fontAlgn="b" latinLnBrk="0" hangingPunct="1">
+                        <a:spcBef>
+                          <a:spcPts val="0"/>
+                        </a:spcBef>
+                        <a:spcAft>
+                          <a:spcPts val="0"/>
+                        </a:spcAft>
+                      </a:pPr>
+                      <a:r>
+                        <a:rPr lang="pt-PT" sz="1100" kern="1200">
+                          <a:solidFill>
+                            <a:srgbClr val="00B0F0"/>
+                          </a:solidFill>
+                          <a:effectLst/>
+                        </a:rPr>
+                        <a:t>827</a:t>
+                      </a:r>
+                      <a:endParaRPr lang="pt-PT">
+                        <a:solidFill>
+                          <a:srgbClr val="00B0F0"/>
+                        </a:solidFill>
+                        <a:effectLst/>
+                      </a:endParaRPr>
+                    </a:p>
+                  </a:txBody>
+                  <a:tcPr marL="0" marR="0" marT="0" marB="0" anchor="ctr"/>
+                </a:tc>
+                <a:extLst>
+                  <a:ext uri="{0D108BD9-81ED-4DB2-BD59-A6C34878D82A}">
+                    <a16:rowId xmlns:a16="http://schemas.microsoft.com/office/drawing/2014/main" val="1175927017"/>
+                  </a:ext>
+                </a:extLst>
+              </a:tr>
+            </a:tbl>
+          </a:graphicData>
+        </a:graphic>
+      </p:graphicFrame>
+      <p:sp>
+        <p:nvSpPr>
+          <p:cNvPr id="37" name="TextBox 36">
+            <a:extLst>
+              <a:ext uri="{FF2B5EF4-FFF2-40B4-BE49-F238E27FC236}">
+                <a16:creationId xmlns:a16="http://schemas.microsoft.com/office/drawing/2014/main" id="{2DAEBDBC-64B8-492D-8F87-3D3216EE0F29}"/>
+              </a:ext>
+            </a:extLst>
+          </p:cNvPr>
+          <p:cNvSpPr txBox="1"/>
+          <p:nvPr/>
+        </p:nvSpPr>
+        <p:spPr>
+          <a:xfrm>
+            <a:off x="6629517" y="4376561"/>
+            <a:ext cx="5095875" cy="584775"/>
+          </a:xfrm>
+          <a:prstGeom prst="rect">
+            <a:avLst/>
+          </a:prstGeom>
+          <a:noFill/>
+        </p:spPr>
+        <p:txBody>
+          <a:bodyPr rot="0" spcFirstLastPara="0" vertOverflow="overflow" horzOverflow="overflow" vert="horz" wrap="square" lIns="91440" tIns="45720" rIns="91440" bIns="45720" numCol="1" spcCol="0" rtlCol="0" fromWordArt="0" anchor="t" anchorCtr="0" forceAA="0" compatLnSpc="1">
+            <a:prstTxWarp prst="textNoShape">
+              <a:avLst/>
+            </a:prstTxWarp>
+            <a:spAutoFit/>
+          </a:bodyPr>
+          <a:lstStyle/>
+          <a:p>
+            <a:r>
+              <a:rPr lang="pt-PT" sz="1600"/>
+              <a:t>Solve time(ms) for </a:t>
+            </a:r>
+            <a:r>
+              <a:rPr lang="pt-PT" sz="1600">
+                <a:ea typeface="+mn-lt"/>
+                <a:cs typeface="+mn-lt"/>
+              </a:rPr>
+              <a:t>diferent levels</a:t>
+            </a:r>
+            <a:r>
+              <a:rPr lang="pt-PT" sz="1600"/>
+              <a:t> by diferent heuristics with greedy algorithm</a:t>
+            </a:r>
+            <a:endParaRPr lang="en-US" sz="1600"/>
+          </a:p>
+        </p:txBody>
+      </p:sp>
+      <p:pic>
+        <p:nvPicPr>
+          <p:cNvPr id="5" name="Picture 5" descr="A screenshot of a cell phone&#10;&#10;Description generated with very high confidence">
+            <a:extLst>
+              <a:ext uri="{FF2B5EF4-FFF2-40B4-BE49-F238E27FC236}">
+                <a16:creationId xmlns:a16="http://schemas.microsoft.com/office/drawing/2014/main" id="{EA6FB94B-FD24-490D-9BED-8D032ACEDB62}"/>
+              </a:ext>
+            </a:extLst>
+          </p:cNvPr>
+          <p:cNvPicPr>
+            <a:picLocks noGrp="1" noChangeAspect="1"/>
+          </p:cNvPicPr>
+          <p:nvPr>
+            <p:ph idx="1"/>
+          </p:nvPr>
+        </p:nvPicPr>
+        <p:blipFill>
+          <a:blip r:embed="rId2"/>
+          <a:stretch>
+            <a:fillRect/>
+          </a:stretch>
+        </p:blipFill>
+        <p:spPr>
+          <a:xfrm>
+            <a:off x="2603253" y="1059678"/>
+            <a:ext cx="7217857" cy="3220560"/>
+          </a:xfrm>
+        </p:spPr>
+      </p:pic>
+      <p:sp>
+        <p:nvSpPr>
+          <p:cNvPr id="17" name="TextBox 32">
+            <a:extLst>
+              <a:ext uri="{FF2B5EF4-FFF2-40B4-BE49-F238E27FC236}">
+                <a16:creationId xmlns:a16="http://schemas.microsoft.com/office/drawing/2014/main" id="{AF3685AB-6663-4F57-81BF-F70A752D6AFC}"/>
+              </a:ext>
+            </a:extLst>
+          </p:cNvPr>
+          <p:cNvSpPr txBox="1"/>
+          <p:nvPr/>
+        </p:nvSpPr>
+        <p:spPr>
+          <a:xfrm>
+            <a:off x="3975101" y="716961"/>
+            <a:ext cx="4832468" cy="338554"/>
+          </a:xfrm>
+          <a:prstGeom prst="rect">
+            <a:avLst/>
+          </a:prstGeom>
+          <a:noFill/>
+        </p:spPr>
+        <p:txBody>
+          <a:bodyPr rot="0" spcFirstLastPara="0" vertOverflow="overflow" horzOverflow="overflow" vert="horz" wrap="square" lIns="91440" tIns="45720" rIns="91440" bIns="45720" numCol="1" spcCol="0" rtlCol="0" fromWordArt="0" anchor="t" anchorCtr="0" forceAA="0" compatLnSpc="1">
+            <a:prstTxWarp prst="textNoShape">
+              <a:avLst/>
+            </a:prstTxWarp>
+            <a:spAutoFit/>
+          </a:bodyPr>
+          <a:lstStyle/>
+          <a:p>
+            <a:r>
+              <a:rPr lang="pt-PT" sz="1600"/>
+              <a:t>Nodes </a:t>
+            </a:r>
+            <a:r>
+              <a:rPr lang="pt-PT" sz="1600" err="1"/>
+              <a:t>Visited</a:t>
+            </a:r>
+            <a:r>
+              <a:rPr lang="pt-PT" sz="1600"/>
+              <a:t> in different levels for each algorithm </a:t>
+            </a:r>
+          </a:p>
+        </p:txBody>
+      </p:sp>
+    </p:spTree>
+    <p:extLst>
+      <p:ext uri="{BB962C8B-B14F-4D97-AF65-F5344CB8AC3E}">
+        <p14:creationId xmlns:p14="http://schemas.microsoft.com/office/powerpoint/2010/main" val="2979242035"/>
+      </p:ext>
+    </p:extLst>
+  </p:cSld>
+  <p:clrMapOvr>
+    <a:masterClrMapping/>
+  </p:clrMapOvr>
+</p:sld>
+</file>
+
+<file path=ppt/slides/slide9.xml><?xml version="1.0" encoding="utf-8"?>
+<p:sld xmlns:a="http://schemas.openxmlformats.org/drawingml/2006/main" xmlns:r="http://schemas.openxmlformats.org/officeDocument/2006/relationships" xmlns:p="http://schemas.openxmlformats.org/presentationml/2006/main">
+  <p:cSld>
+    <p:spTree>
+      <p:nvGrpSpPr>
+        <p:cNvPr id="1" name=""/>
+        <p:cNvGrpSpPr/>
+        <p:nvPr/>
+      </p:nvGrpSpPr>
+      <p:grpSpPr>
+        <a:xfrm>
+          <a:off x="0" y="0"/>
+          <a:ext cx="0" cy="0"/>
+          <a:chOff x="0" y="0"/>
+          <a:chExt cx="0" cy="0"/>
+        </a:xfrm>
+      </p:grpSpPr>
+      <p:sp>
+        <p:nvSpPr>
+          <p:cNvPr id="2" name="Title 1">
+            <a:extLst>
+              <a:ext uri="{FF2B5EF4-FFF2-40B4-BE49-F238E27FC236}">
+                <a16:creationId xmlns:a16="http://schemas.microsoft.com/office/drawing/2014/main" id="{0EFAB077-DE56-4EAC-81C6-A3E5F45BFA33}"/>
+              </a:ext>
+            </a:extLst>
+          </p:cNvPr>
+          <p:cNvSpPr>
+            <a:spLocks noGrp="1"/>
+          </p:cNvSpPr>
+          <p:nvPr>
+            <p:ph type="title"/>
+          </p:nvPr>
+        </p:nvSpPr>
         <p:spPr/>
         <p:txBody>
           <a:bodyPr/>
           <a:lstStyle/>
           <a:p>
             <a:r>
-              <a:rPr lang="pt-PT" dirty="0"/>
-              <a:t>Resultados experimentais</a:t>
+              <a:rPr lang="pt-PT"/>
+              <a:t>Conclusions</a:t>
             </a:r>
           </a:p>
         </p:txBody>
@@ -8807,7 +12215,7 @@
           <p:cNvPr id="3" name="Content Placeholder 2">
             <a:extLst>
               <a:ext uri="{FF2B5EF4-FFF2-40B4-BE49-F238E27FC236}">
-                <a16:creationId xmlns:a16="http://schemas.microsoft.com/office/drawing/2014/main" id="{40BD1189-A2A2-4A1E-B5DF-7F423290B4DD}"/>
+                <a16:creationId xmlns:a16="http://schemas.microsoft.com/office/drawing/2014/main" id="{F55181EB-58D8-4D30-AF41-0C3DFE8D6F60}"/>
               </a:ext>
             </a:extLst>
           </p:cNvPr>
@@ -8820,17 +12228,410 @@
         </p:nvSpPr>
         <p:spPr/>
         <p:txBody>
-          <a:bodyPr/>
+          <a:bodyPr vert="horz" lIns="91440" tIns="45720" rIns="91440" bIns="45720" rtlCol="0" anchor="t">
+            <a:normAutofit/>
+          </a:bodyPr>
           <a:lstStyle/>
           <a:p>
-            <a:endParaRPr lang="pt-PT"/>
+            <a:pPr marL="383540" indent="-383540"/>
+            <a:r>
+              <a:rPr lang="pt-PT" dirty="0" err="1"/>
+              <a:t>Overall</a:t>
+            </a:r>
+            <a:r>
+              <a:rPr lang="pt-PT" dirty="0"/>
+              <a:t>, </a:t>
+            </a:r>
+            <a:r>
+              <a:rPr lang="pt-PT" dirty="0" err="1"/>
+              <a:t>we</a:t>
+            </a:r>
+            <a:r>
+              <a:rPr lang="pt-PT" dirty="0"/>
+              <a:t> </a:t>
+            </a:r>
+            <a:r>
+              <a:rPr lang="pt-PT" dirty="0" err="1"/>
+              <a:t>have</a:t>
+            </a:r>
+            <a:r>
+              <a:rPr lang="pt-PT" dirty="0"/>
+              <a:t> </a:t>
+            </a:r>
+            <a:r>
+              <a:rPr lang="pt-PT" dirty="0" err="1"/>
+              <a:t>successfully</a:t>
+            </a:r>
+            <a:r>
+              <a:rPr lang="pt-PT" dirty="0"/>
+              <a:t> </a:t>
+            </a:r>
+            <a:r>
+              <a:rPr lang="pt-PT" dirty="0" err="1"/>
+              <a:t>implemented</a:t>
+            </a:r>
+            <a:r>
+              <a:rPr lang="pt-PT" dirty="0"/>
+              <a:t> </a:t>
+            </a:r>
+            <a:r>
+              <a:rPr lang="pt-PT" dirty="0" err="1"/>
+              <a:t>search</a:t>
+            </a:r>
+            <a:r>
+              <a:rPr lang="pt-PT" dirty="0"/>
+              <a:t> </a:t>
+            </a:r>
+            <a:r>
+              <a:rPr lang="pt-PT" dirty="0" err="1"/>
+              <a:t>algorithms</a:t>
+            </a:r>
+            <a:r>
+              <a:rPr lang="pt-PT" dirty="0"/>
+              <a:t> </a:t>
+            </a:r>
+            <a:r>
+              <a:rPr lang="pt-PT" dirty="0" err="1"/>
+              <a:t>on</a:t>
+            </a:r>
+            <a:r>
+              <a:rPr lang="pt-PT" dirty="0"/>
+              <a:t> a </a:t>
+            </a:r>
+            <a:r>
+              <a:rPr lang="pt-PT" dirty="0" err="1"/>
+              <a:t>Zhed</a:t>
+            </a:r>
+            <a:r>
+              <a:rPr lang="pt-PT" dirty="0"/>
+              <a:t> Solver, </a:t>
+            </a:r>
+            <a:r>
+              <a:rPr lang="pt-PT" dirty="0" err="1"/>
+              <a:t>not</a:t>
+            </a:r>
+            <a:r>
+              <a:rPr lang="pt-PT" dirty="0"/>
+              <a:t> </a:t>
+            </a:r>
+            <a:r>
+              <a:rPr lang="pt-PT" dirty="0" err="1"/>
+              <a:t>only</a:t>
+            </a:r>
+            <a:r>
+              <a:rPr lang="pt-PT" dirty="0"/>
+              <a:t> </a:t>
+            </a:r>
+            <a:r>
+              <a:rPr lang="pt-PT" dirty="0" err="1"/>
+              <a:t>uninformed</a:t>
+            </a:r>
+            <a:r>
+              <a:rPr lang="pt-PT" dirty="0"/>
+              <a:t> </a:t>
+            </a:r>
+            <a:r>
+              <a:rPr lang="pt-PT" dirty="0" err="1"/>
+              <a:t>ones</a:t>
+            </a:r>
+            <a:r>
+              <a:rPr lang="pt-PT" dirty="0"/>
+              <a:t> </a:t>
+            </a:r>
+            <a:r>
+              <a:rPr lang="pt-PT" dirty="0" err="1"/>
+              <a:t>such</a:t>
+            </a:r>
+            <a:r>
+              <a:rPr lang="pt-PT" dirty="0"/>
+              <a:t> as DFS </a:t>
+            </a:r>
+            <a:r>
+              <a:rPr lang="pt-PT" dirty="0" err="1"/>
+              <a:t>and</a:t>
+            </a:r>
+            <a:r>
+              <a:rPr lang="pt-PT" dirty="0"/>
+              <a:t> BFS, </a:t>
+            </a:r>
+            <a:r>
+              <a:rPr lang="pt-PT" dirty="0" err="1"/>
+              <a:t>which</a:t>
+            </a:r>
+            <a:r>
+              <a:rPr lang="pt-PT" dirty="0"/>
+              <a:t> are </a:t>
+            </a:r>
+            <a:r>
+              <a:rPr lang="pt-PT" dirty="0" err="1"/>
+              <a:t>simpler</a:t>
+            </a:r>
+            <a:r>
+              <a:rPr lang="pt-PT" dirty="0"/>
+              <a:t> to </a:t>
+            </a:r>
+            <a:r>
+              <a:rPr lang="pt-PT" dirty="0" err="1"/>
+              <a:t>implement</a:t>
+            </a:r>
+            <a:r>
+              <a:rPr lang="pt-PT" dirty="0"/>
+              <a:t> </a:t>
+            </a:r>
+            <a:r>
+              <a:rPr lang="pt-PT" dirty="0" err="1"/>
+              <a:t>but</a:t>
+            </a:r>
+            <a:r>
+              <a:rPr lang="pt-PT" dirty="0"/>
+              <a:t> </a:t>
+            </a:r>
+            <a:r>
+              <a:rPr lang="pt-PT" dirty="0" err="1"/>
+              <a:t>end</a:t>
+            </a:r>
+            <a:r>
+              <a:rPr lang="pt-PT" dirty="0"/>
+              <a:t> </a:t>
+            </a:r>
+            <a:r>
+              <a:rPr lang="pt-PT" dirty="0" err="1"/>
+              <a:t>up</a:t>
+            </a:r>
+            <a:r>
+              <a:rPr lang="pt-PT" dirty="0"/>
+              <a:t> </a:t>
+            </a:r>
+            <a:r>
+              <a:rPr lang="pt-PT" dirty="0" err="1"/>
+              <a:t>taking</a:t>
+            </a:r>
+            <a:r>
+              <a:rPr lang="pt-PT" dirty="0"/>
+              <a:t> 5-10 times as </a:t>
+            </a:r>
+            <a:r>
+              <a:rPr lang="pt-PT" dirty="0" err="1"/>
+              <a:t>long</a:t>
+            </a:r>
+            <a:r>
+              <a:rPr lang="pt-PT" dirty="0"/>
+              <a:t>, </a:t>
+            </a:r>
+            <a:r>
+              <a:rPr lang="pt-PT" dirty="0" err="1"/>
+              <a:t>and</a:t>
+            </a:r>
+            <a:r>
+              <a:rPr lang="pt-PT" dirty="0"/>
+              <a:t> </a:t>
+            </a:r>
+            <a:r>
+              <a:rPr lang="pt-PT" dirty="0" err="1"/>
+              <a:t>also</a:t>
+            </a:r>
+            <a:r>
+              <a:rPr lang="pt-PT" dirty="0"/>
+              <a:t> </a:t>
+            </a:r>
+            <a:r>
+              <a:rPr lang="pt-PT" dirty="0" err="1"/>
+              <a:t>informed</a:t>
+            </a:r>
+            <a:r>
+              <a:rPr lang="pt-PT" dirty="0"/>
+              <a:t> </a:t>
+            </a:r>
+            <a:r>
+              <a:rPr lang="pt-PT" dirty="0" err="1"/>
+              <a:t>search</a:t>
+            </a:r>
+            <a:r>
+              <a:rPr lang="pt-PT" dirty="0"/>
+              <a:t> </a:t>
+            </a:r>
+            <a:r>
+              <a:rPr lang="pt-PT" dirty="0" err="1"/>
+              <a:t>algorithms</a:t>
+            </a:r>
+            <a:r>
+              <a:rPr lang="pt-PT" dirty="0"/>
+              <a:t>, </a:t>
+            </a:r>
+            <a:r>
+              <a:rPr lang="pt-PT" dirty="0" err="1"/>
+              <a:t>which</a:t>
+            </a:r>
+            <a:r>
+              <a:rPr lang="pt-PT" dirty="0"/>
+              <a:t> can </a:t>
+            </a:r>
+            <a:r>
+              <a:rPr lang="pt-PT" dirty="0" err="1"/>
+              <a:t>have</a:t>
+            </a:r>
+            <a:r>
+              <a:rPr lang="pt-PT" dirty="0"/>
+              <a:t> </a:t>
+            </a:r>
+            <a:r>
+              <a:rPr lang="pt-PT" dirty="0" err="1"/>
+              <a:t>better</a:t>
+            </a:r>
+            <a:r>
+              <a:rPr lang="pt-PT" dirty="0"/>
+              <a:t> </a:t>
+            </a:r>
+            <a:r>
+              <a:rPr lang="pt-PT" dirty="0" err="1"/>
+              <a:t>heuristics</a:t>
+            </a:r>
+            <a:r>
+              <a:rPr lang="pt-PT" dirty="0"/>
+              <a:t> for </a:t>
+            </a:r>
+            <a:r>
+              <a:rPr lang="pt-PT" dirty="0" err="1"/>
+              <a:t>different</a:t>
+            </a:r>
+            <a:r>
+              <a:rPr lang="pt-PT" dirty="0"/>
+              <a:t> </a:t>
+            </a:r>
+            <a:r>
+              <a:rPr lang="pt-PT"/>
+              <a:t>levels, as the solutions for each level can be very different</a:t>
+            </a:r>
+            <a:r>
+              <a:rPr lang="pt-PT" dirty="0"/>
+              <a:t>.</a:t>
+            </a:r>
+          </a:p>
+          <a:p>
+            <a:pPr marL="383540" indent="-383540"/>
+            <a:r>
+              <a:rPr lang="pt-PT" dirty="0"/>
+              <a:t>For </a:t>
+            </a:r>
+            <a:r>
+              <a:rPr lang="pt-PT" dirty="0" err="1"/>
+              <a:t>instance</a:t>
+            </a:r>
+            <a:r>
+              <a:rPr lang="pt-PT" dirty="0"/>
+              <a:t>, </a:t>
+            </a:r>
+            <a:r>
+              <a:rPr lang="pt-PT" dirty="0" err="1"/>
+              <a:t>heuristic</a:t>
+            </a:r>
+            <a:r>
+              <a:rPr lang="pt-PT" dirty="0"/>
+              <a:t> 4 </a:t>
+            </a:r>
+            <a:r>
+              <a:rPr lang="pt-PT" dirty="0" err="1"/>
+              <a:t>performs</a:t>
+            </a:r>
+            <a:r>
+              <a:rPr lang="pt-PT" dirty="0"/>
+              <a:t> a </a:t>
+            </a:r>
+            <a:r>
+              <a:rPr lang="pt-PT" dirty="0" err="1"/>
+              <a:t>lot</a:t>
+            </a:r>
+            <a:r>
+              <a:rPr lang="pt-PT" dirty="0"/>
+              <a:t> </a:t>
+            </a:r>
+            <a:r>
+              <a:rPr lang="pt-PT" dirty="0" err="1"/>
+              <a:t>better</a:t>
+            </a:r>
+            <a:r>
+              <a:rPr lang="pt-PT" dirty="0"/>
+              <a:t> </a:t>
+            </a:r>
+            <a:r>
+              <a:rPr lang="pt-PT" dirty="0" err="1"/>
+              <a:t>than</a:t>
+            </a:r>
+            <a:r>
+              <a:rPr lang="pt-PT" dirty="0"/>
+              <a:t> </a:t>
+            </a:r>
+            <a:r>
+              <a:rPr lang="pt-PT" dirty="0" err="1"/>
+              <a:t>heuristic</a:t>
+            </a:r>
+            <a:r>
+              <a:rPr lang="pt-PT" dirty="0"/>
+              <a:t> 2 (more </a:t>
+            </a:r>
+            <a:r>
+              <a:rPr lang="pt-PT" dirty="0" err="1"/>
+              <a:t>than</a:t>
+            </a:r>
+            <a:r>
+              <a:rPr lang="pt-PT" dirty="0"/>
+              <a:t> 2x) </a:t>
+            </a:r>
+            <a:r>
+              <a:rPr lang="pt-PT" dirty="0" err="1"/>
+              <a:t>on</a:t>
+            </a:r>
+            <a:r>
+              <a:rPr lang="pt-PT" dirty="0"/>
+              <a:t> </a:t>
+            </a:r>
+            <a:r>
+              <a:rPr lang="pt-PT" dirty="0" err="1"/>
+              <a:t>Level</a:t>
+            </a:r>
+            <a:r>
+              <a:rPr lang="pt-PT" dirty="0"/>
+              <a:t> 10, </a:t>
+            </a:r>
+            <a:r>
+              <a:rPr lang="pt-PT" dirty="0" err="1"/>
+              <a:t>but</a:t>
+            </a:r>
+            <a:r>
+              <a:rPr lang="pt-PT" dirty="0"/>
+              <a:t> </a:t>
+            </a:r>
+            <a:r>
+              <a:rPr lang="pt-PT" dirty="0" err="1"/>
+              <a:t>worse</a:t>
+            </a:r>
+            <a:r>
+              <a:rPr lang="pt-PT" dirty="0"/>
+              <a:t> </a:t>
+            </a:r>
+            <a:r>
+              <a:rPr lang="pt-PT" dirty="0" err="1"/>
+              <a:t>on</a:t>
+            </a:r>
+            <a:r>
+              <a:rPr lang="pt-PT" dirty="0"/>
+              <a:t> </a:t>
+            </a:r>
+            <a:r>
+              <a:rPr lang="pt-PT" dirty="0" err="1"/>
+              <a:t>Level</a:t>
+            </a:r>
+            <a:r>
+              <a:rPr lang="pt-PT" dirty="0"/>
+              <a:t> 12 (~1.5x).</a:t>
+            </a:r>
           </a:p>
         </p:txBody>
       </p:sp>
     </p:spTree>
     <p:extLst>
       <p:ext uri="{BB962C8B-B14F-4D97-AF65-F5344CB8AC3E}">
-        <p14:creationId xmlns:p14="http://schemas.microsoft.com/office/powerpoint/2010/main" val="2979242035"/>
+        <p14:creationId xmlns:p14="http://schemas.microsoft.com/office/powerpoint/2010/main" val="2390245722"/>
       </p:ext>
     </p:extLst>
   </p:cSld>
@@ -9105,15 +12906,6 @@
 </file>
 
 <file path=customXml/item2.xml><?xml version="1.0" encoding="utf-8"?>
-<?mso-contentType ?>
-<FormTemplates xmlns="http://schemas.microsoft.com/sharepoint/v3/contenttype/forms">
-  <Display>DocumentLibraryForm</Display>
-  <Edit>DocumentLibraryForm</Edit>
-  <New>DocumentLibraryForm</New>
-</FormTemplates>
-</file>
-
-<file path=customXml/item3.xml><?xml version="1.0" encoding="utf-8"?>
 <ct:contentTypeSchema xmlns:ct="http://schemas.microsoft.com/office/2006/metadata/contentType" xmlns:ma="http://schemas.microsoft.com/office/2006/metadata/properties/metaAttributes" ct:_="" ma:_="" ma:contentTypeName="Documento" ma:contentTypeID="0x010100C212DCAE0B3AC64A8F020A4E3110E2C5" ma:contentTypeVersion="4" ma:contentTypeDescription="Criar um novo documento." ma:contentTypeScope="" ma:versionID="047ddf217a673f80776ad907e0b8b9ca">
   <xsd:schema xmlns:xsd="http://www.w3.org/2001/XMLSchema" xmlns:xs="http://www.w3.org/2001/XMLSchema" xmlns:p="http://schemas.microsoft.com/office/2006/metadata/properties" xmlns:ns3="55632c6c-942b-460a-81b1-ecaa869c5319" targetNamespace="http://schemas.microsoft.com/office/2006/metadata/properties" ma:root="true" ma:fieldsID="0257c76e39de83f16537c8b81966f961" ns3:_="">
     <xsd:import namespace="55632c6c-942b-460a-81b1-ecaa869c5319"/>
@@ -9259,44 +13051,46 @@
 </ct:contentTypeSchema>
 </file>
 
+<file path=customXml/item3.xml><?xml version="1.0" encoding="utf-8"?>
+<?mso-contentType ?>
+<FormTemplates xmlns="http://schemas.microsoft.com/sharepoint/v3/contenttype/forms">
+  <Display>DocumentLibraryForm</Display>
+  <Edit>DocumentLibraryForm</Edit>
+  <New>DocumentLibraryForm</New>
+</FormTemplates>
+</file>
+
 <file path=customXml/itemProps1.xml><?xml version="1.0" encoding="utf-8"?>
 <ds:datastoreItem xmlns:ds="http://schemas.openxmlformats.org/officeDocument/2006/customXml" ds:itemID="{B47A4509-780F-43D6-86D6-767E07B6F805}">
   <ds:schemaRefs>
-    <ds:schemaRef ds:uri="http://www.w3.org/XML/1998/namespace"/>
-    <ds:schemaRef ds:uri="55632c6c-942b-460a-81b1-ecaa869c5319"/>
-    <ds:schemaRef ds:uri="http://schemas.microsoft.com/office/2006/documentManagement/types"/>
+    <ds:schemaRef ds:uri="http://schemas.microsoft.com/office/2006/metadata/properties"/>
     <ds:schemaRef ds:uri="http://schemas.microsoft.com/office/infopath/2007/PartnerControls"/>
-    <ds:schemaRef ds:uri="http://purl.org/dc/dcmitype/"/>
-    <ds:schemaRef ds:uri="http://purl.org/dc/terms/"/>
-    <ds:schemaRef ds:uri="http://purl.org/dc/elements/1.1/"/>
-    <ds:schemaRef ds:uri="http://schemas.openxmlformats.org/package/2006/metadata/core-properties"/>
-    <ds:schemaRef ds:uri="http://schemas.microsoft.com/office/2006/metadata/properties"/>
   </ds:schemaRefs>
 </ds:datastoreItem>
 </file>
 
 <file path=customXml/itemProps2.xml><?xml version="1.0" encoding="utf-8"?>
+<ds:datastoreItem xmlns:ds="http://schemas.openxmlformats.org/officeDocument/2006/customXml" ds:itemID="{1CA452DA-5B35-441E-BA60-3B1E1DD0602F}">
+  <ds:schemaRefs>
+    <ds:schemaRef ds:uri="http://schemas.microsoft.com/office/2006/metadata/contentType"/>
+    <ds:schemaRef ds:uri="http://schemas.microsoft.com/office/2006/metadata/properties/metaAttributes"/>
+    <ds:schemaRef ds:uri="http://www.w3.org/2001/XMLSchema"/>
+    <ds:schemaRef ds:uri="http://schemas.microsoft.com/office/2006/metadata/properties"/>
+    <ds:schemaRef ds:uri="55632c6c-942b-460a-81b1-ecaa869c5319"/>
+    <ds:schemaRef ds:uri="http://schemas.microsoft.com/office/2006/documentManagement/types"/>
+    <ds:schemaRef ds:uri="http://schemas.microsoft.com/office/infopath/2007/PartnerControls"/>
+    <ds:schemaRef ds:uri="http://schemas.openxmlformats.org/package/2006/metadata/core-properties"/>
+    <ds:schemaRef ds:uri="http://purl.org/dc/elements/1.1/"/>
+    <ds:schemaRef ds:uri="http://purl.org/dc/terms/"/>
+    <ds:schemaRef ds:uri="http://schemas.microsoft.com/internal/obd"/>
+  </ds:schemaRefs>
+</ds:datastoreItem>
+</file>
+
+<file path=customXml/itemProps3.xml><?xml version="1.0" encoding="utf-8"?>
 <ds:datastoreItem xmlns:ds="http://schemas.openxmlformats.org/officeDocument/2006/customXml" ds:itemID="{9DCAC987-3F42-455D-B295-BE4B881FFFB7}">
   <ds:schemaRefs>
     <ds:schemaRef ds:uri="http://schemas.microsoft.com/sharepoint/v3/contenttype/forms"/>
   </ds:schemaRefs>
 </ds:datastoreItem>
-</file>
-
-<file path=customXml/itemProps3.xml><?xml version="1.0" encoding="utf-8"?>
-<ds:datastoreItem xmlns:ds="http://schemas.openxmlformats.org/officeDocument/2006/customXml" ds:itemID="{1CA452DA-5B35-441E-BA60-3B1E1DD0602F}">
-  <ds:schemaRefs>
-    <ds:schemaRef ds:uri="55632c6c-942b-460a-81b1-ecaa869c5319"/>
-    <ds:schemaRef ds:uri="http://purl.org/dc/elements/1.1/"/>
-    <ds:schemaRef ds:uri="http://purl.org/dc/terms/"/>
-    <ds:schemaRef ds:uri="http://schemas.microsoft.com/internal/obd"/>
-    <ds:schemaRef ds:uri="http://schemas.microsoft.com/office/2006/documentManagement/types"/>
-    <ds:schemaRef ds:uri="http://schemas.microsoft.com/office/2006/metadata/contentType"/>
-    <ds:schemaRef ds:uri="http://schemas.microsoft.com/office/2006/metadata/properties"/>
-    <ds:schemaRef ds:uri="http://schemas.microsoft.com/office/2006/metadata/properties/metaAttributes"/>
-    <ds:schemaRef ds:uri="http://schemas.microsoft.com/office/infopath/2007/PartnerControls"/>
-    <ds:schemaRef ds:uri="http://schemas.openxmlformats.org/package/2006/metadata/core-properties"/>
-    <ds:schemaRef ds:uri="http://www.w3.org/2001/XMLSchema"/>
-  </ds:schemaRefs>
-</ds:datastoreItem>
 </file>